--- a/Lecture_06.pptx
+++ b/Lecture_06.pptx
@@ -5,7 +5,7 @@
     <p:sldMasterId id="2147483648" r:id="rId1"/>
   </p:sldMasterIdLst>
   <p:notesMasterIdLst>
-    <p:notesMasterId r:id="rId23"/>
+    <p:notesMasterId r:id="rId24"/>
   </p:notesMasterIdLst>
   <p:sldIdLst>
     <p:sldId id="256" r:id="rId2"/>
@@ -28,7 +28,8 @@
     <p:sldId id="272" r:id="rId19"/>
     <p:sldId id="274" r:id="rId20"/>
     <p:sldId id="276" r:id="rId21"/>
-    <p:sldId id="275" r:id="rId22"/>
+    <p:sldId id="277" r:id="rId22"/>
+    <p:sldId id="275" r:id="rId23"/>
   </p:sldIdLst>
   <p:sldSz cx="12192000" cy="6858000"/>
   <p:notesSz cx="6858000" cy="9144000"/>
@@ -127,6 +128,11 @@
       </a:defRPr>
     </a:lvl9pPr>
   </p:defaultTextStyle>
+  <p:extLst>
+    <p:ext uri="{EFAFB233-063F-42B5-8137-9DF3F51BA10A}">
+      <p15:sldGuideLst xmlns:p15="http://schemas.microsoft.com/office/powerpoint/2012/main"/>
+    </p:ext>
+  </p:extLst>
 </p:presentation>
 </file>
 
@@ -212,7 +218,7 @@
           <a:p>
             <a:fld id="{DF02A98C-6173-441D-9702-798FADA1C944}" type="datetimeFigureOut">
               <a:rPr lang="en-CA" smtClean="0"/>
-              <a:t>2019-09-15</a:t>
+              <a:t>2019-09-16</a:t>
             </a:fld>
             <a:endParaRPr lang="en-CA"/>
           </a:p>
@@ -611,7 +617,7 @@
           <a:p>
             <a:fld id="{181B47E1-F293-45D7-B021-E06F9AC3DC9A}" type="datetimeFigureOut">
               <a:rPr lang="en-CA" smtClean="0"/>
-              <a:t>2019-09-15</a:t>
+              <a:t>2019-09-16</a:t>
             </a:fld>
             <a:endParaRPr lang="en-CA"/>
           </a:p>
@@ -781,7 +787,7 @@
           <a:p>
             <a:fld id="{181B47E1-F293-45D7-B021-E06F9AC3DC9A}" type="datetimeFigureOut">
               <a:rPr lang="en-CA" smtClean="0"/>
-              <a:t>2019-09-15</a:t>
+              <a:t>2019-09-16</a:t>
             </a:fld>
             <a:endParaRPr lang="en-CA"/>
           </a:p>
@@ -961,7 +967,7 @@
           <a:p>
             <a:fld id="{181B47E1-F293-45D7-B021-E06F9AC3DC9A}" type="datetimeFigureOut">
               <a:rPr lang="en-CA" smtClean="0"/>
-              <a:t>2019-09-15</a:t>
+              <a:t>2019-09-16</a:t>
             </a:fld>
             <a:endParaRPr lang="en-CA"/>
           </a:p>
@@ -1131,7 +1137,7 @@
           <a:p>
             <a:fld id="{181B47E1-F293-45D7-B021-E06F9AC3DC9A}" type="datetimeFigureOut">
               <a:rPr lang="en-CA" smtClean="0"/>
-              <a:t>2019-09-15</a:t>
+              <a:t>2019-09-16</a:t>
             </a:fld>
             <a:endParaRPr lang="en-CA"/>
           </a:p>
@@ -1377,7 +1383,7 @@
           <a:p>
             <a:fld id="{181B47E1-F293-45D7-B021-E06F9AC3DC9A}" type="datetimeFigureOut">
               <a:rPr lang="en-CA" smtClean="0"/>
-              <a:t>2019-09-15</a:t>
+              <a:t>2019-09-16</a:t>
             </a:fld>
             <a:endParaRPr lang="en-CA"/>
           </a:p>
@@ -1609,7 +1615,7 @@
           <a:p>
             <a:fld id="{181B47E1-F293-45D7-B021-E06F9AC3DC9A}" type="datetimeFigureOut">
               <a:rPr lang="en-CA" smtClean="0"/>
-              <a:t>2019-09-15</a:t>
+              <a:t>2019-09-16</a:t>
             </a:fld>
             <a:endParaRPr lang="en-CA"/>
           </a:p>
@@ -1976,7 +1982,7 @@
           <a:p>
             <a:fld id="{181B47E1-F293-45D7-B021-E06F9AC3DC9A}" type="datetimeFigureOut">
               <a:rPr lang="en-CA" smtClean="0"/>
-              <a:t>2019-09-15</a:t>
+              <a:t>2019-09-16</a:t>
             </a:fld>
             <a:endParaRPr lang="en-CA"/>
           </a:p>
@@ -2094,7 +2100,7 @@
           <a:p>
             <a:fld id="{181B47E1-F293-45D7-B021-E06F9AC3DC9A}" type="datetimeFigureOut">
               <a:rPr lang="en-CA" smtClean="0"/>
-              <a:t>2019-09-15</a:t>
+              <a:t>2019-09-16</a:t>
             </a:fld>
             <a:endParaRPr lang="en-CA"/>
           </a:p>
@@ -2189,7 +2195,7 @@
           <a:p>
             <a:fld id="{181B47E1-F293-45D7-B021-E06F9AC3DC9A}" type="datetimeFigureOut">
               <a:rPr lang="en-CA" smtClean="0"/>
-              <a:t>2019-09-15</a:t>
+              <a:t>2019-09-16</a:t>
             </a:fld>
             <a:endParaRPr lang="en-CA"/>
           </a:p>
@@ -2466,7 +2472,7 @@
           <a:p>
             <a:fld id="{181B47E1-F293-45D7-B021-E06F9AC3DC9A}" type="datetimeFigureOut">
               <a:rPr lang="en-CA" smtClean="0"/>
-              <a:t>2019-09-15</a:t>
+              <a:t>2019-09-16</a:t>
             </a:fld>
             <a:endParaRPr lang="en-CA"/>
           </a:p>
@@ -2719,7 +2725,7 @@
           <a:p>
             <a:fld id="{181B47E1-F293-45D7-B021-E06F9AC3DC9A}" type="datetimeFigureOut">
               <a:rPr lang="en-CA" smtClean="0"/>
-              <a:t>2019-09-15</a:t>
+              <a:t>2019-09-16</a:t>
             </a:fld>
             <a:endParaRPr lang="en-CA"/>
           </a:p>
@@ -2932,7 +2938,7 @@
           <a:p>
             <a:fld id="{181B47E1-F293-45D7-B021-E06F9AC3DC9A}" type="datetimeFigureOut">
               <a:rPr lang="en-CA" smtClean="0"/>
-              <a:t>2019-09-15</a:t>
+              <a:t>2019-09-16</a:t>
             </a:fld>
             <a:endParaRPr lang="en-CA"/>
           </a:p>
@@ -3440,16 +3446,18 @@
         <p:spPr>
           <a:xfrm>
             <a:off x="0" y="0"/>
-            <a:ext cx="10515600" cy="1006475"/>
+            <a:ext cx="11125200" cy="1006475"/>
           </a:xfrm>
         </p:spPr>
         <p:txBody>
-          <a:bodyPr/>
+          <a:bodyPr>
+            <a:normAutofit fontScale="90000"/>
+          </a:bodyPr>
           <a:lstStyle/>
           <a:p>
             <a:r>
               <a:rPr lang="en-CA" dirty="0" smtClean="0"/>
-              <a:t>Rules vs Decision Lists</a:t>
+              <a:t>Does PRISM produce a Decision List, or Nuggets?</a:t>
             </a:r>
             <a:endParaRPr lang="en-CA" dirty="0"/>
           </a:p>
@@ -3556,6 +3564,77 @@
           </a:prstGeom>
         </p:spPr>
       </p:pic>
+      <p:pic>
+        <p:nvPicPr>
+          <p:cNvPr id="1026" name="Picture 2" descr="Image result for gold nugget"/>
+          <p:cNvPicPr>
+            <a:picLocks noChangeAspect="1" noChangeArrowheads="1"/>
+          </p:cNvPicPr>
+          <p:nvPr/>
+        </p:nvPicPr>
+        <p:blipFill>
+          <a:blip r:embed="rId3" cstate="print">
+            <a:extLst>
+              <a:ext uri="{28A0092B-C50C-407E-A947-70E740481C1C}">
+                <a14:useLocalDpi xmlns:a14="http://schemas.microsoft.com/office/drawing/2010/main" val="0"/>
+              </a:ext>
+            </a:extLst>
+          </a:blip>
+          <a:srcRect/>
+          <a:stretch>
+            <a:fillRect/>
+          </a:stretch>
+        </p:blipFill>
+        <p:spPr bwMode="auto">
+          <a:xfrm>
+            <a:off x="110835" y="5031484"/>
+            <a:ext cx="2424547" cy="1364674"/>
+          </a:xfrm>
+          <a:prstGeom prst="rect">
+            <a:avLst/>
+          </a:prstGeom>
+          <a:noFill/>
+          <a:extLst>
+            <a:ext uri="{909E8E84-426E-40DD-AFC4-6F175D3DCCD1}">
+              <a14:hiddenFill xmlns:a14="http://schemas.microsoft.com/office/drawing/2010/main">
+                <a:solidFill>
+                  <a:srgbClr val="FFFFFF"/>
+                </a:solidFill>
+              </a14:hiddenFill>
+            </a:ext>
+          </a:extLst>
+        </p:spPr>
+      </p:pic>
+      <p:sp>
+        <p:nvSpPr>
+          <p:cNvPr id="4" name="TextBox 3"/>
+          <p:cNvSpPr txBox="1"/>
+          <p:nvPr/>
+        </p:nvSpPr>
+        <p:spPr>
+          <a:xfrm>
+            <a:off x="110835" y="4627418"/>
+            <a:ext cx="1413165" cy="369332"/>
+          </a:xfrm>
+          <a:prstGeom prst="rect">
+            <a:avLst/>
+          </a:prstGeom>
+          <a:noFill/>
+        </p:spPr>
+        <p:txBody>
+          <a:bodyPr wrap="square" rtlCol="0">
+            <a:spAutoFit/>
+          </a:bodyPr>
+          <a:lstStyle/>
+          <a:p>
+            <a:r>
+              <a:rPr lang="en-CA" dirty="0" smtClean="0"/>
+              <a:t>nuggets</a:t>
+            </a:r>
+            <a:endParaRPr lang="en-CA" dirty="0"/>
+          </a:p>
+        </p:txBody>
+      </p:sp>
     </p:spTree>
     <p:extLst>
       <p:ext uri="{BB962C8B-B14F-4D97-AF65-F5344CB8AC3E}">
@@ -3569,9 +3648,429 @@
   <p:timing>
     <p:tnLst>
       <p:par>
-        <p:cTn id="1" dur="indefinite" restart="never" nodeType="tmRoot"/>
+        <p:cTn id="1" dur="indefinite" restart="never" nodeType="tmRoot">
+          <p:childTnLst>
+            <p:seq concurrent="1" nextAc="seek">
+              <p:cTn id="2" dur="indefinite" nodeType="mainSeq">
+                <p:childTnLst>
+                  <p:par>
+                    <p:cTn id="3" fill="hold">
+                      <p:stCondLst>
+                        <p:cond delay="indefinite"/>
+                      </p:stCondLst>
+                      <p:childTnLst>
+                        <p:par>
+                          <p:cTn id="4" fill="hold">
+                            <p:stCondLst>
+                              <p:cond delay="0"/>
+                            </p:stCondLst>
+                            <p:childTnLst>
+                              <p:par>
+                                <p:cTn id="5" presetID="1" presetClass="entr" presetSubtype="0" fill="hold" grpId="0" nodeType="clickEffect">
+                                  <p:stCondLst>
+                                    <p:cond delay="0"/>
+                                  </p:stCondLst>
+                                  <p:childTnLst>
+                                    <p:set>
+                                      <p:cBhvr>
+                                        <p:cTn id="6" dur="1" fill="hold">
+                                          <p:stCondLst>
+                                            <p:cond delay="0"/>
+                                          </p:stCondLst>
+                                        </p:cTn>
+                                        <p:tgtEl>
+                                          <p:spTgt spid="3">
+                                            <p:txEl>
+                                              <p:pRg st="0" end="0"/>
+                                            </p:txEl>
+                                          </p:spTgt>
+                                        </p:tgtEl>
+                                        <p:attrNameLst>
+                                          <p:attrName>style.visibility</p:attrName>
+                                        </p:attrNameLst>
+                                      </p:cBhvr>
+                                      <p:to>
+                                        <p:strVal val="visible"/>
+                                      </p:to>
+                                    </p:set>
+                                  </p:childTnLst>
+                                </p:cTn>
+                              </p:par>
+                              <p:par>
+                                <p:cTn id="7" presetID="1" presetClass="entr" presetSubtype="0" fill="hold" grpId="0" nodeType="withEffect">
+                                  <p:stCondLst>
+                                    <p:cond delay="0"/>
+                                  </p:stCondLst>
+                                  <p:childTnLst>
+                                    <p:set>
+                                      <p:cBhvr>
+                                        <p:cTn id="8" dur="1" fill="hold">
+                                          <p:stCondLst>
+                                            <p:cond delay="0"/>
+                                          </p:stCondLst>
+                                        </p:cTn>
+                                        <p:tgtEl>
+                                          <p:spTgt spid="3">
+                                            <p:txEl>
+                                              <p:pRg st="1" end="1"/>
+                                            </p:txEl>
+                                          </p:spTgt>
+                                        </p:tgtEl>
+                                        <p:attrNameLst>
+                                          <p:attrName>style.visibility</p:attrName>
+                                        </p:attrNameLst>
+                                      </p:cBhvr>
+                                      <p:to>
+                                        <p:strVal val="visible"/>
+                                      </p:to>
+                                    </p:set>
+                                  </p:childTnLst>
+                                </p:cTn>
+                              </p:par>
+                            </p:childTnLst>
+                          </p:cTn>
+                        </p:par>
+                      </p:childTnLst>
+                    </p:cTn>
+                  </p:par>
+                  <p:par>
+                    <p:cTn id="9" fill="hold">
+                      <p:stCondLst>
+                        <p:cond delay="indefinite"/>
+                      </p:stCondLst>
+                      <p:childTnLst>
+                        <p:par>
+                          <p:cTn id="10" fill="hold">
+                            <p:stCondLst>
+                              <p:cond delay="0"/>
+                            </p:stCondLst>
+                            <p:childTnLst>
+                              <p:par>
+                                <p:cTn id="11" presetID="1" presetClass="entr" presetSubtype="0" fill="hold" grpId="0" nodeType="clickEffect">
+                                  <p:stCondLst>
+                                    <p:cond delay="0"/>
+                                  </p:stCondLst>
+                                  <p:childTnLst>
+                                    <p:set>
+                                      <p:cBhvr>
+                                        <p:cTn id="12" dur="1" fill="hold">
+                                          <p:stCondLst>
+                                            <p:cond delay="0"/>
+                                          </p:stCondLst>
+                                        </p:cTn>
+                                        <p:tgtEl>
+                                          <p:spTgt spid="3">
+                                            <p:txEl>
+                                              <p:pRg st="2" end="2"/>
+                                            </p:txEl>
+                                          </p:spTgt>
+                                        </p:tgtEl>
+                                        <p:attrNameLst>
+                                          <p:attrName>style.visibility</p:attrName>
+                                        </p:attrNameLst>
+                                      </p:cBhvr>
+                                      <p:to>
+                                        <p:strVal val="visible"/>
+                                      </p:to>
+                                    </p:set>
+                                  </p:childTnLst>
+                                </p:cTn>
+                              </p:par>
+                            </p:childTnLst>
+                          </p:cTn>
+                        </p:par>
+                      </p:childTnLst>
+                    </p:cTn>
+                  </p:par>
+                  <p:par>
+                    <p:cTn id="13" fill="hold">
+                      <p:stCondLst>
+                        <p:cond delay="indefinite"/>
+                      </p:stCondLst>
+                      <p:childTnLst>
+                        <p:par>
+                          <p:cTn id="14" fill="hold">
+                            <p:stCondLst>
+                              <p:cond delay="0"/>
+                            </p:stCondLst>
+                            <p:childTnLst>
+                              <p:par>
+                                <p:cTn id="15" presetID="1" presetClass="entr" presetSubtype="0" fill="hold" nodeType="clickEffect">
+                                  <p:stCondLst>
+                                    <p:cond delay="0"/>
+                                  </p:stCondLst>
+                                  <p:childTnLst>
+                                    <p:set>
+                                      <p:cBhvr>
+                                        <p:cTn id="16" dur="1" fill="hold">
+                                          <p:stCondLst>
+                                            <p:cond delay="0"/>
+                                          </p:stCondLst>
+                                        </p:cTn>
+                                        <p:tgtEl>
+                                          <p:spTgt spid="5"/>
+                                        </p:tgtEl>
+                                        <p:attrNameLst>
+                                          <p:attrName>style.visibility</p:attrName>
+                                        </p:attrNameLst>
+                                      </p:cBhvr>
+                                      <p:to>
+                                        <p:strVal val="visible"/>
+                                      </p:to>
+                                    </p:set>
+                                  </p:childTnLst>
+                                </p:cTn>
+                              </p:par>
+                            </p:childTnLst>
+                          </p:cTn>
+                        </p:par>
+                      </p:childTnLst>
+                    </p:cTn>
+                  </p:par>
+                  <p:par>
+                    <p:cTn id="17" fill="hold">
+                      <p:stCondLst>
+                        <p:cond delay="indefinite"/>
+                      </p:stCondLst>
+                      <p:childTnLst>
+                        <p:par>
+                          <p:cTn id="18" fill="hold">
+                            <p:stCondLst>
+                              <p:cond delay="0"/>
+                            </p:stCondLst>
+                            <p:childTnLst>
+                              <p:par>
+                                <p:cTn id="19" presetID="1" presetClass="entr" presetSubtype="0" fill="hold" grpId="0" nodeType="clickEffect">
+                                  <p:stCondLst>
+                                    <p:cond delay="0"/>
+                                  </p:stCondLst>
+                                  <p:childTnLst>
+                                    <p:set>
+                                      <p:cBhvr>
+                                        <p:cTn id="20" dur="1" fill="hold">
+                                          <p:stCondLst>
+                                            <p:cond delay="0"/>
+                                          </p:stCondLst>
+                                        </p:cTn>
+                                        <p:tgtEl>
+                                          <p:spTgt spid="3">
+                                            <p:txEl>
+                                              <p:pRg st="3" end="3"/>
+                                            </p:txEl>
+                                          </p:spTgt>
+                                        </p:tgtEl>
+                                        <p:attrNameLst>
+                                          <p:attrName>style.visibility</p:attrName>
+                                        </p:attrNameLst>
+                                      </p:cBhvr>
+                                      <p:to>
+                                        <p:strVal val="visible"/>
+                                      </p:to>
+                                    </p:set>
+                                  </p:childTnLst>
+                                </p:cTn>
+                              </p:par>
+                            </p:childTnLst>
+                          </p:cTn>
+                        </p:par>
+                      </p:childTnLst>
+                    </p:cTn>
+                  </p:par>
+                  <p:par>
+                    <p:cTn id="21" fill="hold">
+                      <p:stCondLst>
+                        <p:cond delay="indefinite"/>
+                      </p:stCondLst>
+                      <p:childTnLst>
+                        <p:par>
+                          <p:cTn id="22" fill="hold">
+                            <p:stCondLst>
+                              <p:cond delay="0"/>
+                            </p:stCondLst>
+                            <p:childTnLst>
+                              <p:par>
+                                <p:cTn id="23" presetID="1" presetClass="entr" presetSubtype="0" fill="hold" grpId="0" nodeType="clickEffect">
+                                  <p:stCondLst>
+                                    <p:cond delay="0"/>
+                                  </p:stCondLst>
+                                  <p:childTnLst>
+                                    <p:set>
+                                      <p:cBhvr>
+                                        <p:cTn id="24" dur="1" fill="hold">
+                                          <p:stCondLst>
+                                            <p:cond delay="0"/>
+                                          </p:stCondLst>
+                                        </p:cTn>
+                                        <p:tgtEl>
+                                          <p:spTgt spid="3">
+                                            <p:txEl>
+                                              <p:pRg st="4" end="4"/>
+                                            </p:txEl>
+                                          </p:spTgt>
+                                        </p:tgtEl>
+                                        <p:attrNameLst>
+                                          <p:attrName>style.visibility</p:attrName>
+                                        </p:attrNameLst>
+                                      </p:cBhvr>
+                                      <p:to>
+                                        <p:strVal val="visible"/>
+                                      </p:to>
+                                    </p:set>
+                                  </p:childTnLst>
+                                </p:cTn>
+                              </p:par>
+                            </p:childTnLst>
+                          </p:cTn>
+                        </p:par>
+                      </p:childTnLst>
+                    </p:cTn>
+                  </p:par>
+                  <p:par>
+                    <p:cTn id="25" fill="hold">
+                      <p:stCondLst>
+                        <p:cond delay="indefinite"/>
+                      </p:stCondLst>
+                      <p:childTnLst>
+                        <p:par>
+                          <p:cTn id="26" fill="hold">
+                            <p:stCondLst>
+                              <p:cond delay="0"/>
+                            </p:stCondLst>
+                            <p:childTnLst>
+                              <p:par>
+                                <p:cTn id="27" presetID="1" presetClass="entr" presetSubtype="0" fill="hold" grpId="0" nodeType="clickEffect">
+                                  <p:stCondLst>
+                                    <p:cond delay="0"/>
+                                  </p:stCondLst>
+                                  <p:childTnLst>
+                                    <p:set>
+                                      <p:cBhvr>
+                                        <p:cTn id="28" dur="1" fill="hold">
+                                          <p:stCondLst>
+                                            <p:cond delay="0"/>
+                                          </p:stCondLst>
+                                        </p:cTn>
+                                        <p:tgtEl>
+                                          <p:spTgt spid="3">
+                                            <p:txEl>
+                                              <p:pRg st="5" end="5"/>
+                                            </p:txEl>
+                                          </p:spTgt>
+                                        </p:tgtEl>
+                                        <p:attrNameLst>
+                                          <p:attrName>style.visibility</p:attrName>
+                                        </p:attrNameLst>
+                                      </p:cBhvr>
+                                      <p:to>
+                                        <p:strVal val="visible"/>
+                                      </p:to>
+                                    </p:set>
+                                  </p:childTnLst>
+                                </p:cTn>
+                              </p:par>
+                            </p:childTnLst>
+                          </p:cTn>
+                        </p:par>
+                      </p:childTnLst>
+                    </p:cTn>
+                  </p:par>
+                  <p:par>
+                    <p:cTn id="29" fill="hold">
+                      <p:stCondLst>
+                        <p:cond delay="indefinite"/>
+                      </p:stCondLst>
+                      <p:childTnLst>
+                        <p:par>
+                          <p:cTn id="30" fill="hold">
+                            <p:stCondLst>
+                              <p:cond delay="0"/>
+                            </p:stCondLst>
+                            <p:childTnLst>
+                              <p:par>
+                                <p:cTn id="31" presetID="1" presetClass="entr" presetSubtype="0" fill="hold" nodeType="clickEffect">
+                                  <p:stCondLst>
+                                    <p:cond delay="0"/>
+                                  </p:stCondLst>
+                                  <p:childTnLst>
+                                    <p:set>
+                                      <p:cBhvr>
+                                        <p:cTn id="32" dur="1" fill="hold">
+                                          <p:stCondLst>
+                                            <p:cond delay="0"/>
+                                          </p:stCondLst>
+                                        </p:cTn>
+                                        <p:tgtEl>
+                                          <p:spTgt spid="1026"/>
+                                        </p:tgtEl>
+                                        <p:attrNameLst>
+                                          <p:attrName>style.visibility</p:attrName>
+                                        </p:attrNameLst>
+                                      </p:cBhvr>
+                                      <p:to>
+                                        <p:strVal val="visible"/>
+                                      </p:to>
+                                    </p:set>
+                                  </p:childTnLst>
+                                </p:cTn>
+                              </p:par>
+                              <p:par>
+                                <p:cTn id="33" presetID="1" presetClass="entr" presetSubtype="0" fill="hold" grpId="0" nodeType="withEffect">
+                                  <p:stCondLst>
+                                    <p:cond delay="0"/>
+                                  </p:stCondLst>
+                                  <p:childTnLst>
+                                    <p:set>
+                                      <p:cBhvr>
+                                        <p:cTn id="34" dur="1" fill="hold">
+                                          <p:stCondLst>
+                                            <p:cond delay="0"/>
+                                          </p:stCondLst>
+                                        </p:cTn>
+                                        <p:tgtEl>
+                                          <p:spTgt spid="4"/>
+                                        </p:tgtEl>
+                                        <p:attrNameLst>
+                                          <p:attrName>style.visibility</p:attrName>
+                                        </p:attrNameLst>
+                                      </p:cBhvr>
+                                      <p:to>
+                                        <p:strVal val="visible"/>
+                                      </p:to>
+                                    </p:set>
+                                  </p:childTnLst>
+                                </p:cTn>
+                              </p:par>
+                            </p:childTnLst>
+                          </p:cTn>
+                        </p:par>
+                      </p:childTnLst>
+                    </p:cTn>
+                  </p:par>
+                </p:childTnLst>
+              </p:cTn>
+              <p:prevCondLst>
+                <p:cond evt="onPrev" delay="0">
+                  <p:tgtEl>
+                    <p:sldTgt/>
+                  </p:tgtEl>
+                </p:cond>
+              </p:prevCondLst>
+              <p:nextCondLst>
+                <p:cond evt="onNext" delay="0">
+                  <p:tgtEl>
+                    <p:sldTgt/>
+                  </p:tgtEl>
+                </p:cond>
+              </p:nextCondLst>
+            </p:seq>
+          </p:childTnLst>
+        </p:cTn>
       </p:par>
     </p:tnLst>
+    <p:bldLst>
+      <p:bldP spid="3" grpId="0" uiExpand="1" build="p"/>
+      <p:bldP spid="4" grpId="0"/>
+    </p:bldLst>
   </p:timing>
 </p:sld>
 </file>
@@ -3634,7 +4133,7 @@
         </p:spPr>
         <p:txBody>
           <a:bodyPr>
-            <a:normAutofit fontScale="92500" lnSpcReduction="10000"/>
+            <a:normAutofit/>
           </a:bodyPr>
           <a:lstStyle/>
           <a:p>
@@ -3652,7 +4151,11 @@
           <a:p>
             <a:r>
               <a:rPr lang="en-CA" dirty="0" smtClean="0"/>
-              <a:t>Instead we will capitalize on the fact we are interested only in association rules with high coverage/accuracy, or frequent item sets </a:t>
+              <a:t>Instead we will capitalize on the fact we are interested only in association rules with high coverage/accuracy, or </a:t>
+            </a:r>
+            <a:r>
+              <a:rPr lang="en-CA" b="1" u="sng" dirty="0" smtClean="0"/>
+              <a:t>frequent item sets </a:t>
             </a:r>
           </a:p>
           <a:p>
@@ -3661,15 +4164,49 @@
               <a:t>An attribute-value pair is an item</a:t>
             </a:r>
           </a:p>
-          <a:p>
-            <a:r>
-              <a:rPr lang="en-CA" dirty="0" smtClean="0"/>
-              <a:t>Example: market basket analysis where supermarket owner wants to find associations between item purchases</a:t>
-            </a:r>
-            <a:endParaRPr lang="en-CA" dirty="0"/>
-          </a:p>
         </p:txBody>
       </p:sp>
+      <p:pic>
+        <p:nvPicPr>
+          <p:cNvPr id="4" name="Picture 4" descr="Image result for supermarket basket"/>
+          <p:cNvPicPr>
+            <a:picLocks noChangeAspect="1" noChangeArrowheads="1"/>
+          </p:cNvPicPr>
+          <p:nvPr/>
+        </p:nvPicPr>
+        <p:blipFill>
+          <a:blip r:embed="rId2">
+            <a:extLst>
+              <a:ext uri="{28A0092B-C50C-407E-A947-70E740481C1C}">
+                <a14:useLocalDpi xmlns:a14="http://schemas.microsoft.com/office/drawing/2010/main" val="0"/>
+              </a:ext>
+            </a:extLst>
+          </a:blip>
+          <a:srcRect/>
+          <a:stretch>
+            <a:fillRect/>
+          </a:stretch>
+        </p:blipFill>
+        <p:spPr bwMode="auto">
+          <a:xfrm>
+            <a:off x="8064832" y="2739159"/>
+            <a:ext cx="3572986" cy="2012950"/>
+          </a:xfrm>
+          <a:prstGeom prst="rect">
+            <a:avLst/>
+          </a:prstGeom>
+          <a:noFill/>
+          <a:extLst>
+            <a:ext uri="{909E8E84-426E-40DD-AFC4-6F175D3DCCD1}">
+              <a14:hiddenFill xmlns:a14="http://schemas.microsoft.com/office/drawing/2010/main">
+                <a:solidFill>
+                  <a:srgbClr val="FFFFFF"/>
+                </a:solidFill>
+              </a14:hiddenFill>
+            </a:ext>
+          </a:extLst>
+        </p:spPr>
+      </p:pic>
     </p:spTree>
     <p:extLst>
       <p:ext uri="{BB962C8B-B14F-4D97-AF65-F5344CB8AC3E}">
@@ -3683,9 +4220,279 @@
   <p:timing>
     <p:tnLst>
       <p:par>
-        <p:cTn id="1" dur="indefinite" restart="never" nodeType="tmRoot"/>
+        <p:cTn id="1" dur="indefinite" restart="never" nodeType="tmRoot">
+          <p:childTnLst>
+            <p:seq concurrent="1" nextAc="seek">
+              <p:cTn id="2" dur="indefinite" nodeType="mainSeq">
+                <p:childTnLst>
+                  <p:par>
+                    <p:cTn id="3" fill="hold">
+                      <p:stCondLst>
+                        <p:cond delay="indefinite"/>
+                        <p:cond evt="onBegin" delay="0">
+                          <p:tn val="2"/>
+                        </p:cond>
+                      </p:stCondLst>
+                      <p:childTnLst>
+                        <p:par>
+                          <p:cTn id="4" fill="hold">
+                            <p:stCondLst>
+                              <p:cond delay="0"/>
+                            </p:stCondLst>
+                            <p:childTnLst>
+                              <p:par>
+                                <p:cTn id="5" presetID="1" presetClass="entr" presetSubtype="0" fill="hold" nodeType="withEffect">
+                                  <p:stCondLst>
+                                    <p:cond delay="0"/>
+                                  </p:stCondLst>
+                                  <p:childTnLst>
+                                    <p:set>
+                                      <p:cBhvr>
+                                        <p:cTn id="6" dur="1" fill="hold">
+                                          <p:stCondLst>
+                                            <p:cond delay="0"/>
+                                          </p:stCondLst>
+                                        </p:cTn>
+                                        <p:tgtEl>
+                                          <p:spTgt spid="4"/>
+                                        </p:tgtEl>
+                                        <p:attrNameLst>
+                                          <p:attrName>style.visibility</p:attrName>
+                                        </p:attrNameLst>
+                                      </p:cBhvr>
+                                      <p:to>
+                                        <p:strVal val="visible"/>
+                                      </p:to>
+                                    </p:set>
+                                  </p:childTnLst>
+                                </p:cTn>
+                              </p:par>
+                            </p:childTnLst>
+                          </p:cTn>
+                        </p:par>
+                      </p:childTnLst>
+                    </p:cTn>
+                  </p:par>
+                  <p:par>
+                    <p:cTn id="7" fill="hold">
+                      <p:stCondLst>
+                        <p:cond delay="indefinite"/>
+                      </p:stCondLst>
+                      <p:childTnLst>
+                        <p:par>
+                          <p:cTn id="8" fill="hold">
+                            <p:stCondLst>
+                              <p:cond delay="0"/>
+                            </p:stCondLst>
+                            <p:childTnLst>
+                              <p:par>
+                                <p:cTn id="9" presetID="1" presetClass="entr" presetSubtype="0" fill="hold" grpId="0" nodeType="clickEffect">
+                                  <p:stCondLst>
+                                    <p:cond delay="0"/>
+                                  </p:stCondLst>
+                                  <p:childTnLst>
+                                    <p:set>
+                                      <p:cBhvr>
+                                        <p:cTn id="10" dur="1" fill="hold">
+                                          <p:stCondLst>
+                                            <p:cond delay="0"/>
+                                          </p:stCondLst>
+                                        </p:cTn>
+                                        <p:tgtEl>
+                                          <p:spTgt spid="3">
+                                            <p:txEl>
+                                              <p:pRg st="0" end="0"/>
+                                            </p:txEl>
+                                          </p:spTgt>
+                                        </p:tgtEl>
+                                        <p:attrNameLst>
+                                          <p:attrName>style.visibility</p:attrName>
+                                        </p:attrNameLst>
+                                      </p:cBhvr>
+                                      <p:to>
+                                        <p:strVal val="visible"/>
+                                      </p:to>
+                                    </p:set>
+                                  </p:childTnLst>
+                                </p:cTn>
+                              </p:par>
+                            </p:childTnLst>
+                          </p:cTn>
+                        </p:par>
+                      </p:childTnLst>
+                    </p:cTn>
+                  </p:par>
+                  <p:par>
+                    <p:cTn id="11" fill="hold">
+                      <p:stCondLst>
+                        <p:cond delay="indefinite"/>
+                      </p:stCondLst>
+                      <p:childTnLst>
+                        <p:par>
+                          <p:cTn id="12" fill="hold">
+                            <p:stCondLst>
+                              <p:cond delay="0"/>
+                            </p:stCondLst>
+                            <p:childTnLst>
+                              <p:par>
+                                <p:cTn id="13" presetID="1" presetClass="entr" presetSubtype="0" fill="hold" grpId="0" nodeType="clickEffect">
+                                  <p:stCondLst>
+                                    <p:cond delay="0"/>
+                                  </p:stCondLst>
+                                  <p:childTnLst>
+                                    <p:set>
+                                      <p:cBhvr>
+                                        <p:cTn id="14" dur="1" fill="hold">
+                                          <p:stCondLst>
+                                            <p:cond delay="0"/>
+                                          </p:stCondLst>
+                                        </p:cTn>
+                                        <p:tgtEl>
+                                          <p:spTgt spid="3">
+                                            <p:txEl>
+                                              <p:pRg st="1" end="1"/>
+                                            </p:txEl>
+                                          </p:spTgt>
+                                        </p:tgtEl>
+                                        <p:attrNameLst>
+                                          <p:attrName>style.visibility</p:attrName>
+                                        </p:attrNameLst>
+                                      </p:cBhvr>
+                                      <p:to>
+                                        <p:strVal val="visible"/>
+                                      </p:to>
+                                    </p:set>
+                                  </p:childTnLst>
+                                </p:cTn>
+                              </p:par>
+                            </p:childTnLst>
+                          </p:cTn>
+                        </p:par>
+                      </p:childTnLst>
+                    </p:cTn>
+                  </p:par>
+                  <p:par>
+                    <p:cTn id="15" fill="hold">
+                      <p:stCondLst>
+                        <p:cond delay="indefinite"/>
+                      </p:stCondLst>
+                      <p:childTnLst>
+                        <p:par>
+                          <p:cTn id="16" fill="hold">
+                            <p:stCondLst>
+                              <p:cond delay="0"/>
+                            </p:stCondLst>
+                            <p:childTnLst>
+                              <p:par>
+                                <p:cTn id="17" presetID="1" presetClass="entr" presetSubtype="0" fill="hold" grpId="0" nodeType="clickEffect">
+                                  <p:stCondLst>
+                                    <p:cond delay="0"/>
+                                  </p:stCondLst>
+                                  <p:childTnLst>
+                                    <p:set>
+                                      <p:cBhvr>
+                                        <p:cTn id="18" dur="1" fill="hold">
+                                          <p:stCondLst>
+                                            <p:cond delay="0"/>
+                                          </p:stCondLst>
+                                        </p:cTn>
+                                        <p:tgtEl>
+                                          <p:spTgt spid="3">
+                                            <p:txEl>
+                                              <p:pRg st="2" end="2"/>
+                                            </p:txEl>
+                                          </p:spTgt>
+                                        </p:tgtEl>
+                                        <p:attrNameLst>
+                                          <p:attrName>style.visibility</p:attrName>
+                                        </p:attrNameLst>
+                                      </p:cBhvr>
+                                      <p:to>
+                                        <p:strVal val="visible"/>
+                                      </p:to>
+                                    </p:set>
+                                  </p:childTnLst>
+                                </p:cTn>
+                              </p:par>
+                            </p:childTnLst>
+                          </p:cTn>
+                        </p:par>
+                      </p:childTnLst>
+                    </p:cTn>
+                  </p:par>
+                  <p:par>
+                    <p:cTn id="19" fill="hold">
+                      <p:stCondLst>
+                        <p:cond delay="indefinite"/>
+                      </p:stCondLst>
+                      <p:childTnLst>
+                        <p:par>
+                          <p:cTn id="20" fill="hold">
+                            <p:stCondLst>
+                              <p:cond delay="0"/>
+                            </p:stCondLst>
+                            <p:childTnLst>
+                              <p:par>
+                                <p:cTn id="21" presetID="1" presetClass="entr" presetSubtype="0" fill="hold" grpId="0" nodeType="clickEffect">
+                                  <p:stCondLst>
+                                    <p:cond delay="0"/>
+                                  </p:stCondLst>
+                                  <p:childTnLst>
+                                    <p:set>
+                                      <p:cBhvr>
+                                        <p:cTn id="22" dur="1" fill="hold">
+                                          <p:stCondLst>
+                                            <p:cond delay="0"/>
+                                          </p:stCondLst>
+                                        </p:cTn>
+                                        <p:tgtEl>
+                                          <p:spTgt spid="3">
+                                            <p:txEl>
+                                              <p:pRg st="3" end="3"/>
+                                            </p:txEl>
+                                          </p:spTgt>
+                                        </p:tgtEl>
+                                        <p:attrNameLst>
+                                          <p:attrName>style.visibility</p:attrName>
+                                        </p:attrNameLst>
+                                      </p:cBhvr>
+                                      <p:to>
+                                        <p:strVal val="visible"/>
+                                      </p:to>
+                                    </p:set>
+                                  </p:childTnLst>
+                                </p:cTn>
+                              </p:par>
+                            </p:childTnLst>
+                          </p:cTn>
+                        </p:par>
+                      </p:childTnLst>
+                    </p:cTn>
+                  </p:par>
+                </p:childTnLst>
+              </p:cTn>
+              <p:prevCondLst>
+                <p:cond evt="onPrev" delay="0">
+                  <p:tgtEl>
+                    <p:sldTgt/>
+                  </p:tgtEl>
+                </p:cond>
+              </p:prevCondLst>
+              <p:nextCondLst>
+                <p:cond evt="onNext" delay="0">
+                  <p:tgtEl>
+                    <p:sldTgt/>
+                  </p:tgtEl>
+                </p:cond>
+              </p:nextCondLst>
+            </p:seq>
+          </p:childTnLst>
+        </p:cTn>
       </p:par>
     </p:tnLst>
+    <p:bldLst>
+      <p:bldP spid="3" grpId="0" build="p"/>
+    </p:bldLst>
   </p:timing>
 </p:sld>
 </file>
@@ -3730,8 +4537,12 @@
           <a:lstStyle/>
           <a:p>
             <a:r>
+              <a:rPr lang="en-CA" b="1" u="sng" dirty="0" smtClean="0"/>
+              <a:t>Item Sets </a:t>
+            </a:r>
+            <a:r>
               <a:rPr lang="en-CA" dirty="0" smtClean="0"/>
-              <a:t>Item Sets from weather data with coverage &gt;= 2</a:t>
+              <a:t>from weather data with coverage &gt;= 2</a:t>
             </a:r>
             <a:endParaRPr lang="en-CA" dirty="0"/>
           </a:p>
@@ -3747,14 +4558,14 @@
             <p:ph idx="1"/>
             <p:extLst>
               <p:ext uri="{D42A27DB-BD31-4B8C-83A1-F6EECF244321}">
-                <p14:modId xmlns:p14="http://schemas.microsoft.com/office/powerpoint/2010/main" val="4075219098"/>
+                <p14:modId xmlns:p14="http://schemas.microsoft.com/office/powerpoint/2010/main" val="3111386280"/>
               </p:ext>
             </p:extLst>
           </p:nvPr>
         </p:nvGraphicFramePr>
         <p:xfrm>
-          <a:off x="1" y="565146"/>
-          <a:ext cx="12191998" cy="6411010"/>
+          <a:off x="71437" y="538734"/>
+          <a:ext cx="12049124" cy="6296842"/>
         </p:xfrm>
         <a:graphic>
           <a:graphicData uri="http://schemas.openxmlformats.org/drawingml/2006/table">
@@ -3763,63 +4574,63 @@
                 <a:tableStyleId>{5C22544A-7EE6-4342-B048-85BDC9FD1C3A}</a:tableStyleId>
               </a:tblPr>
               <a:tblGrid>
-                <a:gridCol w="288398">
+                <a:gridCol w="285018">
                   <a:extLst>
                     <a:ext uri="{9D8B030D-6E8A-4147-A177-3AD203B41FA5}">
                       <a16:colId xmlns:a16="http://schemas.microsoft.com/office/drawing/2014/main" val="2246623368"/>
                     </a:ext>
                   </a:extLst>
                 </a:gridCol>
-                <a:gridCol w="1513418">
+                <a:gridCol w="1495683">
                   <a:extLst>
                     <a:ext uri="{9D8B030D-6E8A-4147-A177-3AD203B41FA5}">
                       <a16:colId xmlns:a16="http://schemas.microsoft.com/office/drawing/2014/main" val="2063950202"/>
                     </a:ext>
                   </a:extLst>
                 </a:gridCol>
-                <a:gridCol w="158054">
+                <a:gridCol w="156202">
                   <a:extLst>
                     <a:ext uri="{9D8B030D-6E8A-4147-A177-3AD203B41FA5}">
                       <a16:colId xmlns:a16="http://schemas.microsoft.com/office/drawing/2014/main" val="2462651971"/>
                     </a:ext>
                   </a:extLst>
                 </a:gridCol>
-                <a:gridCol w="2700809">
+                <a:gridCol w="2669159">
                   <a:extLst>
                     <a:ext uri="{9D8B030D-6E8A-4147-A177-3AD203B41FA5}">
                       <a16:colId xmlns:a16="http://schemas.microsoft.com/office/drawing/2014/main" val="3341182111"/>
                     </a:ext>
                   </a:extLst>
                 </a:gridCol>
-                <a:gridCol w="147550">
+                <a:gridCol w="145821">
                   <a:extLst>
                     <a:ext uri="{9D8B030D-6E8A-4147-A177-3AD203B41FA5}">
                       <a16:colId xmlns:a16="http://schemas.microsoft.com/office/drawing/2014/main" val="2575436525"/>
                     </a:ext>
                   </a:extLst>
                 </a:gridCol>
-                <a:gridCol w="3934674">
+                <a:gridCol w="3888565">
                   <a:extLst>
                     <a:ext uri="{9D8B030D-6E8A-4147-A177-3AD203B41FA5}">
                       <a16:colId xmlns:a16="http://schemas.microsoft.com/office/drawing/2014/main" val="2193542787"/>
                     </a:ext>
                   </a:extLst>
                 </a:gridCol>
-                <a:gridCol w="170200">
+                <a:gridCol w="168205">
                   <a:extLst>
                     <a:ext uri="{9D8B030D-6E8A-4147-A177-3AD203B41FA5}">
                       <a16:colId xmlns:a16="http://schemas.microsoft.com/office/drawing/2014/main" val="307503917"/>
                     </a:ext>
                   </a:extLst>
                 </a:gridCol>
-                <a:gridCol w="3115728">
+                <a:gridCol w="3079216">
                   <a:extLst>
                     <a:ext uri="{9D8B030D-6E8A-4147-A177-3AD203B41FA5}">
                       <a16:colId xmlns:a16="http://schemas.microsoft.com/office/drawing/2014/main" val="4053871854"/>
                     </a:ext>
                   </a:extLst>
                 </a:gridCol>
-                <a:gridCol w="163167">
+                <a:gridCol w="161255">
                   <a:extLst>
                     <a:ext uri="{9D8B030D-6E8A-4147-A177-3AD203B41FA5}">
                       <a16:colId xmlns:a16="http://schemas.microsoft.com/office/drawing/2014/main" val="1145731155"/>
@@ -3827,7 +4638,7 @@
                   </a:extLst>
                 </a:gridCol>
               </a:tblGrid>
-              <a:tr h="211308">
+              <a:tr h="206965">
                 <a:tc>
                   <a:txBody>
                     <a:bodyPr/>
@@ -4095,7 +4906,7 @@
                   </a:ext>
                 </a:extLst>
               </a:tr>
-              <a:tr h="416271">
+              <a:tr h="407254">
                 <a:tc>
                   <a:txBody>
                     <a:bodyPr/>
@@ -4363,7 +5174,7 @@
                   </a:ext>
                 </a:extLst>
               </a:tr>
-              <a:tr h="416271">
+              <a:tr h="407254">
                 <a:tc>
                   <a:txBody>
                     <a:bodyPr/>
@@ -4631,7 +5442,7 @@
                   </a:ext>
                 </a:extLst>
               </a:tr>
-              <a:tr h="416271">
+              <a:tr h="407254">
                 <a:tc>
                   <a:txBody>
                     <a:bodyPr/>
@@ -4899,7 +5710,7 @@
                   </a:ext>
                 </a:extLst>
               </a:tr>
-              <a:tr h="416271">
+              <a:tr h="407254">
                 <a:tc>
                   <a:txBody>
                     <a:bodyPr/>
@@ -5167,7 +5978,7 @@
                   </a:ext>
                 </a:extLst>
               </a:tr>
-              <a:tr h="416271">
+              <a:tr h="407254">
                 <a:tc>
                   <a:txBody>
                     <a:bodyPr/>
@@ -5435,7 +6246,7 @@
                   </a:ext>
                 </a:extLst>
               </a:tr>
-              <a:tr h="416271">
+              <a:tr h="407254">
                 <a:tc>
                   <a:txBody>
                     <a:bodyPr/>
@@ -5537,12 +6348,12 @@
                         </a:spcAft>
                       </a:pPr>
                       <a:r>
-                        <a:rPr lang="en-CA" sz="1300">
+                        <a:rPr lang="en-CA" sz="1300" dirty="0">
                           <a:effectLst/>
                         </a:rPr>
                         <a:t>Outlook=sunny windy=false</a:t>
                       </a:r>
-                      <a:endParaRPr lang="en-CA" sz="1300">
+                      <a:endParaRPr lang="en-CA" sz="1300" dirty="0">
                         <a:effectLst/>
                         <a:latin typeface="Calibri" panose="020F0502020204030204" pitchFamily="34" charset="0"/>
                         <a:ea typeface="Calibri" panose="020F0502020204030204" pitchFamily="34" charset="0"/>
@@ -5703,7 +6514,7 @@
                   </a:ext>
                 </a:extLst>
               </a:tr>
-              <a:tr h="407206">
+              <a:tr h="384778">
                 <a:tc>
                   <a:txBody>
                     <a:bodyPr/>
@@ -5971,7 +6782,7 @@
                   </a:ext>
                 </a:extLst>
               </a:tr>
-              <a:tr h="333124">
+              <a:tr h="314776">
                 <a:tc>
                   <a:txBody>
                     <a:bodyPr/>
@@ -6239,7 +7050,7 @@
                   </a:ext>
                 </a:extLst>
               </a:tr>
-              <a:tr h="333124">
+              <a:tr h="314776">
                 <a:tc>
                   <a:txBody>
                     <a:bodyPr/>
@@ -6507,7 +7318,7 @@
                   </a:ext>
                 </a:extLst>
               </a:tr>
-              <a:tr h="333124">
+              <a:tr h="314776">
                 <a:tc>
                   <a:txBody>
                     <a:bodyPr/>
@@ -6775,7 +7586,7 @@
                   </a:ext>
                 </a:extLst>
               </a:tr>
-              <a:tr h="333124">
+              <a:tr h="314776">
                 <a:tc>
                   <a:txBody>
                     <a:bodyPr/>
@@ -7043,7 +7854,7 @@
                   </a:ext>
                 </a:extLst>
               </a:tr>
-              <a:tr h="211308">
+              <a:tr h="206965">
                 <a:tc>
                   <a:txBody>
                     <a:bodyPr/>
@@ -7311,7 +8122,7 @@
                   </a:ext>
                 </a:extLst>
               </a:tr>
-              <a:tr h="333124">
+              <a:tr h="314776">
                 <a:tc>
                   <a:txBody>
                     <a:bodyPr/>
@@ -7579,7 +8390,7 @@
                   </a:ext>
                 </a:extLst>
               </a:tr>
-              <a:tr h="211308">
+              <a:tr h="206965">
                 <a:tc>
                   <a:txBody>
                     <a:bodyPr/>
@@ -7847,7 +8658,7 @@
                   </a:ext>
                 </a:extLst>
               </a:tr>
-              <a:tr h="211308">
+              <a:tr h="206965">
                 <a:tc>
                   <a:txBody>
                     <a:bodyPr/>
@@ -8115,7 +8926,7 @@
                   </a:ext>
                 </a:extLst>
               </a:tr>
-              <a:tr h="211308">
+              <a:tr h="206965">
                 <a:tc>
                   <a:txBody>
                     <a:bodyPr/>
@@ -8383,7 +9194,7 @@
                   </a:ext>
                 </a:extLst>
               </a:tr>
-              <a:tr h="211308">
+              <a:tr h="206965">
                 <a:tc>
                   <a:txBody>
                     <a:bodyPr/>
@@ -8651,7 +9462,7 @@
                   </a:ext>
                 </a:extLst>
               </a:tr>
-              <a:tr h="211308">
+              <a:tr h="206965">
                 <a:tc>
                   <a:txBody>
                     <a:bodyPr/>
@@ -8919,7 +9730,7 @@
                   </a:ext>
                 </a:extLst>
               </a:tr>
-              <a:tr h="211308">
+              <a:tr h="206965">
                 <a:tc>
                   <a:txBody>
                     <a:bodyPr/>
@@ -9390,8 +10201,8 @@
         </p:nvSpPr>
         <p:spPr>
           <a:xfrm>
-            <a:off x="838200" y="365125"/>
-            <a:ext cx="4088642" cy="1325563"/>
+            <a:off x="838199" y="365125"/>
+            <a:ext cx="6657109" cy="1325563"/>
           </a:xfrm>
         </p:spPr>
         <p:txBody>
@@ -9400,7 +10211,7 @@
           <a:p>
             <a:r>
               <a:rPr lang="en-CA" dirty="0" smtClean="0"/>
-              <a:t>Association Rules</a:t>
+              <a:t>Association Rules and  Accuracy</a:t>
             </a:r>
             <a:endParaRPr lang="en-CA" dirty="0"/>
           </a:p>
@@ -9447,9 +10258,17 @@
             <a:pPr lvl="1"/>
             <a:r>
               <a:rPr lang="en-CA" dirty="0" smtClean="0"/>
-              <a:t>Leads to 7 potential rules</a:t>
-            </a:r>
-            <a:endParaRPr lang="en-CA" dirty="0"/>
+              <a:t>Leads to 7 </a:t>
+            </a:r>
+            <a:r>
+              <a:rPr lang="en-CA" smtClean="0"/>
+              <a:t>potential </a:t>
+            </a:r>
+            <a:r>
+              <a:rPr lang="en-CA" smtClean="0"/>
+              <a:t>rules</a:t>
+            </a:r>
+            <a:endParaRPr lang="en-CA" dirty="0" smtClean="0"/>
           </a:p>
         </p:txBody>
       </p:sp>
@@ -9485,8 +10304,8 @@
         </p:nvSpPr>
         <p:spPr>
           <a:xfrm>
-            <a:off x="9812740" y="12243"/>
-            <a:ext cx="2379260" cy="1569660"/>
+            <a:off x="8150104" y="286905"/>
+            <a:ext cx="3962400" cy="1077218"/>
           </a:xfrm>
           <a:prstGeom prst="rect">
             <a:avLst/>
@@ -9500,8 +10319,12 @@
           <a:lstStyle/>
           <a:p>
             <a:r>
+              <a:rPr lang="en-CA" sz="1600" b="1" u="sng" dirty="0" smtClean="0"/>
+              <a:t>Accuracy</a:t>
+            </a:r>
+            <a:r>
               <a:rPr lang="en-CA" sz="1600" dirty="0" smtClean="0"/>
-              <a:t>Number of instances for which all three conditions are true (coverage) divided by number of instances for which antecedent is true</a:t>
+              <a:t> of the association rule: Number of instances for which all three conditions are true (coverage) divided by number of instances for which antecedent only is true</a:t>
             </a:r>
             <a:endParaRPr lang="en-CA" sz="1600" dirty="0"/>
           </a:p>
@@ -9510,15 +10333,13 @@
       <p:cxnSp>
         <p:nvCxnSpPr>
           <p:cNvPr id="9" name="Straight Arrow Connector 8"/>
-          <p:cNvCxnSpPr>
-            <a:stCxn id="5" idx="2"/>
-          </p:cNvCxnSpPr>
+          <p:cNvCxnSpPr/>
           <p:nvPr/>
         </p:nvCxnSpPr>
         <p:spPr>
           <a:xfrm>
-            <a:off x="11002370" y="1581903"/>
-            <a:ext cx="611875" cy="407495"/>
+            <a:off x="10280073" y="1350810"/>
+            <a:ext cx="1429706" cy="638588"/>
           </a:xfrm>
           <a:prstGeom prst="straightConnector1">
             <a:avLst/>
@@ -9618,9 +10439,368 @@
   <p:timing>
     <p:tnLst>
       <p:par>
-        <p:cTn id="1" dur="indefinite" restart="never" nodeType="tmRoot"/>
+        <p:cTn id="1" dur="indefinite" restart="never" nodeType="tmRoot">
+          <p:childTnLst>
+            <p:seq concurrent="1" nextAc="seek">
+              <p:cTn id="2" dur="indefinite" nodeType="mainSeq">
+                <p:childTnLst>
+                  <p:par>
+                    <p:cTn id="3" fill="hold">
+                      <p:stCondLst>
+                        <p:cond delay="indefinite"/>
+                      </p:stCondLst>
+                      <p:childTnLst>
+                        <p:par>
+                          <p:cTn id="4" fill="hold">
+                            <p:stCondLst>
+                              <p:cond delay="0"/>
+                            </p:stCondLst>
+                            <p:childTnLst>
+                              <p:par>
+                                <p:cTn id="5" presetID="1" presetClass="entr" presetSubtype="0" fill="hold" grpId="0" nodeType="clickEffect">
+                                  <p:stCondLst>
+                                    <p:cond delay="0"/>
+                                  </p:stCondLst>
+                                  <p:childTnLst>
+                                    <p:set>
+                                      <p:cBhvr>
+                                        <p:cTn id="6" dur="1" fill="hold">
+                                          <p:stCondLst>
+                                            <p:cond delay="0"/>
+                                          </p:stCondLst>
+                                        </p:cTn>
+                                        <p:tgtEl>
+                                          <p:spTgt spid="3">
+                                            <p:txEl>
+                                              <p:pRg st="0" end="0"/>
+                                            </p:txEl>
+                                          </p:spTgt>
+                                        </p:tgtEl>
+                                        <p:attrNameLst>
+                                          <p:attrName>style.visibility</p:attrName>
+                                        </p:attrNameLst>
+                                      </p:cBhvr>
+                                      <p:to>
+                                        <p:strVal val="visible"/>
+                                      </p:to>
+                                    </p:set>
+                                  </p:childTnLst>
+                                </p:cTn>
+                              </p:par>
+                            </p:childTnLst>
+                          </p:cTn>
+                        </p:par>
+                      </p:childTnLst>
+                    </p:cTn>
+                  </p:par>
+                  <p:par>
+                    <p:cTn id="7" fill="hold">
+                      <p:stCondLst>
+                        <p:cond delay="indefinite"/>
+                      </p:stCondLst>
+                      <p:childTnLst>
+                        <p:par>
+                          <p:cTn id="8" fill="hold">
+                            <p:stCondLst>
+                              <p:cond delay="0"/>
+                            </p:stCondLst>
+                            <p:childTnLst>
+                              <p:par>
+                                <p:cTn id="9" presetID="1" presetClass="entr" presetSubtype="0" fill="hold" grpId="0" nodeType="clickEffect">
+                                  <p:stCondLst>
+                                    <p:cond delay="0"/>
+                                  </p:stCondLst>
+                                  <p:childTnLst>
+                                    <p:set>
+                                      <p:cBhvr>
+                                        <p:cTn id="10" dur="1" fill="hold">
+                                          <p:stCondLst>
+                                            <p:cond delay="0"/>
+                                          </p:stCondLst>
+                                        </p:cTn>
+                                        <p:tgtEl>
+                                          <p:spTgt spid="3">
+                                            <p:txEl>
+                                              <p:pRg st="1" end="1"/>
+                                            </p:txEl>
+                                          </p:spTgt>
+                                        </p:tgtEl>
+                                        <p:attrNameLst>
+                                          <p:attrName>style.visibility</p:attrName>
+                                        </p:attrNameLst>
+                                      </p:cBhvr>
+                                      <p:to>
+                                        <p:strVal val="visible"/>
+                                      </p:to>
+                                    </p:set>
+                                  </p:childTnLst>
+                                </p:cTn>
+                              </p:par>
+                            </p:childTnLst>
+                          </p:cTn>
+                        </p:par>
+                      </p:childTnLst>
+                    </p:cTn>
+                  </p:par>
+                  <p:par>
+                    <p:cTn id="11" fill="hold">
+                      <p:stCondLst>
+                        <p:cond delay="indefinite"/>
+                      </p:stCondLst>
+                      <p:childTnLst>
+                        <p:par>
+                          <p:cTn id="12" fill="hold">
+                            <p:stCondLst>
+                              <p:cond delay="0"/>
+                            </p:stCondLst>
+                            <p:childTnLst>
+                              <p:par>
+                                <p:cTn id="13" presetID="1" presetClass="entr" presetSubtype="0" fill="hold" grpId="0" nodeType="clickEffect">
+                                  <p:stCondLst>
+                                    <p:cond delay="0"/>
+                                  </p:stCondLst>
+                                  <p:childTnLst>
+                                    <p:set>
+                                      <p:cBhvr>
+                                        <p:cTn id="14" dur="1" fill="hold">
+                                          <p:stCondLst>
+                                            <p:cond delay="0"/>
+                                          </p:stCondLst>
+                                        </p:cTn>
+                                        <p:tgtEl>
+                                          <p:spTgt spid="3">
+                                            <p:txEl>
+                                              <p:pRg st="2" end="2"/>
+                                            </p:txEl>
+                                          </p:spTgt>
+                                        </p:tgtEl>
+                                        <p:attrNameLst>
+                                          <p:attrName>style.visibility</p:attrName>
+                                        </p:attrNameLst>
+                                      </p:cBhvr>
+                                      <p:to>
+                                        <p:strVal val="visible"/>
+                                      </p:to>
+                                    </p:set>
+                                  </p:childTnLst>
+                                </p:cTn>
+                              </p:par>
+                              <p:par>
+                                <p:cTn id="15" presetID="1" presetClass="entr" presetSubtype="0" fill="hold" grpId="0" nodeType="withEffect">
+                                  <p:stCondLst>
+                                    <p:cond delay="0"/>
+                                  </p:stCondLst>
+                                  <p:childTnLst>
+                                    <p:set>
+                                      <p:cBhvr>
+                                        <p:cTn id="16" dur="1" fill="hold">
+                                          <p:stCondLst>
+                                            <p:cond delay="0"/>
+                                          </p:stCondLst>
+                                        </p:cTn>
+                                        <p:tgtEl>
+                                          <p:spTgt spid="3">
+                                            <p:txEl>
+                                              <p:pRg st="3" end="3"/>
+                                            </p:txEl>
+                                          </p:spTgt>
+                                        </p:tgtEl>
+                                        <p:attrNameLst>
+                                          <p:attrName>style.visibility</p:attrName>
+                                        </p:attrNameLst>
+                                      </p:cBhvr>
+                                      <p:to>
+                                        <p:strVal val="visible"/>
+                                      </p:to>
+                                    </p:set>
+                                  </p:childTnLst>
+                                </p:cTn>
+                              </p:par>
+                            </p:childTnLst>
+                          </p:cTn>
+                        </p:par>
+                      </p:childTnLst>
+                    </p:cTn>
+                  </p:par>
+                  <p:par>
+                    <p:cTn id="17" fill="hold">
+                      <p:stCondLst>
+                        <p:cond delay="indefinite"/>
+                      </p:stCondLst>
+                      <p:childTnLst>
+                        <p:par>
+                          <p:cTn id="18" fill="hold">
+                            <p:stCondLst>
+                              <p:cond delay="0"/>
+                            </p:stCondLst>
+                            <p:childTnLst>
+                              <p:par>
+                                <p:cTn id="19" presetID="1" presetClass="entr" presetSubtype="0" fill="hold" grpId="0" nodeType="clickEffect">
+                                  <p:stCondLst>
+                                    <p:cond delay="0"/>
+                                  </p:stCondLst>
+                                  <p:childTnLst>
+                                    <p:set>
+                                      <p:cBhvr>
+                                        <p:cTn id="20" dur="1" fill="hold">
+                                          <p:stCondLst>
+                                            <p:cond delay="0"/>
+                                          </p:stCondLst>
+                                        </p:cTn>
+                                        <p:tgtEl>
+                                          <p:spTgt spid="5"/>
+                                        </p:tgtEl>
+                                        <p:attrNameLst>
+                                          <p:attrName>style.visibility</p:attrName>
+                                        </p:attrNameLst>
+                                      </p:cBhvr>
+                                      <p:to>
+                                        <p:strVal val="visible"/>
+                                      </p:to>
+                                    </p:set>
+                                  </p:childTnLst>
+                                </p:cTn>
+                              </p:par>
+                              <p:par>
+                                <p:cTn id="21" presetID="1" presetClass="entr" presetSubtype="0" fill="hold" nodeType="withEffect">
+                                  <p:stCondLst>
+                                    <p:cond delay="0"/>
+                                  </p:stCondLst>
+                                  <p:childTnLst>
+                                    <p:set>
+                                      <p:cBhvr>
+                                        <p:cTn id="22" dur="1" fill="hold">
+                                          <p:stCondLst>
+                                            <p:cond delay="0"/>
+                                          </p:stCondLst>
+                                        </p:cTn>
+                                        <p:tgtEl>
+                                          <p:spTgt spid="9"/>
+                                        </p:tgtEl>
+                                        <p:attrNameLst>
+                                          <p:attrName>style.visibility</p:attrName>
+                                        </p:attrNameLst>
+                                      </p:cBhvr>
+                                      <p:to>
+                                        <p:strVal val="visible"/>
+                                      </p:to>
+                                    </p:set>
+                                  </p:childTnLst>
+                                </p:cTn>
+                              </p:par>
+                              <p:par>
+                                <p:cTn id="23" presetID="1" presetClass="entr" presetSubtype="0" fill="hold" nodeType="withEffect">
+                                  <p:stCondLst>
+                                    <p:cond delay="0"/>
+                                  </p:stCondLst>
+                                  <p:childTnLst>
+                                    <p:set>
+                                      <p:cBhvr>
+                                        <p:cTn id="24" dur="1" fill="hold">
+                                          <p:stCondLst>
+                                            <p:cond delay="0"/>
+                                          </p:stCondLst>
+                                        </p:cTn>
+                                        <p:tgtEl>
+                                          <p:spTgt spid="4"/>
+                                        </p:tgtEl>
+                                        <p:attrNameLst>
+                                          <p:attrName>style.visibility</p:attrName>
+                                        </p:attrNameLst>
+                                      </p:cBhvr>
+                                      <p:to>
+                                        <p:strVal val="visible"/>
+                                      </p:to>
+                                    </p:set>
+                                  </p:childTnLst>
+                                </p:cTn>
+                              </p:par>
+                              <p:par>
+                                <p:cTn id="25" presetID="1" presetClass="entr" presetSubtype="0" fill="hold" nodeType="withEffect">
+                                  <p:stCondLst>
+                                    <p:cond delay="0"/>
+                                  </p:stCondLst>
+                                  <p:childTnLst>
+                                    <p:set>
+                                      <p:cBhvr>
+                                        <p:cTn id="26" dur="1" fill="hold">
+                                          <p:stCondLst>
+                                            <p:cond delay="0"/>
+                                          </p:stCondLst>
+                                        </p:cTn>
+                                        <p:tgtEl>
+                                          <p:spTgt spid="12"/>
+                                        </p:tgtEl>
+                                        <p:attrNameLst>
+                                          <p:attrName>style.visibility</p:attrName>
+                                        </p:attrNameLst>
+                                      </p:cBhvr>
+                                      <p:to>
+                                        <p:strVal val="visible"/>
+                                      </p:to>
+                                    </p:set>
+                                  </p:childTnLst>
+                                </p:cTn>
+                              </p:par>
+                              <p:par>
+                                <p:cTn id="27" presetID="1" presetClass="entr" presetSubtype="0" fill="hold" grpId="0" nodeType="withEffect">
+                                  <p:stCondLst>
+                                    <p:cond delay="0"/>
+                                  </p:stCondLst>
+                                  <p:childTnLst>
+                                    <p:set>
+                                      <p:cBhvr>
+                                        <p:cTn id="28" dur="1" fill="hold">
+                                          <p:stCondLst>
+                                            <p:cond delay="0"/>
+                                          </p:stCondLst>
+                                        </p:cTn>
+                                        <p:tgtEl>
+                                          <p:spTgt spid="10"/>
+                                        </p:tgtEl>
+                                        <p:attrNameLst>
+                                          <p:attrName>style.visibility</p:attrName>
+                                        </p:attrNameLst>
+                                      </p:cBhvr>
+                                      <p:to>
+                                        <p:strVal val="visible"/>
+                                      </p:to>
+                                    </p:set>
+                                  </p:childTnLst>
+                                </p:cTn>
+                              </p:par>
+                            </p:childTnLst>
+                          </p:cTn>
+                        </p:par>
+                      </p:childTnLst>
+                    </p:cTn>
+                  </p:par>
+                </p:childTnLst>
+              </p:cTn>
+              <p:prevCondLst>
+                <p:cond evt="onPrev" delay="0">
+                  <p:tgtEl>
+                    <p:sldTgt/>
+                  </p:tgtEl>
+                </p:cond>
+              </p:prevCondLst>
+              <p:nextCondLst>
+                <p:cond evt="onNext" delay="0">
+                  <p:tgtEl>
+                    <p:sldTgt/>
+                  </p:tgtEl>
+                </p:cond>
+              </p:nextCondLst>
+            </p:seq>
+          </p:childTnLst>
+        </p:cTn>
       </p:par>
     </p:tnLst>
+    <p:bldLst>
+      <p:bldP spid="3" grpId="0" uiExpand="1" build="p"/>
+      <p:bldP spid="5" grpId="0" uiExpand="1"/>
+      <p:bldP spid="10" grpId="0" uiExpand="1"/>
+    </p:bldLst>
   </p:timing>
 </p:sld>
 </file>
@@ -9844,9 +11024,182 @@
   <p:timing>
     <p:tnLst>
       <p:par>
-        <p:cTn id="1" dur="indefinite" restart="never" nodeType="tmRoot"/>
+        <p:cTn id="1" dur="indefinite" restart="never" nodeType="tmRoot">
+          <p:childTnLst>
+            <p:seq concurrent="1" nextAc="seek">
+              <p:cTn id="2" dur="indefinite" nodeType="mainSeq">
+                <p:childTnLst>
+                  <p:par>
+                    <p:cTn id="3" fill="hold">
+                      <p:stCondLst>
+                        <p:cond delay="indefinite"/>
+                      </p:stCondLst>
+                      <p:childTnLst>
+                        <p:par>
+                          <p:cTn id="4" fill="hold">
+                            <p:stCondLst>
+                              <p:cond delay="0"/>
+                            </p:stCondLst>
+                            <p:childTnLst>
+                              <p:par>
+                                <p:cTn id="5" presetID="1" presetClass="entr" presetSubtype="0" fill="hold" grpId="0" nodeType="clickEffect">
+                                  <p:stCondLst>
+                                    <p:cond delay="0"/>
+                                  </p:stCondLst>
+                                  <p:childTnLst>
+                                    <p:set>
+                                      <p:cBhvr>
+                                        <p:cTn id="6" dur="1" fill="hold">
+                                          <p:stCondLst>
+                                            <p:cond delay="0"/>
+                                          </p:stCondLst>
+                                        </p:cTn>
+                                        <p:tgtEl>
+                                          <p:spTgt spid="8">
+                                            <p:txEl>
+                                              <p:pRg st="0" end="0"/>
+                                            </p:txEl>
+                                          </p:spTgt>
+                                        </p:tgtEl>
+                                        <p:attrNameLst>
+                                          <p:attrName>style.visibility</p:attrName>
+                                        </p:attrNameLst>
+                                      </p:cBhvr>
+                                      <p:to>
+                                        <p:strVal val="visible"/>
+                                      </p:to>
+                                    </p:set>
+                                  </p:childTnLst>
+                                </p:cTn>
+                              </p:par>
+                            </p:childTnLst>
+                          </p:cTn>
+                        </p:par>
+                      </p:childTnLst>
+                    </p:cTn>
+                  </p:par>
+                  <p:par>
+                    <p:cTn id="7" fill="hold">
+                      <p:stCondLst>
+                        <p:cond delay="indefinite"/>
+                      </p:stCondLst>
+                      <p:childTnLst>
+                        <p:par>
+                          <p:cTn id="8" fill="hold">
+                            <p:stCondLst>
+                              <p:cond delay="0"/>
+                            </p:stCondLst>
+                            <p:childTnLst>
+                              <p:par>
+                                <p:cTn id="9" presetID="1" presetClass="entr" presetSubtype="0" fill="hold" grpId="0" nodeType="clickEffect">
+                                  <p:stCondLst>
+                                    <p:cond delay="0"/>
+                                  </p:stCondLst>
+                                  <p:childTnLst>
+                                    <p:set>
+                                      <p:cBhvr>
+                                        <p:cTn id="10" dur="1" fill="hold">
+                                          <p:stCondLst>
+                                            <p:cond delay="0"/>
+                                          </p:stCondLst>
+                                        </p:cTn>
+                                        <p:tgtEl>
+                                          <p:spTgt spid="8">
+                                            <p:txEl>
+                                              <p:pRg st="1" end="1"/>
+                                            </p:txEl>
+                                          </p:spTgt>
+                                        </p:tgtEl>
+                                        <p:attrNameLst>
+                                          <p:attrName>style.visibility</p:attrName>
+                                        </p:attrNameLst>
+                                      </p:cBhvr>
+                                      <p:to>
+                                        <p:strVal val="visible"/>
+                                      </p:to>
+                                    </p:set>
+                                  </p:childTnLst>
+                                </p:cTn>
+                              </p:par>
+                            </p:childTnLst>
+                          </p:cTn>
+                        </p:par>
+                      </p:childTnLst>
+                    </p:cTn>
+                  </p:par>
+                  <p:par>
+                    <p:cTn id="11" fill="hold">
+                      <p:stCondLst>
+                        <p:cond delay="indefinite"/>
+                      </p:stCondLst>
+                      <p:childTnLst>
+                        <p:par>
+                          <p:cTn id="12" fill="hold">
+                            <p:stCondLst>
+                              <p:cond delay="0"/>
+                            </p:stCondLst>
+                            <p:childTnLst>
+                              <p:par>
+                                <p:cTn id="13" presetID="1" presetClass="entr" presetSubtype="0" fill="hold" grpId="0" nodeType="clickEffect">
+                                  <p:stCondLst>
+                                    <p:cond delay="0"/>
+                                  </p:stCondLst>
+                                  <p:childTnLst>
+                                    <p:set>
+                                      <p:cBhvr>
+                                        <p:cTn id="14" dur="1" fill="hold">
+                                          <p:stCondLst>
+                                            <p:cond delay="0"/>
+                                          </p:stCondLst>
+                                        </p:cTn>
+                                        <p:tgtEl>
+                                          <p:spTgt spid="8">
+                                            <p:txEl>
+                                              <p:pRg st="2" end="2"/>
+                                            </p:txEl>
+                                          </p:spTgt>
+                                        </p:tgtEl>
+                                        <p:attrNameLst>
+                                          <p:attrName>style.visibility</p:attrName>
+                                        </p:attrNameLst>
+                                      </p:cBhvr>
+                                      <p:to>
+                                        <p:strVal val="visible"/>
+                                      </p:to>
+                                    </p:set>
+                                  </p:childTnLst>
+                                </p:cTn>
+                              </p:par>
+                            </p:childTnLst>
+                          </p:cTn>
+                        </p:par>
+                      </p:childTnLst>
+                    </p:cTn>
+                  </p:par>
+                </p:childTnLst>
+              </p:cTn>
+              <p:prevCondLst>
+                <p:cond evt="onPrev" delay="0">
+                  <p:tgtEl>
+                    <p:sldTgt/>
+                  </p:tgtEl>
+                </p:cond>
+              </p:prevCondLst>
+              <p:nextCondLst>
+                <p:cond evt="onNext" delay="0">
+                  <p:tgtEl>
+                    <p:sldTgt/>
+                  </p:tgtEl>
+                </p:cond>
+              </p:nextCondLst>
+            </p:seq>
+          </p:childTnLst>
+        </p:cTn>
       </p:par>
     </p:tnLst>
+    <p:bldLst>
+      <p:bldP spid="8" grpId="0" build="p"/>
+    </p:bldLst>
   </p:timing>
 </p:sld>
 </file>
@@ -9914,6 +11267,20 @@
           <a:p>
             <a:r>
               <a:rPr lang="en-CA" dirty="0" smtClean="0"/>
+              <a:t>The </a:t>
+            </a:r>
+            <a:r>
+              <a:rPr lang="en-CA" dirty="0" err="1" smtClean="0"/>
+              <a:t>Apriori</a:t>
+            </a:r>
+            <a:r>
+              <a:rPr lang="en-CA" dirty="0" smtClean="0"/>
+              <a:t> algorithm</a:t>
+            </a:r>
+          </a:p>
+          <a:p>
+            <a:r>
+              <a:rPr lang="en-CA" dirty="0" smtClean="0"/>
               <a:t>Two stages:</a:t>
             </a:r>
           </a:p>
@@ -9949,9 +11316,244 @@
   <p:timing>
     <p:tnLst>
       <p:par>
-        <p:cTn id="1" dur="indefinite" restart="never" nodeType="tmRoot"/>
+        <p:cTn id="1" dur="indefinite" restart="never" nodeType="tmRoot">
+          <p:childTnLst>
+            <p:seq concurrent="1" nextAc="seek">
+              <p:cTn id="2" dur="indefinite" nodeType="mainSeq">
+                <p:childTnLst>
+                  <p:par>
+                    <p:cTn id="3" fill="hold">
+                      <p:stCondLst>
+                        <p:cond delay="indefinite"/>
+                      </p:stCondLst>
+                      <p:childTnLst>
+                        <p:par>
+                          <p:cTn id="4" fill="hold">
+                            <p:stCondLst>
+                              <p:cond delay="0"/>
+                            </p:stCondLst>
+                            <p:childTnLst>
+                              <p:par>
+                                <p:cTn id="5" presetID="1" presetClass="entr" presetSubtype="0" fill="hold" grpId="0" nodeType="clickEffect">
+                                  <p:stCondLst>
+                                    <p:cond delay="0"/>
+                                  </p:stCondLst>
+                                  <p:childTnLst>
+                                    <p:set>
+                                      <p:cBhvr>
+                                        <p:cTn id="6" dur="1" fill="hold">
+                                          <p:stCondLst>
+                                            <p:cond delay="0"/>
+                                          </p:stCondLst>
+                                        </p:cTn>
+                                        <p:tgtEl>
+                                          <p:spTgt spid="3">
+                                            <p:txEl>
+                                              <p:pRg st="0" end="0"/>
+                                            </p:txEl>
+                                          </p:spTgt>
+                                        </p:tgtEl>
+                                        <p:attrNameLst>
+                                          <p:attrName>style.visibility</p:attrName>
+                                        </p:attrNameLst>
+                                      </p:cBhvr>
+                                      <p:to>
+                                        <p:strVal val="visible"/>
+                                      </p:to>
+                                    </p:set>
+                                  </p:childTnLst>
+                                </p:cTn>
+                              </p:par>
+                            </p:childTnLst>
+                          </p:cTn>
+                        </p:par>
+                      </p:childTnLst>
+                    </p:cTn>
+                  </p:par>
+                  <p:par>
+                    <p:cTn id="7" fill="hold">
+                      <p:stCondLst>
+                        <p:cond delay="indefinite"/>
+                      </p:stCondLst>
+                      <p:childTnLst>
+                        <p:par>
+                          <p:cTn id="8" fill="hold">
+                            <p:stCondLst>
+                              <p:cond delay="0"/>
+                            </p:stCondLst>
+                            <p:childTnLst>
+                              <p:par>
+                                <p:cTn id="9" presetID="1" presetClass="entr" presetSubtype="0" fill="hold" grpId="0" nodeType="clickEffect">
+                                  <p:stCondLst>
+                                    <p:cond delay="0"/>
+                                  </p:stCondLst>
+                                  <p:childTnLst>
+                                    <p:set>
+                                      <p:cBhvr>
+                                        <p:cTn id="10" dur="1" fill="hold">
+                                          <p:stCondLst>
+                                            <p:cond delay="0"/>
+                                          </p:stCondLst>
+                                        </p:cTn>
+                                        <p:tgtEl>
+                                          <p:spTgt spid="3">
+                                            <p:txEl>
+                                              <p:pRg st="1" end="1"/>
+                                            </p:txEl>
+                                          </p:spTgt>
+                                        </p:tgtEl>
+                                        <p:attrNameLst>
+                                          <p:attrName>style.visibility</p:attrName>
+                                        </p:attrNameLst>
+                                      </p:cBhvr>
+                                      <p:to>
+                                        <p:strVal val="visible"/>
+                                      </p:to>
+                                    </p:set>
+                                  </p:childTnLst>
+                                </p:cTn>
+                              </p:par>
+                            </p:childTnLst>
+                          </p:cTn>
+                        </p:par>
+                      </p:childTnLst>
+                    </p:cTn>
+                  </p:par>
+                  <p:par>
+                    <p:cTn id="11" fill="hold">
+                      <p:stCondLst>
+                        <p:cond delay="indefinite"/>
+                      </p:stCondLst>
+                      <p:childTnLst>
+                        <p:par>
+                          <p:cTn id="12" fill="hold">
+                            <p:stCondLst>
+                              <p:cond delay="0"/>
+                            </p:stCondLst>
+                            <p:childTnLst>
+                              <p:par>
+                                <p:cTn id="13" presetID="1" presetClass="entr" presetSubtype="0" fill="hold" grpId="0" nodeType="clickEffect">
+                                  <p:stCondLst>
+                                    <p:cond delay="0"/>
+                                  </p:stCondLst>
+                                  <p:childTnLst>
+                                    <p:set>
+                                      <p:cBhvr>
+                                        <p:cTn id="14" dur="1" fill="hold">
+                                          <p:stCondLst>
+                                            <p:cond delay="0"/>
+                                          </p:stCondLst>
+                                        </p:cTn>
+                                        <p:tgtEl>
+                                          <p:spTgt spid="3">
+                                            <p:txEl>
+                                              <p:pRg st="2" end="2"/>
+                                            </p:txEl>
+                                          </p:spTgt>
+                                        </p:tgtEl>
+                                        <p:attrNameLst>
+                                          <p:attrName>style.visibility</p:attrName>
+                                        </p:attrNameLst>
+                                      </p:cBhvr>
+                                      <p:to>
+                                        <p:strVal val="visible"/>
+                                      </p:to>
+                                    </p:set>
+                                  </p:childTnLst>
+                                </p:cTn>
+                              </p:par>
+                              <p:par>
+                                <p:cTn id="15" presetID="1" presetClass="entr" presetSubtype="0" fill="hold" grpId="0" nodeType="withEffect">
+                                  <p:stCondLst>
+                                    <p:cond delay="0"/>
+                                  </p:stCondLst>
+                                  <p:childTnLst>
+                                    <p:set>
+                                      <p:cBhvr>
+                                        <p:cTn id="16" dur="1" fill="hold">
+                                          <p:stCondLst>
+                                            <p:cond delay="0"/>
+                                          </p:stCondLst>
+                                        </p:cTn>
+                                        <p:tgtEl>
+                                          <p:spTgt spid="3">
+                                            <p:txEl>
+                                              <p:pRg st="3" end="3"/>
+                                            </p:txEl>
+                                          </p:spTgt>
+                                        </p:tgtEl>
+                                        <p:attrNameLst>
+                                          <p:attrName>style.visibility</p:attrName>
+                                        </p:attrNameLst>
+                                      </p:cBhvr>
+                                      <p:to>
+                                        <p:strVal val="visible"/>
+                                      </p:to>
+                                    </p:set>
+                                  </p:childTnLst>
+                                </p:cTn>
+                              </p:par>
+                              <p:par>
+                                <p:cTn id="17" presetID="1" presetClass="entr" presetSubtype="0" fill="hold" grpId="0" nodeType="withEffect">
+                                  <p:stCondLst>
+                                    <p:cond delay="0"/>
+                                  </p:stCondLst>
+                                  <p:childTnLst>
+                                    <p:set>
+                                      <p:cBhvr>
+                                        <p:cTn id="18" dur="1" fill="hold">
+                                          <p:stCondLst>
+                                            <p:cond delay="0"/>
+                                          </p:stCondLst>
+                                        </p:cTn>
+                                        <p:tgtEl>
+                                          <p:spTgt spid="3">
+                                            <p:txEl>
+                                              <p:pRg st="4" end="4"/>
+                                            </p:txEl>
+                                          </p:spTgt>
+                                        </p:tgtEl>
+                                        <p:attrNameLst>
+                                          <p:attrName>style.visibility</p:attrName>
+                                        </p:attrNameLst>
+                                      </p:cBhvr>
+                                      <p:to>
+                                        <p:strVal val="visible"/>
+                                      </p:to>
+                                    </p:set>
+                                  </p:childTnLst>
+                                </p:cTn>
+                              </p:par>
+                            </p:childTnLst>
+                          </p:cTn>
+                        </p:par>
+                      </p:childTnLst>
+                    </p:cTn>
+                  </p:par>
+                </p:childTnLst>
+              </p:cTn>
+              <p:prevCondLst>
+                <p:cond evt="onPrev" delay="0">
+                  <p:tgtEl>
+                    <p:sldTgt/>
+                  </p:tgtEl>
+                </p:cond>
+              </p:prevCondLst>
+              <p:nextCondLst>
+                <p:cond evt="onNext" delay="0">
+                  <p:tgtEl>
+                    <p:sldTgt/>
+                  </p:tgtEl>
+                </p:cond>
+              </p:nextCondLst>
+            </p:seq>
+          </p:childTnLst>
+        </p:cTn>
       </p:par>
     </p:tnLst>
+    <p:bldLst>
+      <p:bldP spid="3" grpId="0" build="p"/>
+    </p:bldLst>
   </p:timing>
 </p:sld>
 </file>
@@ -10024,37 +11626,29 @@
           <a:p>
             <a:r>
               <a:rPr lang="en-CA" dirty="0" smtClean="0"/>
-              <a:t>Operation 2: </a:t>
-            </a:r>
+              <a:t>Operation 2: use the 1-item sets to generate 2-item sets, </a:t>
+            </a:r>
+          </a:p>
+          <a:p>
             <a:r>
               <a:rPr lang="en-CA" dirty="0" smtClean="0"/>
-              <a:t>use the 1-item sets to generate 2-item sets, </a:t>
+              <a:t>Operation 3: use 2-item sets to generate 3-item sets,</a:t>
             </a:r>
           </a:p>
           <a:p>
             <a:r>
               <a:rPr lang="en-CA" dirty="0" smtClean="0"/>
-              <a:t>Operation 3: </a:t>
-            </a:r>
+              <a:t>Etc.  </a:t>
+            </a:r>
+          </a:p>
+          <a:p>
             <a:r>
               <a:rPr lang="en-CA" dirty="0" smtClean="0"/>
-              <a:t>use 2-item sets to generate 3-item sets,</a:t>
-            </a:r>
-          </a:p>
-          <a:p>
-            <a:r>
-              <a:rPr lang="en-CA" dirty="0" smtClean="0"/>
-              <a:t>Etc. </a:t>
-            </a:r>
-            <a:r>
-              <a:rPr lang="en-CA" dirty="0" smtClean="0"/>
-              <a:t> </a:t>
-            </a:r>
-          </a:p>
-          <a:p>
-            <a:r>
-              <a:rPr lang="en-CA" dirty="0" smtClean="0"/>
-              <a:t>Each operation involves a pass through the dataset to count the number of instances, storing surviving item sets in a hash table</a:t>
+              <a:t>Each operation involves a pass through the dataset to count the number of instances, storing surviving item sets in a </a:t>
+            </a:r>
+            <a:r>
+              <a:rPr lang="en-CA" b="1" u="sng" dirty="0" smtClean="0"/>
+              <a:t>hash table</a:t>
             </a:r>
           </a:p>
           <a:p>
@@ -10079,9 +11673,329 @@
   <p:timing>
     <p:tnLst>
       <p:par>
-        <p:cTn id="1" dur="indefinite" restart="never" nodeType="tmRoot"/>
+        <p:cTn id="1" dur="indefinite" restart="never" nodeType="tmRoot">
+          <p:childTnLst>
+            <p:seq concurrent="1" nextAc="seek">
+              <p:cTn id="2" dur="indefinite" nodeType="mainSeq">
+                <p:childTnLst>
+                  <p:par>
+                    <p:cTn id="3" fill="hold">
+                      <p:stCondLst>
+                        <p:cond delay="indefinite"/>
+                      </p:stCondLst>
+                      <p:childTnLst>
+                        <p:par>
+                          <p:cTn id="4" fill="hold">
+                            <p:stCondLst>
+                              <p:cond delay="0"/>
+                            </p:stCondLst>
+                            <p:childTnLst>
+                              <p:par>
+                                <p:cTn id="5" presetID="1" presetClass="entr" presetSubtype="0" fill="hold" grpId="0" nodeType="clickEffect">
+                                  <p:stCondLst>
+                                    <p:cond delay="0"/>
+                                  </p:stCondLst>
+                                  <p:childTnLst>
+                                    <p:set>
+                                      <p:cBhvr>
+                                        <p:cTn id="6" dur="1" fill="hold">
+                                          <p:stCondLst>
+                                            <p:cond delay="0"/>
+                                          </p:stCondLst>
+                                        </p:cTn>
+                                        <p:tgtEl>
+                                          <p:spTgt spid="3">
+                                            <p:txEl>
+                                              <p:pRg st="0" end="0"/>
+                                            </p:txEl>
+                                          </p:spTgt>
+                                        </p:tgtEl>
+                                        <p:attrNameLst>
+                                          <p:attrName>style.visibility</p:attrName>
+                                        </p:attrNameLst>
+                                      </p:cBhvr>
+                                      <p:to>
+                                        <p:strVal val="visible"/>
+                                      </p:to>
+                                    </p:set>
+                                  </p:childTnLst>
+                                </p:cTn>
+                              </p:par>
+                            </p:childTnLst>
+                          </p:cTn>
+                        </p:par>
+                      </p:childTnLst>
+                    </p:cTn>
+                  </p:par>
+                  <p:par>
+                    <p:cTn id="7" fill="hold">
+                      <p:stCondLst>
+                        <p:cond delay="indefinite"/>
+                      </p:stCondLst>
+                      <p:childTnLst>
+                        <p:par>
+                          <p:cTn id="8" fill="hold">
+                            <p:stCondLst>
+                              <p:cond delay="0"/>
+                            </p:stCondLst>
+                            <p:childTnLst>
+                              <p:par>
+                                <p:cTn id="9" presetID="1" presetClass="entr" presetSubtype="0" fill="hold" grpId="0" nodeType="clickEffect">
+                                  <p:stCondLst>
+                                    <p:cond delay="0"/>
+                                  </p:stCondLst>
+                                  <p:childTnLst>
+                                    <p:set>
+                                      <p:cBhvr>
+                                        <p:cTn id="10" dur="1" fill="hold">
+                                          <p:stCondLst>
+                                            <p:cond delay="0"/>
+                                          </p:stCondLst>
+                                        </p:cTn>
+                                        <p:tgtEl>
+                                          <p:spTgt spid="3">
+                                            <p:txEl>
+                                              <p:pRg st="1" end="1"/>
+                                            </p:txEl>
+                                          </p:spTgt>
+                                        </p:tgtEl>
+                                        <p:attrNameLst>
+                                          <p:attrName>style.visibility</p:attrName>
+                                        </p:attrNameLst>
+                                      </p:cBhvr>
+                                      <p:to>
+                                        <p:strVal val="visible"/>
+                                      </p:to>
+                                    </p:set>
+                                  </p:childTnLst>
+                                </p:cTn>
+                              </p:par>
+                            </p:childTnLst>
+                          </p:cTn>
+                        </p:par>
+                      </p:childTnLst>
+                    </p:cTn>
+                  </p:par>
+                  <p:par>
+                    <p:cTn id="11" fill="hold">
+                      <p:stCondLst>
+                        <p:cond delay="indefinite"/>
+                      </p:stCondLst>
+                      <p:childTnLst>
+                        <p:par>
+                          <p:cTn id="12" fill="hold">
+                            <p:stCondLst>
+                              <p:cond delay="0"/>
+                            </p:stCondLst>
+                            <p:childTnLst>
+                              <p:par>
+                                <p:cTn id="13" presetID="1" presetClass="entr" presetSubtype="0" fill="hold" grpId="0" nodeType="clickEffect">
+                                  <p:stCondLst>
+                                    <p:cond delay="0"/>
+                                  </p:stCondLst>
+                                  <p:childTnLst>
+                                    <p:set>
+                                      <p:cBhvr>
+                                        <p:cTn id="14" dur="1" fill="hold">
+                                          <p:stCondLst>
+                                            <p:cond delay="0"/>
+                                          </p:stCondLst>
+                                        </p:cTn>
+                                        <p:tgtEl>
+                                          <p:spTgt spid="3">
+                                            <p:txEl>
+                                              <p:pRg st="2" end="2"/>
+                                            </p:txEl>
+                                          </p:spTgt>
+                                        </p:tgtEl>
+                                        <p:attrNameLst>
+                                          <p:attrName>style.visibility</p:attrName>
+                                        </p:attrNameLst>
+                                      </p:cBhvr>
+                                      <p:to>
+                                        <p:strVal val="visible"/>
+                                      </p:to>
+                                    </p:set>
+                                  </p:childTnLst>
+                                </p:cTn>
+                              </p:par>
+                            </p:childTnLst>
+                          </p:cTn>
+                        </p:par>
+                      </p:childTnLst>
+                    </p:cTn>
+                  </p:par>
+                  <p:par>
+                    <p:cTn id="15" fill="hold">
+                      <p:stCondLst>
+                        <p:cond delay="indefinite"/>
+                      </p:stCondLst>
+                      <p:childTnLst>
+                        <p:par>
+                          <p:cTn id="16" fill="hold">
+                            <p:stCondLst>
+                              <p:cond delay="0"/>
+                            </p:stCondLst>
+                            <p:childTnLst>
+                              <p:par>
+                                <p:cTn id="17" presetID="1" presetClass="entr" presetSubtype="0" fill="hold" grpId="0" nodeType="clickEffect">
+                                  <p:stCondLst>
+                                    <p:cond delay="0"/>
+                                  </p:stCondLst>
+                                  <p:childTnLst>
+                                    <p:set>
+                                      <p:cBhvr>
+                                        <p:cTn id="18" dur="1" fill="hold">
+                                          <p:stCondLst>
+                                            <p:cond delay="0"/>
+                                          </p:stCondLst>
+                                        </p:cTn>
+                                        <p:tgtEl>
+                                          <p:spTgt spid="3">
+                                            <p:txEl>
+                                              <p:pRg st="3" end="3"/>
+                                            </p:txEl>
+                                          </p:spTgt>
+                                        </p:tgtEl>
+                                        <p:attrNameLst>
+                                          <p:attrName>style.visibility</p:attrName>
+                                        </p:attrNameLst>
+                                      </p:cBhvr>
+                                      <p:to>
+                                        <p:strVal val="visible"/>
+                                      </p:to>
+                                    </p:set>
+                                  </p:childTnLst>
+                                </p:cTn>
+                              </p:par>
+                            </p:childTnLst>
+                          </p:cTn>
+                        </p:par>
+                      </p:childTnLst>
+                    </p:cTn>
+                  </p:par>
+                  <p:par>
+                    <p:cTn id="19" fill="hold">
+                      <p:stCondLst>
+                        <p:cond delay="indefinite"/>
+                      </p:stCondLst>
+                      <p:childTnLst>
+                        <p:par>
+                          <p:cTn id="20" fill="hold">
+                            <p:stCondLst>
+                              <p:cond delay="0"/>
+                            </p:stCondLst>
+                            <p:childTnLst>
+                              <p:par>
+                                <p:cTn id="21" presetID="1" presetClass="entr" presetSubtype="0" fill="hold" grpId="0" nodeType="clickEffect">
+                                  <p:stCondLst>
+                                    <p:cond delay="0"/>
+                                  </p:stCondLst>
+                                  <p:childTnLst>
+                                    <p:set>
+                                      <p:cBhvr>
+                                        <p:cTn id="22" dur="1" fill="hold">
+                                          <p:stCondLst>
+                                            <p:cond delay="0"/>
+                                          </p:stCondLst>
+                                        </p:cTn>
+                                        <p:tgtEl>
+                                          <p:spTgt spid="3">
+                                            <p:txEl>
+                                              <p:pRg st="4" end="4"/>
+                                            </p:txEl>
+                                          </p:spTgt>
+                                        </p:tgtEl>
+                                        <p:attrNameLst>
+                                          <p:attrName>style.visibility</p:attrName>
+                                        </p:attrNameLst>
+                                      </p:cBhvr>
+                                      <p:to>
+                                        <p:strVal val="visible"/>
+                                      </p:to>
+                                    </p:set>
+                                  </p:childTnLst>
+                                </p:cTn>
+                              </p:par>
+                            </p:childTnLst>
+                          </p:cTn>
+                        </p:par>
+                      </p:childTnLst>
+                    </p:cTn>
+                  </p:par>
+                  <p:par>
+                    <p:cTn id="23" fill="hold">
+                      <p:stCondLst>
+                        <p:cond delay="indefinite"/>
+                      </p:stCondLst>
+                      <p:childTnLst>
+                        <p:par>
+                          <p:cTn id="24" fill="hold">
+                            <p:stCondLst>
+                              <p:cond delay="0"/>
+                            </p:stCondLst>
+                            <p:childTnLst>
+                              <p:par>
+                                <p:cTn id="25" presetID="1" presetClass="entr" presetSubtype="0" fill="hold" grpId="0" nodeType="clickEffect">
+                                  <p:stCondLst>
+                                    <p:cond delay="0"/>
+                                  </p:stCondLst>
+                                  <p:childTnLst>
+                                    <p:set>
+                                      <p:cBhvr>
+                                        <p:cTn id="26" dur="1" fill="hold">
+                                          <p:stCondLst>
+                                            <p:cond delay="0"/>
+                                          </p:stCondLst>
+                                        </p:cTn>
+                                        <p:tgtEl>
+                                          <p:spTgt spid="3">
+                                            <p:txEl>
+                                              <p:pRg st="5" end="5"/>
+                                            </p:txEl>
+                                          </p:spTgt>
+                                        </p:tgtEl>
+                                        <p:attrNameLst>
+                                          <p:attrName>style.visibility</p:attrName>
+                                        </p:attrNameLst>
+                                      </p:cBhvr>
+                                      <p:to>
+                                        <p:strVal val="visible"/>
+                                      </p:to>
+                                    </p:set>
+                                  </p:childTnLst>
+                                </p:cTn>
+                              </p:par>
+                            </p:childTnLst>
+                          </p:cTn>
+                        </p:par>
+                      </p:childTnLst>
+                    </p:cTn>
+                  </p:par>
+                </p:childTnLst>
+              </p:cTn>
+              <p:prevCondLst>
+                <p:cond evt="onPrev" delay="0">
+                  <p:tgtEl>
+                    <p:sldTgt/>
+                  </p:tgtEl>
+                </p:cond>
+              </p:prevCondLst>
+              <p:nextCondLst>
+                <p:cond evt="onNext" delay="0">
+                  <p:tgtEl>
+                    <p:sldTgt/>
+                  </p:tgtEl>
+                </p:cond>
+              </p:nextCondLst>
+            </p:seq>
+          </p:childTnLst>
+        </p:cTn>
       </p:par>
     </p:tnLst>
+    <p:bldLst>
+      <p:bldP spid="3" grpId="0" build="p"/>
+    </p:bldLst>
   </p:timing>
 </p:sld>
 </file>
@@ -10860,9 +12774,948 @@
   <p:timing>
     <p:tnLst>
       <p:par>
-        <p:cTn id="1" dur="indefinite" restart="never" nodeType="tmRoot"/>
+        <p:cTn id="1" dur="indefinite" restart="never" nodeType="tmRoot">
+          <p:childTnLst>
+            <p:seq concurrent="1" nextAc="seek">
+              <p:cTn id="2" dur="indefinite" nodeType="mainSeq">
+                <p:childTnLst>
+                  <p:par>
+                    <p:cTn id="3" fill="hold">
+                      <p:stCondLst>
+                        <p:cond delay="indefinite"/>
+                      </p:stCondLst>
+                      <p:childTnLst>
+                        <p:par>
+                          <p:cTn id="4" fill="hold">
+                            <p:stCondLst>
+                              <p:cond delay="0"/>
+                            </p:stCondLst>
+                            <p:childTnLst>
+                              <p:par>
+                                <p:cTn id="5" presetID="1" presetClass="entr" presetSubtype="0" fill="hold" grpId="0" nodeType="clickEffect">
+                                  <p:stCondLst>
+                                    <p:cond delay="0"/>
+                                  </p:stCondLst>
+                                  <p:childTnLst>
+                                    <p:set>
+                                      <p:cBhvr>
+                                        <p:cTn id="6" dur="1" fill="hold">
+                                          <p:stCondLst>
+                                            <p:cond delay="0"/>
+                                          </p:stCondLst>
+                                        </p:cTn>
+                                        <p:tgtEl>
+                                          <p:spTgt spid="3">
+                                            <p:txEl>
+                                              <p:pRg st="0" end="0"/>
+                                            </p:txEl>
+                                          </p:spTgt>
+                                        </p:tgtEl>
+                                        <p:attrNameLst>
+                                          <p:attrName>style.visibility</p:attrName>
+                                        </p:attrNameLst>
+                                      </p:cBhvr>
+                                      <p:to>
+                                        <p:strVal val="visible"/>
+                                      </p:to>
+                                    </p:set>
+                                  </p:childTnLst>
+                                </p:cTn>
+                              </p:par>
+                            </p:childTnLst>
+                          </p:cTn>
+                        </p:par>
+                      </p:childTnLst>
+                    </p:cTn>
+                  </p:par>
+                  <p:par>
+                    <p:cTn id="7" fill="hold">
+                      <p:stCondLst>
+                        <p:cond delay="indefinite"/>
+                      </p:stCondLst>
+                      <p:childTnLst>
+                        <p:par>
+                          <p:cTn id="8" fill="hold">
+                            <p:stCondLst>
+                              <p:cond delay="0"/>
+                            </p:stCondLst>
+                            <p:childTnLst>
+                              <p:par>
+                                <p:cTn id="9" presetID="1" presetClass="entr" presetSubtype="0" fill="hold" grpId="0" nodeType="clickEffect">
+                                  <p:stCondLst>
+                                    <p:cond delay="0"/>
+                                  </p:stCondLst>
+                                  <p:childTnLst>
+                                    <p:set>
+                                      <p:cBhvr>
+                                        <p:cTn id="10" dur="1" fill="hold">
+                                          <p:stCondLst>
+                                            <p:cond delay="0"/>
+                                          </p:stCondLst>
+                                        </p:cTn>
+                                        <p:tgtEl>
+                                          <p:spTgt spid="3">
+                                            <p:txEl>
+                                              <p:pRg st="1" end="1"/>
+                                            </p:txEl>
+                                          </p:spTgt>
+                                        </p:tgtEl>
+                                        <p:attrNameLst>
+                                          <p:attrName>style.visibility</p:attrName>
+                                        </p:attrNameLst>
+                                      </p:cBhvr>
+                                      <p:to>
+                                        <p:strVal val="visible"/>
+                                      </p:to>
+                                    </p:set>
+                                  </p:childTnLst>
+                                </p:cTn>
+                              </p:par>
+                            </p:childTnLst>
+                          </p:cTn>
+                        </p:par>
+                      </p:childTnLst>
+                    </p:cTn>
+                  </p:par>
+                  <p:par>
+                    <p:cTn id="11" fill="hold">
+                      <p:stCondLst>
+                        <p:cond delay="indefinite"/>
+                      </p:stCondLst>
+                      <p:childTnLst>
+                        <p:par>
+                          <p:cTn id="12" fill="hold">
+                            <p:stCondLst>
+                              <p:cond delay="0"/>
+                            </p:stCondLst>
+                            <p:childTnLst>
+                              <p:par>
+                                <p:cTn id="13" presetID="1" presetClass="entr" presetSubtype="0" fill="hold" nodeType="clickEffect">
+                                  <p:stCondLst>
+                                    <p:cond delay="0"/>
+                                  </p:stCondLst>
+                                  <p:childTnLst>
+                                    <p:set>
+                                      <p:cBhvr>
+                                        <p:cTn id="14" dur="1" fill="hold">
+                                          <p:stCondLst>
+                                            <p:cond delay="0"/>
+                                          </p:stCondLst>
+                                        </p:cTn>
+                                        <p:tgtEl>
+                                          <p:spTgt spid="6"/>
+                                        </p:tgtEl>
+                                        <p:attrNameLst>
+                                          <p:attrName>style.visibility</p:attrName>
+                                        </p:attrNameLst>
+                                      </p:cBhvr>
+                                      <p:to>
+                                        <p:strVal val="visible"/>
+                                      </p:to>
+                                    </p:set>
+                                  </p:childTnLst>
+                                </p:cTn>
+                              </p:par>
+                              <p:par>
+                                <p:cTn id="15" presetID="1" presetClass="entr" presetSubtype="0" fill="hold" nodeType="withEffect">
+                                  <p:stCondLst>
+                                    <p:cond delay="0"/>
+                                  </p:stCondLst>
+                                  <p:childTnLst>
+                                    <p:set>
+                                      <p:cBhvr>
+                                        <p:cTn id="16" dur="1" fill="hold">
+                                          <p:stCondLst>
+                                            <p:cond delay="0"/>
+                                          </p:stCondLst>
+                                        </p:cTn>
+                                        <p:tgtEl>
+                                          <p:spTgt spid="8"/>
+                                        </p:tgtEl>
+                                        <p:attrNameLst>
+                                          <p:attrName>style.visibility</p:attrName>
+                                        </p:attrNameLst>
+                                      </p:cBhvr>
+                                      <p:to>
+                                        <p:strVal val="visible"/>
+                                      </p:to>
+                                    </p:set>
+                                  </p:childTnLst>
+                                </p:cTn>
+                              </p:par>
+                              <p:par>
+                                <p:cTn id="17" presetID="1" presetClass="entr" presetSubtype="0" fill="hold" nodeType="withEffect">
+                                  <p:stCondLst>
+                                    <p:cond delay="0"/>
+                                  </p:stCondLst>
+                                  <p:childTnLst>
+                                    <p:set>
+                                      <p:cBhvr>
+                                        <p:cTn id="18" dur="1" fill="hold">
+                                          <p:stCondLst>
+                                            <p:cond delay="0"/>
+                                          </p:stCondLst>
+                                        </p:cTn>
+                                        <p:tgtEl>
+                                          <p:spTgt spid="9"/>
+                                        </p:tgtEl>
+                                        <p:attrNameLst>
+                                          <p:attrName>style.visibility</p:attrName>
+                                        </p:attrNameLst>
+                                      </p:cBhvr>
+                                      <p:to>
+                                        <p:strVal val="visible"/>
+                                      </p:to>
+                                    </p:set>
+                                  </p:childTnLst>
+                                </p:cTn>
+                              </p:par>
+                              <p:par>
+                                <p:cTn id="19" presetID="1" presetClass="entr" presetSubtype="0" fill="hold" nodeType="withEffect">
+                                  <p:stCondLst>
+                                    <p:cond delay="0"/>
+                                  </p:stCondLst>
+                                  <p:childTnLst>
+                                    <p:set>
+                                      <p:cBhvr>
+                                        <p:cTn id="20" dur="1" fill="hold">
+                                          <p:stCondLst>
+                                            <p:cond delay="0"/>
+                                          </p:stCondLst>
+                                        </p:cTn>
+                                        <p:tgtEl>
+                                          <p:spTgt spid="10"/>
+                                        </p:tgtEl>
+                                        <p:attrNameLst>
+                                          <p:attrName>style.visibility</p:attrName>
+                                        </p:attrNameLst>
+                                      </p:cBhvr>
+                                      <p:to>
+                                        <p:strVal val="visible"/>
+                                      </p:to>
+                                    </p:set>
+                                  </p:childTnLst>
+                                </p:cTn>
+                              </p:par>
+                              <p:par>
+                                <p:cTn id="21" presetID="1" presetClass="entr" presetSubtype="0" fill="hold" nodeType="withEffect">
+                                  <p:stCondLst>
+                                    <p:cond delay="0"/>
+                                  </p:stCondLst>
+                                  <p:childTnLst>
+                                    <p:set>
+                                      <p:cBhvr>
+                                        <p:cTn id="22" dur="1" fill="hold">
+                                          <p:stCondLst>
+                                            <p:cond delay="0"/>
+                                          </p:stCondLst>
+                                        </p:cTn>
+                                        <p:tgtEl>
+                                          <p:spTgt spid="11"/>
+                                        </p:tgtEl>
+                                        <p:attrNameLst>
+                                          <p:attrName>style.visibility</p:attrName>
+                                        </p:attrNameLst>
+                                      </p:cBhvr>
+                                      <p:to>
+                                        <p:strVal val="visible"/>
+                                      </p:to>
+                                    </p:set>
+                                  </p:childTnLst>
+                                </p:cTn>
+                              </p:par>
+                              <p:par>
+                                <p:cTn id="23" presetID="1" presetClass="entr" presetSubtype="0" fill="hold" nodeType="withEffect">
+                                  <p:stCondLst>
+                                    <p:cond delay="0"/>
+                                  </p:stCondLst>
+                                  <p:childTnLst>
+                                    <p:set>
+                                      <p:cBhvr>
+                                        <p:cTn id="24" dur="1" fill="hold">
+                                          <p:stCondLst>
+                                            <p:cond delay="0"/>
+                                          </p:stCondLst>
+                                        </p:cTn>
+                                        <p:tgtEl>
+                                          <p:spTgt spid="12"/>
+                                        </p:tgtEl>
+                                        <p:attrNameLst>
+                                          <p:attrName>style.visibility</p:attrName>
+                                        </p:attrNameLst>
+                                      </p:cBhvr>
+                                      <p:to>
+                                        <p:strVal val="visible"/>
+                                      </p:to>
+                                    </p:set>
+                                  </p:childTnLst>
+                                </p:cTn>
+                              </p:par>
+                              <p:par>
+                                <p:cTn id="25" presetID="1" presetClass="entr" presetSubtype="0" fill="hold" nodeType="withEffect">
+                                  <p:stCondLst>
+                                    <p:cond delay="0"/>
+                                  </p:stCondLst>
+                                  <p:childTnLst>
+                                    <p:set>
+                                      <p:cBhvr>
+                                        <p:cTn id="26" dur="1" fill="hold">
+                                          <p:stCondLst>
+                                            <p:cond delay="0"/>
+                                          </p:stCondLst>
+                                        </p:cTn>
+                                        <p:tgtEl>
+                                          <p:spTgt spid="14"/>
+                                        </p:tgtEl>
+                                        <p:attrNameLst>
+                                          <p:attrName>style.visibility</p:attrName>
+                                        </p:attrNameLst>
+                                      </p:cBhvr>
+                                      <p:to>
+                                        <p:strVal val="visible"/>
+                                      </p:to>
+                                    </p:set>
+                                  </p:childTnLst>
+                                </p:cTn>
+                              </p:par>
+                              <p:par>
+                                <p:cTn id="27" presetID="1" presetClass="entr" presetSubtype="0" fill="hold" nodeType="withEffect">
+                                  <p:stCondLst>
+                                    <p:cond delay="0"/>
+                                  </p:stCondLst>
+                                  <p:childTnLst>
+                                    <p:set>
+                                      <p:cBhvr>
+                                        <p:cTn id="28" dur="1" fill="hold">
+                                          <p:stCondLst>
+                                            <p:cond delay="0"/>
+                                          </p:stCondLst>
+                                        </p:cTn>
+                                        <p:tgtEl>
+                                          <p:spTgt spid="16"/>
+                                        </p:tgtEl>
+                                        <p:attrNameLst>
+                                          <p:attrName>style.visibility</p:attrName>
+                                        </p:attrNameLst>
+                                      </p:cBhvr>
+                                      <p:to>
+                                        <p:strVal val="visible"/>
+                                      </p:to>
+                                    </p:set>
+                                  </p:childTnLst>
+                                </p:cTn>
+                              </p:par>
+                              <p:par>
+                                <p:cTn id="29" presetID="1" presetClass="entr" presetSubtype="0" fill="hold" nodeType="withEffect">
+                                  <p:stCondLst>
+                                    <p:cond delay="0"/>
+                                  </p:stCondLst>
+                                  <p:childTnLst>
+                                    <p:set>
+                                      <p:cBhvr>
+                                        <p:cTn id="30" dur="1" fill="hold">
+                                          <p:stCondLst>
+                                            <p:cond delay="0"/>
+                                          </p:stCondLst>
+                                        </p:cTn>
+                                        <p:tgtEl>
+                                          <p:spTgt spid="18"/>
+                                        </p:tgtEl>
+                                        <p:attrNameLst>
+                                          <p:attrName>style.visibility</p:attrName>
+                                        </p:attrNameLst>
+                                      </p:cBhvr>
+                                      <p:to>
+                                        <p:strVal val="visible"/>
+                                      </p:to>
+                                    </p:set>
+                                  </p:childTnLst>
+                                </p:cTn>
+                              </p:par>
+                              <p:par>
+                                <p:cTn id="31" presetID="1" presetClass="entr" presetSubtype="0" fill="hold" nodeType="withEffect">
+                                  <p:stCondLst>
+                                    <p:cond delay="0"/>
+                                  </p:stCondLst>
+                                  <p:childTnLst>
+                                    <p:set>
+                                      <p:cBhvr>
+                                        <p:cTn id="32" dur="1" fill="hold">
+                                          <p:stCondLst>
+                                            <p:cond delay="0"/>
+                                          </p:stCondLst>
+                                        </p:cTn>
+                                        <p:tgtEl>
+                                          <p:spTgt spid="20"/>
+                                        </p:tgtEl>
+                                        <p:attrNameLst>
+                                          <p:attrName>style.visibility</p:attrName>
+                                        </p:attrNameLst>
+                                      </p:cBhvr>
+                                      <p:to>
+                                        <p:strVal val="visible"/>
+                                      </p:to>
+                                    </p:set>
+                                  </p:childTnLst>
+                                </p:cTn>
+                              </p:par>
+                              <p:par>
+                                <p:cTn id="33" presetID="1" presetClass="entr" presetSubtype="0" fill="hold" nodeType="withEffect">
+                                  <p:stCondLst>
+                                    <p:cond delay="0"/>
+                                  </p:stCondLst>
+                                  <p:childTnLst>
+                                    <p:set>
+                                      <p:cBhvr>
+                                        <p:cTn id="34" dur="1" fill="hold">
+                                          <p:stCondLst>
+                                            <p:cond delay="0"/>
+                                          </p:stCondLst>
+                                        </p:cTn>
+                                        <p:tgtEl>
+                                          <p:spTgt spid="22"/>
+                                        </p:tgtEl>
+                                        <p:attrNameLst>
+                                          <p:attrName>style.visibility</p:attrName>
+                                        </p:attrNameLst>
+                                      </p:cBhvr>
+                                      <p:to>
+                                        <p:strVal val="visible"/>
+                                      </p:to>
+                                    </p:set>
+                                  </p:childTnLst>
+                                </p:cTn>
+                              </p:par>
+                              <p:par>
+                                <p:cTn id="35" presetID="1" presetClass="entr" presetSubtype="0" fill="hold" grpId="0" nodeType="withEffect">
+                                  <p:stCondLst>
+                                    <p:cond delay="0"/>
+                                  </p:stCondLst>
+                                  <p:childTnLst>
+                                    <p:set>
+                                      <p:cBhvr>
+                                        <p:cTn id="36" dur="1" fill="hold">
+                                          <p:stCondLst>
+                                            <p:cond delay="0"/>
+                                          </p:stCondLst>
+                                        </p:cTn>
+                                        <p:tgtEl>
+                                          <p:spTgt spid="26"/>
+                                        </p:tgtEl>
+                                        <p:attrNameLst>
+                                          <p:attrName>style.visibility</p:attrName>
+                                        </p:attrNameLst>
+                                      </p:cBhvr>
+                                      <p:to>
+                                        <p:strVal val="visible"/>
+                                      </p:to>
+                                    </p:set>
+                                  </p:childTnLst>
+                                </p:cTn>
+                              </p:par>
+                              <p:par>
+                                <p:cTn id="37" presetID="1" presetClass="entr" presetSubtype="0" fill="hold" grpId="0" nodeType="withEffect">
+                                  <p:stCondLst>
+                                    <p:cond delay="0"/>
+                                  </p:stCondLst>
+                                  <p:childTnLst>
+                                    <p:set>
+                                      <p:cBhvr>
+                                        <p:cTn id="38" dur="1" fill="hold">
+                                          <p:stCondLst>
+                                            <p:cond delay="0"/>
+                                          </p:stCondLst>
+                                        </p:cTn>
+                                        <p:tgtEl>
+                                          <p:spTgt spid="27"/>
+                                        </p:tgtEl>
+                                        <p:attrNameLst>
+                                          <p:attrName>style.visibility</p:attrName>
+                                        </p:attrNameLst>
+                                      </p:cBhvr>
+                                      <p:to>
+                                        <p:strVal val="visible"/>
+                                      </p:to>
+                                    </p:set>
+                                  </p:childTnLst>
+                                </p:cTn>
+                              </p:par>
+                              <p:par>
+                                <p:cTn id="39" presetID="1" presetClass="entr" presetSubtype="0" fill="hold" grpId="0" nodeType="withEffect">
+                                  <p:stCondLst>
+                                    <p:cond delay="0"/>
+                                  </p:stCondLst>
+                                  <p:childTnLst>
+                                    <p:set>
+                                      <p:cBhvr>
+                                        <p:cTn id="40" dur="1" fill="hold">
+                                          <p:stCondLst>
+                                            <p:cond delay="0"/>
+                                          </p:stCondLst>
+                                        </p:cTn>
+                                        <p:tgtEl>
+                                          <p:spTgt spid="28"/>
+                                        </p:tgtEl>
+                                        <p:attrNameLst>
+                                          <p:attrName>style.visibility</p:attrName>
+                                        </p:attrNameLst>
+                                      </p:cBhvr>
+                                      <p:to>
+                                        <p:strVal val="visible"/>
+                                      </p:to>
+                                    </p:set>
+                                  </p:childTnLst>
+                                </p:cTn>
+                              </p:par>
+                              <p:par>
+                                <p:cTn id="41" presetID="1" presetClass="entr" presetSubtype="0" fill="hold" grpId="0" nodeType="withEffect">
+                                  <p:stCondLst>
+                                    <p:cond delay="0"/>
+                                  </p:stCondLst>
+                                  <p:childTnLst>
+                                    <p:set>
+                                      <p:cBhvr>
+                                        <p:cTn id="42" dur="1" fill="hold">
+                                          <p:stCondLst>
+                                            <p:cond delay="0"/>
+                                          </p:stCondLst>
+                                        </p:cTn>
+                                        <p:tgtEl>
+                                          <p:spTgt spid="29"/>
+                                        </p:tgtEl>
+                                        <p:attrNameLst>
+                                          <p:attrName>style.visibility</p:attrName>
+                                        </p:attrNameLst>
+                                      </p:cBhvr>
+                                      <p:to>
+                                        <p:strVal val="visible"/>
+                                      </p:to>
+                                    </p:set>
+                                  </p:childTnLst>
+                                </p:cTn>
+                              </p:par>
+                              <p:par>
+                                <p:cTn id="43" presetID="1" presetClass="entr" presetSubtype="0" fill="hold" grpId="0" nodeType="withEffect">
+                                  <p:stCondLst>
+                                    <p:cond delay="0"/>
+                                  </p:stCondLst>
+                                  <p:childTnLst>
+                                    <p:set>
+                                      <p:cBhvr>
+                                        <p:cTn id="44" dur="1" fill="hold">
+                                          <p:stCondLst>
+                                            <p:cond delay="0"/>
+                                          </p:stCondLst>
+                                        </p:cTn>
+                                        <p:tgtEl>
+                                          <p:spTgt spid="30"/>
+                                        </p:tgtEl>
+                                        <p:attrNameLst>
+                                          <p:attrName>style.visibility</p:attrName>
+                                        </p:attrNameLst>
+                                      </p:cBhvr>
+                                      <p:to>
+                                        <p:strVal val="visible"/>
+                                      </p:to>
+                                    </p:set>
+                                  </p:childTnLst>
+                                </p:cTn>
+                              </p:par>
+                              <p:par>
+                                <p:cTn id="45" presetID="1" presetClass="entr" presetSubtype="0" fill="hold" grpId="0" nodeType="withEffect">
+                                  <p:stCondLst>
+                                    <p:cond delay="0"/>
+                                  </p:stCondLst>
+                                  <p:childTnLst>
+                                    <p:set>
+                                      <p:cBhvr>
+                                        <p:cTn id="46" dur="1" fill="hold">
+                                          <p:stCondLst>
+                                            <p:cond delay="0"/>
+                                          </p:stCondLst>
+                                        </p:cTn>
+                                        <p:tgtEl>
+                                          <p:spTgt spid="31"/>
+                                        </p:tgtEl>
+                                        <p:attrNameLst>
+                                          <p:attrName>style.visibility</p:attrName>
+                                        </p:attrNameLst>
+                                      </p:cBhvr>
+                                      <p:to>
+                                        <p:strVal val="visible"/>
+                                      </p:to>
+                                    </p:set>
+                                  </p:childTnLst>
+                                </p:cTn>
+                              </p:par>
+                            </p:childTnLst>
+                          </p:cTn>
+                        </p:par>
+                      </p:childTnLst>
+                    </p:cTn>
+                  </p:par>
+                  <p:par>
+                    <p:cTn id="47" fill="hold">
+                      <p:stCondLst>
+                        <p:cond delay="indefinite"/>
+                      </p:stCondLst>
+                      <p:childTnLst>
+                        <p:par>
+                          <p:cTn id="48" fill="hold">
+                            <p:stCondLst>
+                              <p:cond delay="0"/>
+                            </p:stCondLst>
+                            <p:childTnLst>
+                              <p:par>
+                                <p:cTn id="49" presetID="1" presetClass="entr" presetSubtype="0" fill="hold" grpId="0" nodeType="clickEffect">
+                                  <p:stCondLst>
+                                    <p:cond delay="0"/>
+                                  </p:stCondLst>
+                                  <p:childTnLst>
+                                    <p:set>
+                                      <p:cBhvr>
+                                        <p:cTn id="50" dur="1" fill="hold">
+                                          <p:stCondLst>
+                                            <p:cond delay="0"/>
+                                          </p:stCondLst>
+                                        </p:cTn>
+                                        <p:tgtEl>
+                                          <p:spTgt spid="3">
+                                            <p:txEl>
+                                              <p:pRg st="2" end="2"/>
+                                            </p:txEl>
+                                          </p:spTgt>
+                                        </p:tgtEl>
+                                        <p:attrNameLst>
+                                          <p:attrName>style.visibility</p:attrName>
+                                        </p:attrNameLst>
+                                      </p:cBhvr>
+                                      <p:to>
+                                        <p:strVal val="visible"/>
+                                      </p:to>
+                                    </p:set>
+                                  </p:childTnLst>
+                                </p:cTn>
+                              </p:par>
+                            </p:childTnLst>
+                          </p:cTn>
+                        </p:par>
+                      </p:childTnLst>
+                    </p:cTn>
+                  </p:par>
+                  <p:par>
+                    <p:cTn id="51" fill="hold">
+                      <p:stCondLst>
+                        <p:cond delay="indefinite"/>
+                      </p:stCondLst>
+                      <p:childTnLst>
+                        <p:par>
+                          <p:cTn id="52" fill="hold">
+                            <p:stCondLst>
+                              <p:cond delay="0"/>
+                            </p:stCondLst>
+                            <p:childTnLst>
+                              <p:par>
+                                <p:cTn id="53" presetID="1" presetClass="entr" presetSubtype="0" fill="hold" grpId="0" nodeType="clickEffect">
+                                  <p:stCondLst>
+                                    <p:cond delay="0"/>
+                                  </p:stCondLst>
+                                  <p:childTnLst>
+                                    <p:set>
+                                      <p:cBhvr>
+                                        <p:cTn id="54" dur="1" fill="hold">
+                                          <p:stCondLst>
+                                            <p:cond delay="0"/>
+                                          </p:stCondLst>
+                                        </p:cTn>
+                                        <p:tgtEl>
+                                          <p:spTgt spid="3">
+                                            <p:txEl>
+                                              <p:pRg st="3" end="3"/>
+                                            </p:txEl>
+                                          </p:spTgt>
+                                        </p:tgtEl>
+                                        <p:attrNameLst>
+                                          <p:attrName>style.visibility</p:attrName>
+                                        </p:attrNameLst>
+                                      </p:cBhvr>
+                                      <p:to>
+                                        <p:strVal val="visible"/>
+                                      </p:to>
+                                    </p:set>
+                                  </p:childTnLst>
+                                </p:cTn>
+                              </p:par>
+                            </p:childTnLst>
+                          </p:cTn>
+                        </p:par>
+                      </p:childTnLst>
+                    </p:cTn>
+                  </p:par>
+                  <p:par>
+                    <p:cTn id="55" fill="hold">
+                      <p:stCondLst>
+                        <p:cond delay="indefinite"/>
+                      </p:stCondLst>
+                      <p:childTnLst>
+                        <p:par>
+                          <p:cTn id="56" fill="hold">
+                            <p:stCondLst>
+                              <p:cond delay="0"/>
+                            </p:stCondLst>
+                            <p:childTnLst>
+                              <p:par>
+                                <p:cTn id="57" presetID="1" presetClass="entr" presetSubtype="0" fill="hold" grpId="0" nodeType="clickEffect">
+                                  <p:stCondLst>
+                                    <p:cond delay="0"/>
+                                  </p:stCondLst>
+                                  <p:childTnLst>
+                                    <p:set>
+                                      <p:cBhvr>
+                                        <p:cTn id="58" dur="1" fill="hold">
+                                          <p:stCondLst>
+                                            <p:cond delay="0"/>
+                                          </p:stCondLst>
+                                        </p:cTn>
+                                        <p:tgtEl>
+                                          <p:spTgt spid="3">
+                                            <p:txEl>
+                                              <p:pRg st="4" end="4"/>
+                                            </p:txEl>
+                                          </p:spTgt>
+                                        </p:tgtEl>
+                                        <p:attrNameLst>
+                                          <p:attrName>style.visibility</p:attrName>
+                                        </p:attrNameLst>
+                                      </p:cBhvr>
+                                      <p:to>
+                                        <p:strVal val="visible"/>
+                                      </p:to>
+                                    </p:set>
+                                  </p:childTnLst>
+                                </p:cTn>
+                              </p:par>
+                            </p:childTnLst>
+                          </p:cTn>
+                        </p:par>
+                      </p:childTnLst>
+                    </p:cTn>
+                  </p:par>
+                  <p:par>
+                    <p:cTn id="59" fill="hold">
+                      <p:stCondLst>
+                        <p:cond delay="indefinite"/>
+                      </p:stCondLst>
+                      <p:childTnLst>
+                        <p:par>
+                          <p:cTn id="60" fill="hold">
+                            <p:stCondLst>
+                              <p:cond delay="0"/>
+                            </p:stCondLst>
+                            <p:childTnLst>
+                              <p:par>
+                                <p:cTn id="61" presetID="1" presetClass="entr" presetSubtype="0" fill="hold" grpId="0" nodeType="clickEffect">
+                                  <p:stCondLst>
+                                    <p:cond delay="0"/>
+                                  </p:stCondLst>
+                                  <p:childTnLst>
+                                    <p:set>
+                                      <p:cBhvr>
+                                        <p:cTn id="62" dur="1" fill="hold">
+                                          <p:stCondLst>
+                                            <p:cond delay="0"/>
+                                          </p:stCondLst>
+                                        </p:cTn>
+                                        <p:tgtEl>
+                                          <p:spTgt spid="5"/>
+                                        </p:tgtEl>
+                                        <p:attrNameLst>
+                                          <p:attrName>style.visibility</p:attrName>
+                                        </p:attrNameLst>
+                                      </p:cBhvr>
+                                      <p:to>
+                                        <p:strVal val="visible"/>
+                                      </p:to>
+                                    </p:set>
+                                  </p:childTnLst>
+                                </p:cTn>
+                              </p:par>
+                              <p:par>
+                                <p:cTn id="63" presetID="1" presetClass="entr" presetSubtype="0" fill="hold" grpId="0" nodeType="withEffect">
+                                  <p:stCondLst>
+                                    <p:cond delay="0"/>
+                                  </p:stCondLst>
+                                  <p:childTnLst>
+                                    <p:set>
+                                      <p:cBhvr>
+                                        <p:cTn id="64" dur="1" fill="hold">
+                                          <p:stCondLst>
+                                            <p:cond delay="0"/>
+                                          </p:stCondLst>
+                                        </p:cTn>
+                                        <p:tgtEl>
+                                          <p:spTgt spid="4"/>
+                                        </p:tgtEl>
+                                        <p:attrNameLst>
+                                          <p:attrName>style.visibility</p:attrName>
+                                        </p:attrNameLst>
+                                      </p:cBhvr>
+                                      <p:to>
+                                        <p:strVal val="visible"/>
+                                      </p:to>
+                                    </p:set>
+                                  </p:childTnLst>
+                                </p:cTn>
+                              </p:par>
+                            </p:childTnLst>
+                          </p:cTn>
+                        </p:par>
+                      </p:childTnLst>
+                    </p:cTn>
+                  </p:par>
+                  <p:par>
+                    <p:cTn id="65" fill="hold">
+                      <p:stCondLst>
+                        <p:cond delay="indefinite"/>
+                      </p:stCondLst>
+                      <p:childTnLst>
+                        <p:par>
+                          <p:cTn id="66" fill="hold">
+                            <p:stCondLst>
+                              <p:cond delay="0"/>
+                            </p:stCondLst>
+                            <p:childTnLst>
+                              <p:par>
+                                <p:cTn id="67" presetID="1" presetClass="entr" presetSubtype="0" fill="hold" grpId="0" nodeType="clickEffect">
+                                  <p:stCondLst>
+                                    <p:cond delay="0"/>
+                                  </p:stCondLst>
+                                  <p:childTnLst>
+                                    <p:set>
+                                      <p:cBhvr>
+                                        <p:cTn id="68" dur="1" fill="hold">
+                                          <p:stCondLst>
+                                            <p:cond delay="0"/>
+                                          </p:stCondLst>
+                                        </p:cTn>
+                                        <p:tgtEl>
+                                          <p:spTgt spid="3">
+                                            <p:txEl>
+                                              <p:pRg st="5" end="5"/>
+                                            </p:txEl>
+                                          </p:spTgt>
+                                        </p:tgtEl>
+                                        <p:attrNameLst>
+                                          <p:attrName>style.visibility</p:attrName>
+                                        </p:attrNameLst>
+                                      </p:cBhvr>
+                                      <p:to>
+                                        <p:strVal val="visible"/>
+                                      </p:to>
+                                    </p:set>
+                                  </p:childTnLst>
+                                </p:cTn>
+                              </p:par>
+                              <p:par>
+                                <p:cTn id="69" presetID="1" presetClass="entr" presetSubtype="0" fill="hold" grpId="0" nodeType="withEffect">
+                                  <p:stCondLst>
+                                    <p:cond delay="0"/>
+                                  </p:stCondLst>
+                                  <p:childTnLst>
+                                    <p:set>
+                                      <p:cBhvr>
+                                        <p:cTn id="70" dur="1" fill="hold">
+                                          <p:stCondLst>
+                                            <p:cond delay="0"/>
+                                          </p:stCondLst>
+                                        </p:cTn>
+                                        <p:tgtEl>
+                                          <p:spTgt spid="3">
+                                            <p:txEl>
+                                              <p:pRg st="6" end="6"/>
+                                            </p:txEl>
+                                          </p:spTgt>
+                                        </p:tgtEl>
+                                        <p:attrNameLst>
+                                          <p:attrName>style.visibility</p:attrName>
+                                        </p:attrNameLst>
+                                      </p:cBhvr>
+                                      <p:to>
+                                        <p:strVal val="visible"/>
+                                      </p:to>
+                                    </p:set>
+                                  </p:childTnLst>
+                                </p:cTn>
+                              </p:par>
+                              <p:par>
+                                <p:cTn id="71" presetID="1" presetClass="entr" presetSubtype="0" fill="hold" grpId="0" nodeType="withEffect">
+                                  <p:stCondLst>
+                                    <p:cond delay="0"/>
+                                  </p:stCondLst>
+                                  <p:childTnLst>
+                                    <p:set>
+                                      <p:cBhvr>
+                                        <p:cTn id="72" dur="1" fill="hold">
+                                          <p:stCondLst>
+                                            <p:cond delay="0"/>
+                                          </p:stCondLst>
+                                        </p:cTn>
+                                        <p:tgtEl>
+                                          <p:spTgt spid="3">
+                                            <p:txEl>
+                                              <p:pRg st="7" end="7"/>
+                                            </p:txEl>
+                                          </p:spTgt>
+                                        </p:tgtEl>
+                                        <p:attrNameLst>
+                                          <p:attrName>style.visibility</p:attrName>
+                                        </p:attrNameLst>
+                                      </p:cBhvr>
+                                      <p:to>
+                                        <p:strVal val="visible"/>
+                                      </p:to>
+                                    </p:set>
+                                  </p:childTnLst>
+                                </p:cTn>
+                              </p:par>
+                            </p:childTnLst>
+                          </p:cTn>
+                        </p:par>
+                      </p:childTnLst>
+                    </p:cTn>
+                  </p:par>
+                </p:childTnLst>
+              </p:cTn>
+              <p:prevCondLst>
+                <p:cond evt="onPrev" delay="0">
+                  <p:tgtEl>
+                    <p:sldTgt/>
+                  </p:tgtEl>
+                </p:cond>
+              </p:prevCondLst>
+              <p:nextCondLst>
+                <p:cond evt="onNext" delay="0">
+                  <p:tgtEl>
+                    <p:sldTgt/>
+                  </p:tgtEl>
+                </p:cond>
+              </p:nextCondLst>
+            </p:seq>
+          </p:childTnLst>
+        </p:cTn>
       </p:par>
     </p:tnLst>
+    <p:bldLst>
+      <p:bldP spid="3" grpId="0" uiExpand="1" build="p"/>
+      <p:bldP spid="4" grpId="0"/>
+      <p:bldP spid="5" grpId="0"/>
+      <p:bldP spid="26" grpId="0"/>
+      <p:bldP spid="27" grpId="0"/>
+      <p:bldP spid="28" grpId="0"/>
+      <p:bldP spid="29" grpId="0"/>
+      <p:bldP spid="30" grpId="0"/>
+      <p:bldP spid="31" grpId="0"/>
+    </p:bldLst>
   </p:timing>
 </p:sld>
 </file>
@@ -10938,6 +13791,7 @@
             </a:r>
           </a:p>
           <a:p>
+            <a:pPr lvl="1"/>
             <a:r>
               <a:rPr lang="en-CA" dirty="0" smtClean="0"/>
               <a:t>(A B C), (A B D), (A C D), (A C E), (B C D)</a:t>
@@ -10974,19 +13828,6 @@
           <a:p>
             <a:r>
               <a:rPr lang="en-CA" dirty="0" smtClean="0"/>
-              <a:t>If the 3-item sets are sorted alphabetically (as they are here) we need only consider pairs whose first two members are the same</a:t>
-            </a:r>
-          </a:p>
-          <a:p>
-            <a:pPr lvl="1"/>
-            <a:r>
-              <a:rPr lang="en-CA" dirty="0" smtClean="0"/>
-              <a:t>Example: don’t need to consider Union(ACD,BCD) because ABCD can also be generated from ABC and ABD, and if ABC and ABD don’t both belong to 3-item set, ABCD cannot be a candidate 4-item set</a:t>
-            </a:r>
-          </a:p>
-          <a:p>
-            <a:r>
-              <a:rPr lang="en-CA" dirty="0" smtClean="0"/>
               <a:t>Question: is Union(ACD, ACE) = ACDE a candidate 4-item set?</a:t>
             </a:r>
           </a:p>
@@ -11000,7 +13841,13 @@
             <a:pPr lvl="1"/>
             <a:r>
               <a:rPr lang="en-CA" dirty="0" smtClean="0"/>
-              <a:t>Compute H(ACD), H(ACE), and H(ADE), H(CDE) – if we find an empty index, we know that ACDE is not a candidate 4-item set </a:t>
+              <a:t>Compute H(ACD), H(ACE), H(ADE), and H(CDE) – if we find an empty index, we know that ACDE is not a candidate 4-item set </a:t>
+            </a:r>
+          </a:p>
+          <a:p>
+            <a:r>
+              <a:rPr lang="en-CA" dirty="0" smtClean="0"/>
+              <a:t>This example has only a single candidate 4-item set (ABCD)</a:t>
             </a:r>
             <a:endParaRPr lang="en-CA" dirty="0"/>
           </a:p>
@@ -11019,9 +13866,404 @@
   <p:timing>
     <p:tnLst>
       <p:par>
-        <p:cTn id="1" dur="indefinite" restart="never" nodeType="tmRoot"/>
+        <p:cTn id="1" dur="indefinite" restart="never" nodeType="tmRoot">
+          <p:childTnLst>
+            <p:seq concurrent="1" nextAc="seek">
+              <p:cTn id="2" dur="indefinite" nodeType="mainSeq">
+                <p:childTnLst>
+                  <p:par>
+                    <p:cTn id="3" fill="hold">
+                      <p:stCondLst>
+                        <p:cond delay="indefinite"/>
+                      </p:stCondLst>
+                      <p:childTnLst>
+                        <p:par>
+                          <p:cTn id="4" fill="hold">
+                            <p:stCondLst>
+                              <p:cond delay="0"/>
+                            </p:stCondLst>
+                            <p:childTnLst>
+                              <p:par>
+                                <p:cTn id="5" presetID="1" presetClass="entr" presetSubtype="0" fill="hold" grpId="0" nodeType="clickEffect">
+                                  <p:stCondLst>
+                                    <p:cond delay="0"/>
+                                  </p:stCondLst>
+                                  <p:childTnLst>
+                                    <p:set>
+                                      <p:cBhvr>
+                                        <p:cTn id="6" dur="1" fill="hold">
+                                          <p:stCondLst>
+                                            <p:cond delay="0"/>
+                                          </p:stCondLst>
+                                        </p:cTn>
+                                        <p:tgtEl>
+                                          <p:spTgt spid="3">
+                                            <p:txEl>
+                                              <p:pRg st="0" end="0"/>
+                                            </p:txEl>
+                                          </p:spTgt>
+                                        </p:tgtEl>
+                                        <p:attrNameLst>
+                                          <p:attrName>style.visibility</p:attrName>
+                                        </p:attrNameLst>
+                                      </p:cBhvr>
+                                      <p:to>
+                                        <p:strVal val="visible"/>
+                                      </p:to>
+                                    </p:set>
+                                  </p:childTnLst>
+                                </p:cTn>
+                              </p:par>
+                              <p:par>
+                                <p:cTn id="7" presetID="1" presetClass="entr" presetSubtype="0" fill="hold" grpId="0" nodeType="withEffect">
+                                  <p:stCondLst>
+                                    <p:cond delay="0"/>
+                                  </p:stCondLst>
+                                  <p:childTnLst>
+                                    <p:set>
+                                      <p:cBhvr>
+                                        <p:cTn id="8" dur="1" fill="hold">
+                                          <p:stCondLst>
+                                            <p:cond delay="0"/>
+                                          </p:stCondLst>
+                                        </p:cTn>
+                                        <p:tgtEl>
+                                          <p:spTgt spid="3">
+                                            <p:txEl>
+                                              <p:pRg st="1" end="1"/>
+                                            </p:txEl>
+                                          </p:spTgt>
+                                        </p:tgtEl>
+                                        <p:attrNameLst>
+                                          <p:attrName>style.visibility</p:attrName>
+                                        </p:attrNameLst>
+                                      </p:cBhvr>
+                                      <p:to>
+                                        <p:strVal val="visible"/>
+                                      </p:to>
+                                    </p:set>
+                                  </p:childTnLst>
+                                </p:cTn>
+                              </p:par>
+                              <p:par>
+                                <p:cTn id="9" presetID="1" presetClass="entr" presetSubtype="0" fill="hold" grpId="0" nodeType="withEffect">
+                                  <p:stCondLst>
+                                    <p:cond delay="0"/>
+                                  </p:stCondLst>
+                                  <p:childTnLst>
+                                    <p:set>
+                                      <p:cBhvr>
+                                        <p:cTn id="10" dur="1" fill="hold">
+                                          <p:stCondLst>
+                                            <p:cond delay="0"/>
+                                          </p:stCondLst>
+                                        </p:cTn>
+                                        <p:tgtEl>
+                                          <p:spTgt spid="3">
+                                            <p:txEl>
+                                              <p:pRg st="2" end="2"/>
+                                            </p:txEl>
+                                          </p:spTgt>
+                                        </p:tgtEl>
+                                        <p:attrNameLst>
+                                          <p:attrName>style.visibility</p:attrName>
+                                        </p:attrNameLst>
+                                      </p:cBhvr>
+                                      <p:to>
+                                        <p:strVal val="visible"/>
+                                      </p:to>
+                                    </p:set>
+                                  </p:childTnLst>
+                                </p:cTn>
+                              </p:par>
+                            </p:childTnLst>
+                          </p:cTn>
+                        </p:par>
+                      </p:childTnLst>
+                    </p:cTn>
+                  </p:par>
+                  <p:par>
+                    <p:cTn id="11" fill="hold">
+                      <p:stCondLst>
+                        <p:cond delay="indefinite"/>
+                      </p:stCondLst>
+                      <p:childTnLst>
+                        <p:par>
+                          <p:cTn id="12" fill="hold">
+                            <p:stCondLst>
+                              <p:cond delay="0"/>
+                            </p:stCondLst>
+                            <p:childTnLst>
+                              <p:par>
+                                <p:cTn id="13" presetID="1" presetClass="entr" presetSubtype="0" fill="hold" grpId="0" nodeType="clickEffect">
+                                  <p:stCondLst>
+                                    <p:cond delay="0"/>
+                                  </p:stCondLst>
+                                  <p:childTnLst>
+                                    <p:set>
+                                      <p:cBhvr>
+                                        <p:cTn id="14" dur="1" fill="hold">
+                                          <p:stCondLst>
+                                            <p:cond delay="0"/>
+                                          </p:stCondLst>
+                                        </p:cTn>
+                                        <p:tgtEl>
+                                          <p:spTgt spid="3">
+                                            <p:txEl>
+                                              <p:pRg st="3" end="3"/>
+                                            </p:txEl>
+                                          </p:spTgt>
+                                        </p:tgtEl>
+                                        <p:attrNameLst>
+                                          <p:attrName>style.visibility</p:attrName>
+                                        </p:attrNameLst>
+                                      </p:cBhvr>
+                                      <p:to>
+                                        <p:strVal val="visible"/>
+                                      </p:to>
+                                    </p:set>
+                                  </p:childTnLst>
+                                </p:cTn>
+                              </p:par>
+                              <p:par>
+                                <p:cTn id="15" presetID="1" presetClass="entr" presetSubtype="0" fill="hold" grpId="0" nodeType="withEffect">
+                                  <p:stCondLst>
+                                    <p:cond delay="0"/>
+                                  </p:stCondLst>
+                                  <p:childTnLst>
+                                    <p:set>
+                                      <p:cBhvr>
+                                        <p:cTn id="16" dur="1" fill="hold">
+                                          <p:stCondLst>
+                                            <p:cond delay="0"/>
+                                          </p:stCondLst>
+                                        </p:cTn>
+                                        <p:tgtEl>
+                                          <p:spTgt spid="3">
+                                            <p:txEl>
+                                              <p:pRg st="4" end="4"/>
+                                            </p:txEl>
+                                          </p:spTgt>
+                                        </p:tgtEl>
+                                        <p:attrNameLst>
+                                          <p:attrName>style.visibility</p:attrName>
+                                        </p:attrNameLst>
+                                      </p:cBhvr>
+                                      <p:to>
+                                        <p:strVal val="visible"/>
+                                      </p:to>
+                                    </p:set>
+                                  </p:childTnLst>
+                                </p:cTn>
+                              </p:par>
+                            </p:childTnLst>
+                          </p:cTn>
+                        </p:par>
+                      </p:childTnLst>
+                    </p:cTn>
+                  </p:par>
+                  <p:par>
+                    <p:cTn id="17" fill="hold">
+                      <p:stCondLst>
+                        <p:cond delay="indefinite"/>
+                      </p:stCondLst>
+                      <p:childTnLst>
+                        <p:par>
+                          <p:cTn id="18" fill="hold">
+                            <p:stCondLst>
+                              <p:cond delay="0"/>
+                            </p:stCondLst>
+                            <p:childTnLst>
+                              <p:par>
+                                <p:cTn id="19" presetID="1" presetClass="entr" presetSubtype="0" fill="hold" grpId="0" nodeType="clickEffect">
+                                  <p:stCondLst>
+                                    <p:cond delay="0"/>
+                                  </p:stCondLst>
+                                  <p:childTnLst>
+                                    <p:set>
+                                      <p:cBhvr>
+                                        <p:cTn id="20" dur="1" fill="hold">
+                                          <p:stCondLst>
+                                            <p:cond delay="0"/>
+                                          </p:stCondLst>
+                                        </p:cTn>
+                                        <p:tgtEl>
+                                          <p:spTgt spid="3">
+                                            <p:txEl>
+                                              <p:pRg st="5" end="5"/>
+                                            </p:txEl>
+                                          </p:spTgt>
+                                        </p:tgtEl>
+                                        <p:attrNameLst>
+                                          <p:attrName>style.visibility</p:attrName>
+                                        </p:attrNameLst>
+                                      </p:cBhvr>
+                                      <p:to>
+                                        <p:strVal val="visible"/>
+                                      </p:to>
+                                    </p:set>
+                                  </p:childTnLst>
+                                </p:cTn>
+                              </p:par>
+                            </p:childTnLst>
+                          </p:cTn>
+                        </p:par>
+                      </p:childTnLst>
+                    </p:cTn>
+                  </p:par>
+                  <p:par>
+                    <p:cTn id="21" fill="hold">
+                      <p:stCondLst>
+                        <p:cond delay="indefinite"/>
+                      </p:stCondLst>
+                      <p:childTnLst>
+                        <p:par>
+                          <p:cTn id="22" fill="hold">
+                            <p:stCondLst>
+                              <p:cond delay="0"/>
+                            </p:stCondLst>
+                            <p:childTnLst>
+                              <p:par>
+                                <p:cTn id="23" presetID="1" presetClass="entr" presetSubtype="0" fill="hold" grpId="0" nodeType="clickEffect">
+                                  <p:stCondLst>
+                                    <p:cond delay="0"/>
+                                  </p:stCondLst>
+                                  <p:childTnLst>
+                                    <p:set>
+                                      <p:cBhvr>
+                                        <p:cTn id="24" dur="1" fill="hold">
+                                          <p:stCondLst>
+                                            <p:cond delay="0"/>
+                                          </p:stCondLst>
+                                        </p:cTn>
+                                        <p:tgtEl>
+                                          <p:spTgt spid="3">
+                                            <p:txEl>
+                                              <p:pRg st="6" end="6"/>
+                                            </p:txEl>
+                                          </p:spTgt>
+                                        </p:tgtEl>
+                                        <p:attrNameLst>
+                                          <p:attrName>style.visibility</p:attrName>
+                                        </p:attrNameLst>
+                                      </p:cBhvr>
+                                      <p:to>
+                                        <p:strVal val="visible"/>
+                                      </p:to>
+                                    </p:set>
+                                  </p:childTnLst>
+                                </p:cTn>
+                              </p:par>
+                              <p:par>
+                                <p:cTn id="25" presetID="1" presetClass="entr" presetSubtype="0" fill="hold" grpId="0" nodeType="withEffect">
+                                  <p:stCondLst>
+                                    <p:cond delay="0"/>
+                                  </p:stCondLst>
+                                  <p:childTnLst>
+                                    <p:set>
+                                      <p:cBhvr>
+                                        <p:cTn id="26" dur="1" fill="hold">
+                                          <p:stCondLst>
+                                            <p:cond delay="0"/>
+                                          </p:stCondLst>
+                                        </p:cTn>
+                                        <p:tgtEl>
+                                          <p:spTgt spid="3">
+                                            <p:txEl>
+                                              <p:pRg st="7" end="7"/>
+                                            </p:txEl>
+                                          </p:spTgt>
+                                        </p:tgtEl>
+                                        <p:attrNameLst>
+                                          <p:attrName>style.visibility</p:attrName>
+                                        </p:attrNameLst>
+                                      </p:cBhvr>
+                                      <p:to>
+                                        <p:strVal val="visible"/>
+                                      </p:to>
+                                    </p:set>
+                                  </p:childTnLst>
+                                </p:cTn>
+                              </p:par>
+                            </p:childTnLst>
+                          </p:cTn>
+                        </p:par>
+                      </p:childTnLst>
+                    </p:cTn>
+                  </p:par>
+                  <p:par>
+                    <p:cTn id="27" fill="hold">
+                      <p:stCondLst>
+                        <p:cond delay="indefinite"/>
+                      </p:stCondLst>
+                      <p:childTnLst>
+                        <p:par>
+                          <p:cTn id="28" fill="hold">
+                            <p:stCondLst>
+                              <p:cond delay="0"/>
+                            </p:stCondLst>
+                            <p:childTnLst>
+                              <p:par>
+                                <p:cTn id="29" presetID="1" presetClass="entr" presetSubtype="0" fill="hold" grpId="0" nodeType="clickEffect">
+                                  <p:stCondLst>
+                                    <p:cond delay="0"/>
+                                  </p:stCondLst>
+                                  <p:childTnLst>
+                                    <p:set>
+                                      <p:cBhvr>
+                                        <p:cTn id="30" dur="1" fill="hold">
+                                          <p:stCondLst>
+                                            <p:cond delay="0"/>
+                                          </p:stCondLst>
+                                        </p:cTn>
+                                        <p:tgtEl>
+                                          <p:spTgt spid="3">
+                                            <p:txEl>
+                                              <p:pRg st="8" end="8"/>
+                                            </p:txEl>
+                                          </p:spTgt>
+                                        </p:tgtEl>
+                                        <p:attrNameLst>
+                                          <p:attrName>style.visibility</p:attrName>
+                                        </p:attrNameLst>
+                                      </p:cBhvr>
+                                      <p:to>
+                                        <p:strVal val="visible"/>
+                                      </p:to>
+                                    </p:set>
+                                  </p:childTnLst>
+                                </p:cTn>
+                              </p:par>
+                            </p:childTnLst>
+                          </p:cTn>
+                        </p:par>
+                      </p:childTnLst>
+                    </p:cTn>
+                  </p:par>
+                </p:childTnLst>
+              </p:cTn>
+              <p:prevCondLst>
+                <p:cond evt="onPrev" delay="0">
+                  <p:tgtEl>
+                    <p:sldTgt/>
+                  </p:tgtEl>
+                </p:cond>
+              </p:prevCondLst>
+              <p:nextCondLst>
+                <p:cond evt="onNext" delay="0">
+                  <p:tgtEl>
+                    <p:sldTgt/>
+                  </p:tgtEl>
+                </p:cond>
+              </p:nextCondLst>
+            </p:seq>
+          </p:childTnLst>
+        </p:cTn>
       </p:par>
     </p:tnLst>
+    <p:bldLst>
+      <p:bldP spid="3" grpId="0" build="p"/>
+    </p:bldLst>
   </p:timing>
 </p:sld>
 </file>
@@ -11055,7 +14297,7 @@
         </p:nvSpPr>
         <p:spPr>
           <a:xfrm>
-            <a:off x="0" y="0"/>
+            <a:off x="290945" y="207818"/>
             <a:ext cx="10515600" cy="726696"/>
           </a:xfrm>
         </p:spPr>
@@ -11071,8 +14313,8 @@
           </a:p>
         </p:txBody>
       </p:sp>
-      <mc:AlternateContent xmlns:mc="http://schemas.openxmlformats.org/markup-compatibility/2006">
-        <mc:Choice xmlns:a14="http://schemas.microsoft.com/office/drawing/2010/main" Requires="a14">
+      <mc:AlternateContent xmlns:mc="http://schemas.openxmlformats.org/markup-compatibility/2006" xmlns:a14="http://schemas.microsoft.com/office/drawing/2010/main">
+        <mc:Choice Requires="a14">
           <p:sp>
             <p:nvSpPr>
               <p:cNvPr id="3" name="Content Placeholder 2"/>
@@ -11085,8 +14327,8 @@
             </p:nvSpPr>
             <p:spPr>
               <a:xfrm>
-                <a:off x="0" y="726696"/>
-                <a:ext cx="10830636" cy="6131304"/>
+                <a:off x="498763" y="1191491"/>
+                <a:ext cx="10830636" cy="5666509"/>
               </a:xfrm>
             </p:spPr>
             <p:txBody>
@@ -11627,7 +14869,7 @@
             </p:txBody>
           </p:sp>
         </mc:Choice>
-        <mc:Fallback>
+        <mc:Fallback xmlns="">
           <p:sp>
             <p:nvSpPr>
               <p:cNvPr id="3" name="Content Placeholder 2"/>
@@ -11640,13 +14882,13 @@
             </p:nvSpPr>
             <p:spPr>
               <a:xfrm>
-                <a:off x="0" y="726696"/>
-                <a:ext cx="10830636" cy="6131304"/>
+                <a:off x="498763" y="1191491"/>
+                <a:ext cx="10830636" cy="5666509"/>
               </a:xfrm>
               <a:blipFill>
                 <a:blip r:embed="rId2"/>
                 <a:stretch>
-                  <a:fillRect l="-1013" t="-1590" r="-1294"/>
+                  <a:fillRect l="-1014" t="-1720" r="-1351"/>
                 </a:stretch>
               </a:blipFill>
             </p:spPr>
@@ -11678,9 +14920,458 @@
   <p:timing>
     <p:tnLst>
       <p:par>
-        <p:cTn id="1" dur="indefinite" restart="never" nodeType="tmRoot"/>
+        <p:cTn id="1" dur="indefinite" restart="never" nodeType="tmRoot">
+          <p:childTnLst>
+            <p:seq concurrent="1" nextAc="seek">
+              <p:cTn id="2" dur="indefinite" nodeType="mainSeq">
+                <p:childTnLst>
+                  <p:par>
+                    <p:cTn id="3" fill="hold">
+                      <p:stCondLst>
+                        <p:cond delay="indefinite"/>
+                      </p:stCondLst>
+                      <p:childTnLst>
+                        <p:par>
+                          <p:cTn id="4" fill="hold">
+                            <p:stCondLst>
+                              <p:cond delay="0"/>
+                            </p:stCondLst>
+                            <p:childTnLst>
+                              <p:par>
+                                <p:cTn id="5" presetID="1" presetClass="entr" presetSubtype="0" fill="hold" grpId="0" nodeType="clickEffect">
+                                  <p:stCondLst>
+                                    <p:cond delay="0"/>
+                                  </p:stCondLst>
+                                  <p:childTnLst>
+                                    <p:set>
+                                      <p:cBhvr>
+                                        <p:cTn id="6" dur="1" fill="hold">
+                                          <p:stCondLst>
+                                            <p:cond delay="0"/>
+                                          </p:stCondLst>
+                                        </p:cTn>
+                                        <p:tgtEl>
+                                          <p:spTgt spid="3">
+                                            <p:txEl>
+                                              <p:pRg st="0" end="0"/>
+                                            </p:txEl>
+                                          </p:spTgt>
+                                        </p:tgtEl>
+                                        <p:attrNameLst>
+                                          <p:attrName>style.visibility</p:attrName>
+                                        </p:attrNameLst>
+                                      </p:cBhvr>
+                                      <p:to>
+                                        <p:strVal val="visible"/>
+                                      </p:to>
+                                    </p:set>
+                                  </p:childTnLst>
+                                </p:cTn>
+                              </p:par>
+                            </p:childTnLst>
+                          </p:cTn>
+                        </p:par>
+                      </p:childTnLst>
+                    </p:cTn>
+                  </p:par>
+                  <p:par>
+                    <p:cTn id="7" fill="hold">
+                      <p:stCondLst>
+                        <p:cond delay="indefinite"/>
+                      </p:stCondLst>
+                      <p:childTnLst>
+                        <p:par>
+                          <p:cTn id="8" fill="hold">
+                            <p:stCondLst>
+                              <p:cond delay="0"/>
+                            </p:stCondLst>
+                            <p:childTnLst>
+                              <p:par>
+                                <p:cTn id="9" presetID="1" presetClass="entr" presetSubtype="0" fill="hold" grpId="0" nodeType="clickEffect">
+                                  <p:stCondLst>
+                                    <p:cond delay="0"/>
+                                  </p:stCondLst>
+                                  <p:childTnLst>
+                                    <p:set>
+                                      <p:cBhvr>
+                                        <p:cTn id="10" dur="1" fill="hold">
+                                          <p:stCondLst>
+                                            <p:cond delay="0"/>
+                                          </p:stCondLst>
+                                        </p:cTn>
+                                        <p:tgtEl>
+                                          <p:spTgt spid="3">
+                                            <p:txEl>
+                                              <p:pRg st="1" end="1"/>
+                                            </p:txEl>
+                                          </p:spTgt>
+                                        </p:tgtEl>
+                                        <p:attrNameLst>
+                                          <p:attrName>style.visibility</p:attrName>
+                                        </p:attrNameLst>
+                                      </p:cBhvr>
+                                      <p:to>
+                                        <p:strVal val="visible"/>
+                                      </p:to>
+                                    </p:set>
+                                  </p:childTnLst>
+                                </p:cTn>
+                              </p:par>
+                              <p:par>
+                                <p:cTn id="11" presetID="1" presetClass="entr" presetSubtype="0" fill="hold" grpId="0" nodeType="withEffect">
+                                  <p:stCondLst>
+                                    <p:cond delay="0"/>
+                                  </p:stCondLst>
+                                  <p:childTnLst>
+                                    <p:set>
+                                      <p:cBhvr>
+                                        <p:cTn id="12" dur="1" fill="hold">
+                                          <p:stCondLst>
+                                            <p:cond delay="0"/>
+                                          </p:stCondLst>
+                                        </p:cTn>
+                                        <p:tgtEl>
+                                          <p:spTgt spid="3">
+                                            <p:txEl>
+                                              <p:pRg st="2" end="2"/>
+                                            </p:txEl>
+                                          </p:spTgt>
+                                        </p:tgtEl>
+                                        <p:attrNameLst>
+                                          <p:attrName>style.visibility</p:attrName>
+                                        </p:attrNameLst>
+                                      </p:cBhvr>
+                                      <p:to>
+                                        <p:strVal val="visible"/>
+                                      </p:to>
+                                    </p:set>
+                                  </p:childTnLst>
+                                </p:cTn>
+                              </p:par>
+                            </p:childTnLst>
+                          </p:cTn>
+                        </p:par>
+                      </p:childTnLst>
+                    </p:cTn>
+                  </p:par>
+                  <p:par>
+                    <p:cTn id="13" fill="hold">
+                      <p:stCondLst>
+                        <p:cond delay="indefinite"/>
+                      </p:stCondLst>
+                      <p:childTnLst>
+                        <p:par>
+                          <p:cTn id="14" fill="hold">
+                            <p:stCondLst>
+                              <p:cond delay="0"/>
+                            </p:stCondLst>
+                            <p:childTnLst>
+                              <p:par>
+                                <p:cTn id="15" presetID="1" presetClass="entr" presetSubtype="0" fill="hold" grpId="0" nodeType="clickEffect">
+                                  <p:stCondLst>
+                                    <p:cond delay="0"/>
+                                  </p:stCondLst>
+                                  <p:childTnLst>
+                                    <p:set>
+                                      <p:cBhvr>
+                                        <p:cTn id="16" dur="1" fill="hold">
+                                          <p:stCondLst>
+                                            <p:cond delay="0"/>
+                                          </p:stCondLst>
+                                        </p:cTn>
+                                        <p:tgtEl>
+                                          <p:spTgt spid="3">
+                                            <p:txEl>
+                                              <p:pRg st="3" end="3"/>
+                                            </p:txEl>
+                                          </p:spTgt>
+                                        </p:tgtEl>
+                                        <p:attrNameLst>
+                                          <p:attrName>style.visibility</p:attrName>
+                                        </p:attrNameLst>
+                                      </p:cBhvr>
+                                      <p:to>
+                                        <p:strVal val="visible"/>
+                                      </p:to>
+                                    </p:set>
+                                  </p:childTnLst>
+                                </p:cTn>
+                              </p:par>
+                            </p:childTnLst>
+                          </p:cTn>
+                        </p:par>
+                      </p:childTnLst>
+                    </p:cTn>
+                  </p:par>
+                  <p:par>
+                    <p:cTn id="17" fill="hold">
+                      <p:stCondLst>
+                        <p:cond delay="indefinite"/>
+                      </p:stCondLst>
+                      <p:childTnLst>
+                        <p:par>
+                          <p:cTn id="18" fill="hold">
+                            <p:stCondLst>
+                              <p:cond delay="0"/>
+                            </p:stCondLst>
+                            <p:childTnLst>
+                              <p:par>
+                                <p:cTn id="19" presetID="1" presetClass="entr" presetSubtype="0" fill="hold" grpId="0" nodeType="clickEffect">
+                                  <p:stCondLst>
+                                    <p:cond delay="0"/>
+                                  </p:stCondLst>
+                                  <p:childTnLst>
+                                    <p:set>
+                                      <p:cBhvr>
+                                        <p:cTn id="20" dur="1" fill="hold">
+                                          <p:stCondLst>
+                                            <p:cond delay="0"/>
+                                          </p:stCondLst>
+                                        </p:cTn>
+                                        <p:tgtEl>
+                                          <p:spTgt spid="3">
+                                            <p:txEl>
+                                              <p:pRg st="4" end="4"/>
+                                            </p:txEl>
+                                          </p:spTgt>
+                                        </p:tgtEl>
+                                        <p:attrNameLst>
+                                          <p:attrName>style.visibility</p:attrName>
+                                        </p:attrNameLst>
+                                      </p:cBhvr>
+                                      <p:to>
+                                        <p:strVal val="visible"/>
+                                      </p:to>
+                                    </p:set>
+                                  </p:childTnLst>
+                                </p:cTn>
+                              </p:par>
+                            </p:childTnLst>
+                          </p:cTn>
+                        </p:par>
+                      </p:childTnLst>
+                    </p:cTn>
+                  </p:par>
+                  <p:par>
+                    <p:cTn id="21" fill="hold">
+                      <p:stCondLst>
+                        <p:cond delay="indefinite"/>
+                      </p:stCondLst>
+                      <p:childTnLst>
+                        <p:par>
+                          <p:cTn id="22" fill="hold">
+                            <p:stCondLst>
+                              <p:cond delay="0"/>
+                            </p:stCondLst>
+                            <p:childTnLst>
+                              <p:par>
+                                <p:cTn id="23" presetID="1" presetClass="entr" presetSubtype="0" fill="hold" grpId="0" nodeType="clickEffect">
+                                  <p:stCondLst>
+                                    <p:cond delay="0"/>
+                                  </p:stCondLst>
+                                  <p:childTnLst>
+                                    <p:set>
+                                      <p:cBhvr>
+                                        <p:cTn id="24" dur="1" fill="hold">
+                                          <p:stCondLst>
+                                            <p:cond delay="0"/>
+                                          </p:stCondLst>
+                                        </p:cTn>
+                                        <p:tgtEl>
+                                          <p:spTgt spid="3">
+                                            <p:txEl>
+                                              <p:pRg st="5" end="5"/>
+                                            </p:txEl>
+                                          </p:spTgt>
+                                        </p:tgtEl>
+                                        <p:attrNameLst>
+                                          <p:attrName>style.visibility</p:attrName>
+                                        </p:attrNameLst>
+                                      </p:cBhvr>
+                                      <p:to>
+                                        <p:strVal val="visible"/>
+                                      </p:to>
+                                    </p:set>
+                                  </p:childTnLst>
+                                </p:cTn>
+                              </p:par>
+                            </p:childTnLst>
+                          </p:cTn>
+                        </p:par>
+                      </p:childTnLst>
+                    </p:cTn>
+                  </p:par>
+                  <p:par>
+                    <p:cTn id="25" fill="hold">
+                      <p:stCondLst>
+                        <p:cond delay="indefinite"/>
+                      </p:stCondLst>
+                      <p:childTnLst>
+                        <p:par>
+                          <p:cTn id="26" fill="hold">
+                            <p:stCondLst>
+                              <p:cond delay="0"/>
+                            </p:stCondLst>
+                            <p:childTnLst>
+                              <p:par>
+                                <p:cTn id="27" presetID="1" presetClass="entr" presetSubtype="0" fill="hold" grpId="0" nodeType="clickEffect">
+                                  <p:stCondLst>
+                                    <p:cond delay="0"/>
+                                  </p:stCondLst>
+                                  <p:childTnLst>
+                                    <p:set>
+                                      <p:cBhvr>
+                                        <p:cTn id="28" dur="1" fill="hold">
+                                          <p:stCondLst>
+                                            <p:cond delay="0"/>
+                                          </p:stCondLst>
+                                        </p:cTn>
+                                        <p:tgtEl>
+                                          <p:spTgt spid="3">
+                                            <p:txEl>
+                                              <p:pRg st="6" end="6"/>
+                                            </p:txEl>
+                                          </p:spTgt>
+                                        </p:tgtEl>
+                                        <p:attrNameLst>
+                                          <p:attrName>style.visibility</p:attrName>
+                                        </p:attrNameLst>
+                                      </p:cBhvr>
+                                      <p:to>
+                                        <p:strVal val="visible"/>
+                                      </p:to>
+                                    </p:set>
+                                  </p:childTnLst>
+                                </p:cTn>
+                              </p:par>
+                            </p:childTnLst>
+                          </p:cTn>
+                        </p:par>
+                      </p:childTnLst>
+                    </p:cTn>
+                  </p:par>
+                  <p:par>
+                    <p:cTn id="29" fill="hold">
+                      <p:stCondLst>
+                        <p:cond delay="indefinite"/>
+                      </p:stCondLst>
+                      <p:childTnLst>
+                        <p:par>
+                          <p:cTn id="30" fill="hold">
+                            <p:stCondLst>
+                              <p:cond delay="0"/>
+                            </p:stCondLst>
+                            <p:childTnLst>
+                              <p:par>
+                                <p:cTn id="31" presetID="1" presetClass="entr" presetSubtype="0" fill="hold" grpId="0" nodeType="clickEffect">
+                                  <p:stCondLst>
+                                    <p:cond delay="0"/>
+                                  </p:stCondLst>
+                                  <p:childTnLst>
+                                    <p:set>
+                                      <p:cBhvr>
+                                        <p:cTn id="32" dur="1" fill="hold">
+                                          <p:stCondLst>
+                                            <p:cond delay="0"/>
+                                          </p:stCondLst>
+                                        </p:cTn>
+                                        <p:tgtEl>
+                                          <p:spTgt spid="3">
+                                            <p:txEl>
+                                              <p:pRg st="7" end="7"/>
+                                            </p:txEl>
+                                          </p:spTgt>
+                                        </p:tgtEl>
+                                        <p:attrNameLst>
+                                          <p:attrName>style.visibility</p:attrName>
+                                        </p:attrNameLst>
+                                      </p:cBhvr>
+                                      <p:to>
+                                        <p:strVal val="visible"/>
+                                      </p:to>
+                                    </p:set>
+                                  </p:childTnLst>
+                                </p:cTn>
+                              </p:par>
+                            </p:childTnLst>
+                          </p:cTn>
+                        </p:par>
+                      </p:childTnLst>
+                    </p:cTn>
+                  </p:par>
+                  <p:par>
+                    <p:cTn id="33" fill="hold">
+                      <p:stCondLst>
+                        <p:cond delay="indefinite"/>
+                      </p:stCondLst>
+                      <p:childTnLst>
+                        <p:par>
+                          <p:cTn id="34" fill="hold">
+                            <p:stCondLst>
+                              <p:cond delay="0"/>
+                            </p:stCondLst>
+                            <p:childTnLst>
+                              <p:par>
+                                <p:cTn id="35" presetID="1" presetClass="entr" presetSubtype="0" fill="hold" grpId="0" nodeType="clickEffect">
+                                  <p:stCondLst>
+                                    <p:cond delay="0"/>
+                                  </p:stCondLst>
+                                  <p:childTnLst>
+                                    <p:set>
+                                      <p:cBhvr>
+                                        <p:cTn id="36" dur="1" fill="hold">
+                                          <p:stCondLst>
+                                            <p:cond delay="0"/>
+                                          </p:stCondLst>
+                                        </p:cTn>
+                                        <p:tgtEl>
+                                          <p:spTgt spid="3">
+                                            <p:txEl>
+                                              <p:pRg st="8" end="8"/>
+                                            </p:txEl>
+                                          </p:spTgt>
+                                        </p:tgtEl>
+                                        <p:attrNameLst>
+                                          <p:attrName>style.visibility</p:attrName>
+                                        </p:attrNameLst>
+                                      </p:cBhvr>
+                                      <p:to>
+                                        <p:strVal val="visible"/>
+                                      </p:to>
+                                    </p:set>
+                                  </p:childTnLst>
+                                </p:cTn>
+                              </p:par>
+                            </p:childTnLst>
+                          </p:cTn>
+                        </p:par>
+                      </p:childTnLst>
+                    </p:cTn>
+                  </p:par>
+                </p:childTnLst>
+              </p:cTn>
+              <p:prevCondLst>
+                <p:cond evt="onPrev" delay="0">
+                  <p:tgtEl>
+                    <p:sldTgt/>
+                  </p:tgtEl>
+                </p:cond>
+              </p:prevCondLst>
+              <p:nextCondLst>
+                <p:cond evt="onNext" delay="0">
+                  <p:tgtEl>
+                    <p:sldTgt/>
+                  </p:tgtEl>
+                </p:cond>
+              </p:nextCondLst>
+            </p:seq>
+          </p:childTnLst>
+        </p:cTn>
       </p:par>
     </p:tnLst>
+    <p:bldLst>
+      <p:bldP spid="3" grpId="0" build="p"/>
+    </p:bldLst>
   </p:timing>
 </p:sld>
 </file>
@@ -11766,7 +15457,7 @@
             </a:r>
             <a:r>
               <a:rPr lang="en-CA" i="1" dirty="0" smtClean="0"/>
-              <a:t>Input, Output, 1R, Naïve Bayes</a:t>
+              <a:t>Input, Output, 1R, Naïve Bayes, Decision Tree</a:t>
             </a:r>
             <a:r>
               <a:rPr lang="en-CA" dirty="0" smtClean="0"/>
@@ -11903,7 +15594,7 @@
       </p:sp>
       <p:pic>
         <p:nvPicPr>
-          <p:cNvPr id="4" name="Picture 3"/>
+          <p:cNvPr id="6" name="Picture 5"/>
           <p:cNvPicPr>
             <a:picLocks noChangeAspect="1"/>
           </p:cNvPicPr>
@@ -11917,18 +15608,485 @@
         </p:blipFill>
         <p:spPr>
           <a:xfrm>
-            <a:off x="4804011" y="0"/>
-            <a:ext cx="7263309" cy="6732656"/>
+            <a:off x="4878530" y="91785"/>
+            <a:ext cx="7258050" cy="6724650"/>
           </a:xfrm>
           <a:prstGeom prst="rect">
             <a:avLst/>
           </a:prstGeom>
         </p:spPr>
       </p:pic>
+      <p:pic>
+        <p:nvPicPr>
+          <p:cNvPr id="4" name="Picture 3"/>
+          <p:cNvPicPr>
+            <a:picLocks noChangeAspect="1"/>
+          </p:cNvPicPr>
+          <p:nvPr/>
+        </p:nvPicPr>
+        <p:blipFill>
+          <a:blip r:embed="rId3"/>
+          <a:stretch>
+            <a:fillRect/>
+          </a:stretch>
+        </p:blipFill>
+        <p:spPr>
+          <a:xfrm>
+            <a:off x="142164" y="5703955"/>
+            <a:ext cx="4562475" cy="1028700"/>
+          </a:xfrm>
+          <a:prstGeom prst="rect">
+            <a:avLst/>
+          </a:prstGeom>
+        </p:spPr>
+      </p:pic>
+      <p:sp>
+        <p:nvSpPr>
+          <p:cNvPr id="5" name="TextBox 4"/>
+          <p:cNvSpPr txBox="1"/>
+          <p:nvPr/>
+        </p:nvSpPr>
+        <p:spPr>
+          <a:xfrm>
+            <a:off x="2423401" y="5237018"/>
+            <a:ext cx="2230486" cy="369332"/>
+          </a:xfrm>
+          <a:prstGeom prst="rect">
+            <a:avLst/>
+          </a:prstGeom>
+          <a:noFill/>
+        </p:spPr>
+        <p:txBody>
+          <a:bodyPr wrap="square" rtlCol="0">
+            <a:spAutoFit/>
+          </a:bodyPr>
+          <a:lstStyle/>
+          <a:p>
+            <a:r>
+              <a:rPr lang="en-CA" dirty="0" smtClean="0"/>
+              <a:t>accuracy</a:t>
+            </a:r>
+            <a:endParaRPr lang="en-CA" dirty="0"/>
+          </a:p>
+        </p:txBody>
+      </p:sp>
+      <p:cxnSp>
+        <p:nvCxnSpPr>
+          <p:cNvPr id="8" name="Straight Arrow Connector 7"/>
+          <p:cNvCxnSpPr/>
+          <p:nvPr/>
+        </p:nvCxnSpPr>
+        <p:spPr>
+          <a:xfrm>
+            <a:off x="3352800" y="5421684"/>
+            <a:ext cx="1110018" cy="282271"/>
+          </a:xfrm>
+          <a:prstGeom prst="straightConnector1">
+            <a:avLst/>
+          </a:prstGeom>
+          <a:ln>
+            <a:tailEnd type="triangle"/>
+          </a:ln>
+        </p:spPr>
+        <p:style>
+          <a:lnRef idx="1">
+            <a:schemeClr val="accent1"/>
+          </a:lnRef>
+          <a:fillRef idx="0">
+            <a:schemeClr val="accent1"/>
+          </a:fillRef>
+          <a:effectRef idx="0">
+            <a:schemeClr val="accent1"/>
+          </a:effectRef>
+          <a:fontRef idx="minor">
+            <a:schemeClr val="tx1"/>
+          </a:fontRef>
+        </p:style>
+      </p:cxnSp>
     </p:spTree>
     <p:extLst>
       <p:ext uri="{BB962C8B-B14F-4D97-AF65-F5344CB8AC3E}">
         <p14:creationId xmlns:p14="http://schemas.microsoft.com/office/powerpoint/2010/main" val="4242263611"/>
+      </p:ext>
+    </p:extLst>
+  </p:cSld>
+  <p:clrMapOvr>
+    <a:masterClrMapping/>
+  </p:clrMapOvr>
+  <p:timing>
+    <p:tnLst>
+      <p:par>
+        <p:cTn id="1" dur="indefinite" restart="never" nodeType="tmRoot">
+          <p:childTnLst>
+            <p:seq concurrent="1" nextAc="seek">
+              <p:cTn id="2" dur="indefinite" nodeType="mainSeq">
+                <p:childTnLst>
+                  <p:par>
+                    <p:cTn id="3" fill="hold">
+                      <p:stCondLst>
+                        <p:cond delay="indefinite"/>
+                      </p:stCondLst>
+                      <p:childTnLst>
+                        <p:par>
+                          <p:cTn id="4" fill="hold">
+                            <p:stCondLst>
+                              <p:cond delay="0"/>
+                            </p:stCondLst>
+                            <p:childTnLst>
+                              <p:par>
+                                <p:cTn id="5" presetID="1" presetClass="entr" presetSubtype="0" fill="hold" grpId="0" nodeType="clickEffect">
+                                  <p:stCondLst>
+                                    <p:cond delay="0"/>
+                                  </p:stCondLst>
+                                  <p:childTnLst>
+                                    <p:set>
+                                      <p:cBhvr>
+                                        <p:cTn id="6" dur="1" fill="hold">
+                                          <p:stCondLst>
+                                            <p:cond delay="0"/>
+                                          </p:stCondLst>
+                                        </p:cTn>
+                                        <p:tgtEl>
+                                          <p:spTgt spid="3">
+                                            <p:txEl>
+                                              <p:pRg st="0" end="0"/>
+                                            </p:txEl>
+                                          </p:spTgt>
+                                        </p:tgtEl>
+                                        <p:attrNameLst>
+                                          <p:attrName>style.visibility</p:attrName>
+                                        </p:attrNameLst>
+                                      </p:cBhvr>
+                                      <p:to>
+                                        <p:strVal val="visible"/>
+                                      </p:to>
+                                    </p:set>
+                                  </p:childTnLst>
+                                </p:cTn>
+                              </p:par>
+                            </p:childTnLst>
+                          </p:cTn>
+                        </p:par>
+                      </p:childTnLst>
+                    </p:cTn>
+                  </p:par>
+                  <p:par>
+                    <p:cTn id="7" fill="hold">
+                      <p:stCondLst>
+                        <p:cond delay="indefinite"/>
+                      </p:stCondLst>
+                      <p:childTnLst>
+                        <p:par>
+                          <p:cTn id="8" fill="hold">
+                            <p:stCondLst>
+                              <p:cond delay="0"/>
+                            </p:stCondLst>
+                            <p:childTnLst>
+                              <p:par>
+                                <p:cTn id="9" presetID="1" presetClass="entr" presetSubtype="0" fill="hold" grpId="0" nodeType="clickEffect">
+                                  <p:stCondLst>
+                                    <p:cond delay="0"/>
+                                  </p:stCondLst>
+                                  <p:childTnLst>
+                                    <p:set>
+                                      <p:cBhvr>
+                                        <p:cTn id="10" dur="1" fill="hold">
+                                          <p:stCondLst>
+                                            <p:cond delay="0"/>
+                                          </p:stCondLst>
+                                        </p:cTn>
+                                        <p:tgtEl>
+                                          <p:spTgt spid="3">
+                                            <p:txEl>
+                                              <p:pRg st="1" end="1"/>
+                                            </p:txEl>
+                                          </p:spTgt>
+                                        </p:tgtEl>
+                                        <p:attrNameLst>
+                                          <p:attrName>style.visibility</p:attrName>
+                                        </p:attrNameLst>
+                                      </p:cBhvr>
+                                      <p:to>
+                                        <p:strVal val="visible"/>
+                                      </p:to>
+                                    </p:set>
+                                  </p:childTnLst>
+                                </p:cTn>
+                              </p:par>
+                            </p:childTnLst>
+                          </p:cTn>
+                        </p:par>
+                      </p:childTnLst>
+                    </p:cTn>
+                  </p:par>
+                  <p:par>
+                    <p:cTn id="11" fill="hold">
+                      <p:stCondLst>
+                        <p:cond delay="indefinite"/>
+                      </p:stCondLst>
+                      <p:childTnLst>
+                        <p:par>
+                          <p:cTn id="12" fill="hold">
+                            <p:stCondLst>
+                              <p:cond delay="0"/>
+                            </p:stCondLst>
+                            <p:childTnLst>
+                              <p:par>
+                                <p:cTn id="13" presetID="1" presetClass="entr" presetSubtype="0" fill="hold" grpId="0" nodeType="clickEffect">
+                                  <p:stCondLst>
+                                    <p:cond delay="0"/>
+                                  </p:stCondLst>
+                                  <p:childTnLst>
+                                    <p:set>
+                                      <p:cBhvr>
+                                        <p:cTn id="14" dur="1" fill="hold">
+                                          <p:stCondLst>
+                                            <p:cond delay="0"/>
+                                          </p:stCondLst>
+                                        </p:cTn>
+                                        <p:tgtEl>
+                                          <p:spTgt spid="3">
+                                            <p:txEl>
+                                              <p:pRg st="2" end="2"/>
+                                            </p:txEl>
+                                          </p:spTgt>
+                                        </p:tgtEl>
+                                        <p:attrNameLst>
+                                          <p:attrName>style.visibility</p:attrName>
+                                        </p:attrNameLst>
+                                      </p:cBhvr>
+                                      <p:to>
+                                        <p:strVal val="visible"/>
+                                      </p:to>
+                                    </p:set>
+                                  </p:childTnLst>
+                                </p:cTn>
+                              </p:par>
+                            </p:childTnLst>
+                          </p:cTn>
+                        </p:par>
+                      </p:childTnLst>
+                    </p:cTn>
+                  </p:par>
+                </p:childTnLst>
+              </p:cTn>
+              <p:prevCondLst>
+                <p:cond evt="onPrev" delay="0">
+                  <p:tgtEl>
+                    <p:sldTgt/>
+                  </p:tgtEl>
+                </p:cond>
+              </p:prevCondLst>
+              <p:nextCondLst>
+                <p:cond evt="onNext" delay="0">
+                  <p:tgtEl>
+                    <p:sldTgt/>
+                  </p:tgtEl>
+                </p:cond>
+              </p:nextCondLst>
+            </p:seq>
+          </p:childTnLst>
+        </p:cTn>
+      </p:par>
+    </p:tnLst>
+    <p:bldLst>
+      <p:bldP spid="3" grpId="0" build="p"/>
+    </p:bldLst>
+  </p:timing>
+</p:sld>
+</file>
+
+<file path=ppt/slides/slide21.xml><?xml version="1.0" encoding="utf-8"?>
+<p:sld xmlns:a="http://schemas.openxmlformats.org/drawingml/2006/main" xmlns:r="http://schemas.openxmlformats.org/officeDocument/2006/relationships" xmlns:p="http://schemas.openxmlformats.org/presentationml/2006/main">
+  <p:cSld>
+    <p:spTree>
+      <p:nvGrpSpPr>
+        <p:cNvPr id="1" name=""/>
+        <p:cNvGrpSpPr/>
+        <p:nvPr/>
+      </p:nvGrpSpPr>
+      <p:grpSpPr>
+        <a:xfrm>
+          <a:off x="0" y="0"/>
+          <a:ext cx="0" cy="0"/>
+          <a:chOff x="0" y="0"/>
+          <a:chExt cx="0" cy="0"/>
+        </a:xfrm>
+      </p:grpSpPr>
+      <p:sp>
+        <p:nvSpPr>
+          <p:cNvPr id="6" name="TextBox 5"/>
+          <p:cNvSpPr txBox="1"/>
+          <p:nvPr/>
+        </p:nvSpPr>
+        <p:spPr>
+          <a:xfrm>
+            <a:off x="0" y="6488668"/>
+            <a:ext cx="4981433" cy="369332"/>
+          </a:xfrm>
+          <a:prstGeom prst="rect">
+            <a:avLst/>
+          </a:prstGeom>
+          <a:noFill/>
+        </p:spPr>
+        <p:txBody>
+          <a:bodyPr wrap="square" rtlCol="0">
+            <a:spAutoFit/>
+          </a:bodyPr>
+          <a:lstStyle/>
+          <a:p>
+            <a:r>
+              <a:rPr lang="en-CA" dirty="0" smtClean="0"/>
+              <a:t>(on </a:t>
+            </a:r>
+            <a:r>
+              <a:rPr lang="en-CA" dirty="0" err="1" smtClean="0"/>
+              <a:t>moodle</a:t>
+            </a:r>
+            <a:r>
+              <a:rPr lang="en-CA" dirty="0" smtClean="0"/>
+              <a:t>)</a:t>
+            </a:r>
+            <a:endParaRPr lang="en-CA" dirty="0"/>
+          </a:p>
+        </p:txBody>
+      </p:sp>
+      <p:pic>
+        <p:nvPicPr>
+          <p:cNvPr id="7" name="Picture 6"/>
+          <p:cNvPicPr>
+            <a:picLocks noChangeAspect="1"/>
+          </p:cNvPicPr>
+          <p:nvPr/>
+        </p:nvPicPr>
+        <p:blipFill>
+          <a:blip r:embed="rId2"/>
+          <a:stretch>
+            <a:fillRect/>
+          </a:stretch>
+        </p:blipFill>
+        <p:spPr>
+          <a:xfrm>
+            <a:off x="96548" y="442912"/>
+            <a:ext cx="10742967" cy="1261197"/>
+          </a:xfrm>
+          <a:prstGeom prst="rect">
+            <a:avLst/>
+          </a:prstGeom>
+        </p:spPr>
+      </p:pic>
+      <p:pic>
+        <p:nvPicPr>
+          <p:cNvPr id="8" name="Picture 7"/>
+          <p:cNvPicPr>
+            <a:picLocks noChangeAspect="1"/>
+          </p:cNvPicPr>
+          <p:nvPr/>
+        </p:nvPicPr>
+        <p:blipFill>
+          <a:blip r:embed="rId3"/>
+          <a:stretch>
+            <a:fillRect/>
+          </a:stretch>
+        </p:blipFill>
+        <p:spPr>
+          <a:xfrm>
+            <a:off x="3328121" y="1899154"/>
+            <a:ext cx="4948303" cy="4589514"/>
+          </a:xfrm>
+          <a:prstGeom prst="rect">
+            <a:avLst/>
+          </a:prstGeom>
+        </p:spPr>
+      </p:pic>
+      <p:sp>
+        <p:nvSpPr>
+          <p:cNvPr id="9" name="Rectangle 8"/>
+          <p:cNvSpPr/>
+          <p:nvPr/>
+        </p:nvSpPr>
+        <p:spPr>
+          <a:xfrm>
+            <a:off x="3328121" y="2701636"/>
+            <a:ext cx="4948303" cy="401782"/>
+          </a:xfrm>
+          <a:prstGeom prst="rect">
+            <a:avLst/>
+          </a:prstGeom>
+          <a:noFill/>
+          <a:ln w="38100"/>
+        </p:spPr>
+        <p:style>
+          <a:lnRef idx="2">
+            <a:schemeClr val="accent1">
+              <a:shade val="50000"/>
+            </a:schemeClr>
+          </a:lnRef>
+          <a:fillRef idx="1">
+            <a:schemeClr val="accent1"/>
+          </a:fillRef>
+          <a:effectRef idx="0">
+            <a:schemeClr val="accent1"/>
+          </a:effectRef>
+          <a:fontRef idx="minor">
+            <a:schemeClr val="lt1"/>
+          </a:fontRef>
+        </p:style>
+        <p:txBody>
+          <a:bodyPr rtlCol="0" anchor="ctr"/>
+          <a:lstStyle/>
+          <a:p>
+            <a:pPr algn="ctr"/>
+            <a:endParaRPr lang="en-CA"/>
+          </a:p>
+        </p:txBody>
+      </p:sp>
+      <p:sp>
+        <p:nvSpPr>
+          <p:cNvPr id="10" name="Rectangle 9"/>
+          <p:cNvSpPr/>
+          <p:nvPr/>
+        </p:nvSpPr>
+        <p:spPr>
+          <a:xfrm>
+            <a:off x="3355826" y="4835233"/>
+            <a:ext cx="4948303" cy="235528"/>
+          </a:xfrm>
+          <a:prstGeom prst="rect">
+            <a:avLst/>
+          </a:prstGeom>
+          <a:noFill/>
+          <a:ln w="38100"/>
+        </p:spPr>
+        <p:style>
+          <a:lnRef idx="2">
+            <a:schemeClr val="accent1">
+              <a:shade val="50000"/>
+            </a:schemeClr>
+          </a:lnRef>
+          <a:fillRef idx="1">
+            <a:schemeClr val="accent1"/>
+          </a:fillRef>
+          <a:effectRef idx="0">
+            <a:schemeClr val="accent1"/>
+          </a:effectRef>
+          <a:fontRef idx="minor">
+            <a:schemeClr val="lt1"/>
+          </a:fontRef>
+        </p:style>
+        <p:txBody>
+          <a:bodyPr rtlCol="0" anchor="ctr"/>
+          <a:lstStyle/>
+          <a:p>
+            <a:pPr algn="ctr"/>
+            <a:endParaRPr lang="en-CA"/>
+          </a:p>
+        </p:txBody>
+      </p:sp>
+    </p:spTree>
+    <p:extLst>
+      <p:ext uri="{BB962C8B-B14F-4D97-AF65-F5344CB8AC3E}">
+        <p14:creationId xmlns:p14="http://schemas.microsoft.com/office/powerpoint/2010/main" val="4065587043"/>
       </p:ext>
     </p:extLst>
   </p:cSld>
@@ -11945,7 +16103,7 @@
 </p:sld>
 </file>
 
-<file path=ppt/slides/slide21.xml><?xml version="1.0" encoding="utf-8"?>
+<file path=ppt/slides/slide22.xml><?xml version="1.0" encoding="utf-8"?>
 <p:sld xmlns:a="http://schemas.openxmlformats.org/drawingml/2006/main" xmlns:r="http://schemas.openxmlformats.org/officeDocument/2006/relationships" xmlns:p="http://schemas.openxmlformats.org/presentationml/2006/main">
   <p:cSld>
     <p:spTree>
@@ -12006,21 +16164,36 @@
             </a:r>
           </a:p>
           <a:p>
+            <a:pPr lvl="1"/>
             <a:r>
               <a:rPr lang="en-CA" dirty="0" smtClean="0"/>
-              <a:t>Simple Covering Algorithm (PRISM)</a:t>
+              <a:t>Separate and Conquer vs Divide and Conquer</a:t>
             </a:r>
           </a:p>
           <a:p>
             <a:r>
               <a:rPr lang="en-CA" dirty="0" smtClean="0"/>
-              <a:t>Mining association rules</a:t>
+              <a:t>Simple Covering Algorithm (PRISM algorithm)</a:t>
             </a:r>
           </a:p>
           <a:p>
             <a:r>
               <a:rPr lang="en-CA" dirty="0" smtClean="0"/>
-              <a:t>Next class: Linear models, instance-based learning, clustering</a:t>
+              <a:t>Mining association rules (</a:t>
+            </a:r>
+            <a:r>
+              <a:rPr lang="en-CA" dirty="0" err="1" smtClean="0"/>
+              <a:t>Apriori</a:t>
+            </a:r>
+            <a:r>
+              <a:rPr lang="en-CA" dirty="0" smtClean="0"/>
+              <a:t> algorithm)</a:t>
+            </a:r>
+          </a:p>
+          <a:p>
+            <a:r>
+              <a:rPr lang="en-CA" dirty="0" smtClean="0"/>
+              <a:t>Next up: Linear models, instance-based learning, clustering</a:t>
             </a:r>
           </a:p>
           <a:p>
@@ -12299,8 +16472,8 @@
           </a:p>
         </p:txBody>
       </p:sp>
-      <mc:AlternateContent xmlns:mc="http://schemas.openxmlformats.org/markup-compatibility/2006">
-        <mc:Choice xmlns:a14="http://schemas.microsoft.com/office/drawing/2010/main" Requires="a14">
+      <mc:AlternateContent xmlns:mc="http://schemas.openxmlformats.org/markup-compatibility/2006" xmlns:a14="http://schemas.microsoft.com/office/drawing/2010/main">
+        <mc:Choice Requires="a14">
           <p:sp>
             <p:nvSpPr>
               <p:cNvPr id="14" name="TextBox 13"/>
@@ -12323,6 +16496,7 @@
               </a:bodyPr>
               <a:lstStyle/>
               <a:p>
+                <a:pPr/>
                 <a14:m>
                   <m:oMathPara xmlns:m="http://schemas.openxmlformats.org/officeDocument/2006/math">
                     <m:oMathParaPr>
@@ -12415,7 +16589,7 @@
             </p:txBody>
           </p:sp>
         </mc:Choice>
-        <mc:Fallback>
+        <mc:Fallback xmlns="">
           <p:sp>
             <p:nvSpPr>
               <p:cNvPr id="14" name="TextBox 13"/>
@@ -12454,8 +16628,8 @@
           </p:sp>
         </mc:Fallback>
       </mc:AlternateContent>
-      <mc:AlternateContent xmlns:mc="http://schemas.openxmlformats.org/markup-compatibility/2006">
-        <mc:Choice xmlns:a14="http://schemas.microsoft.com/office/drawing/2010/main" Requires="a14">
+      <mc:AlternateContent xmlns:mc="http://schemas.openxmlformats.org/markup-compatibility/2006" xmlns:a14="http://schemas.microsoft.com/office/drawing/2010/main">
+        <mc:Choice Requires="a14">
           <p:sp>
             <p:nvSpPr>
               <p:cNvPr id="15" name="TextBox 14"/>
@@ -12478,6 +16652,7 @@
               </a:bodyPr>
               <a:lstStyle/>
               <a:p>
+                <a:pPr/>
                 <a14:m>
                   <m:oMathPara xmlns:m="http://schemas.openxmlformats.org/officeDocument/2006/math">
                     <m:oMathParaPr>
@@ -12570,7 +16745,7 @@
             </p:txBody>
           </p:sp>
         </mc:Choice>
-        <mc:Fallback>
+        <mc:Fallback xmlns="">
           <p:sp>
             <p:nvSpPr>
               <p:cNvPr id="15" name="TextBox 14"/>
@@ -12609,8 +16784,8 @@
           </p:sp>
         </mc:Fallback>
       </mc:AlternateContent>
-      <mc:AlternateContent xmlns:mc="http://schemas.openxmlformats.org/markup-compatibility/2006">
-        <mc:Choice xmlns:a14="http://schemas.microsoft.com/office/drawing/2010/main" Requires="a14">
+      <mc:AlternateContent xmlns:mc="http://schemas.openxmlformats.org/markup-compatibility/2006" xmlns:a14="http://schemas.microsoft.com/office/drawing/2010/main">
+        <mc:Choice Requires="a14">
           <p:sp>
             <p:nvSpPr>
               <p:cNvPr id="16" name="TextBox 15"/>
@@ -12633,6 +16808,7 @@
               </a:bodyPr>
               <a:lstStyle/>
               <a:p>
+                <a:pPr/>
                 <a14:m>
                   <m:oMathPara xmlns:m="http://schemas.openxmlformats.org/officeDocument/2006/math">
                     <m:oMathParaPr>
@@ -12699,6 +16875,7 @@
                 <a:endParaRPr lang="en-CA" b="0" dirty="0" smtClean="0"/>
               </a:p>
               <a:p>
+                <a:pPr/>
                 <a14:m>
                   <m:oMathPara xmlns:m="http://schemas.openxmlformats.org/officeDocument/2006/math">
                     <m:oMathParaPr>
@@ -12791,7 +16968,7 @@
             </p:txBody>
           </p:sp>
         </mc:Choice>
-        <mc:Fallback>
+        <mc:Fallback xmlns="">
           <p:sp>
             <p:nvSpPr>
               <p:cNvPr id="16" name="TextBox 15"/>
@@ -12903,9 +17080,608 @@
   <p:timing>
     <p:tnLst>
       <p:par>
-        <p:cTn id="1" dur="indefinite" restart="never" nodeType="tmRoot"/>
+        <p:cTn id="1" dur="indefinite" restart="never" nodeType="tmRoot">
+          <p:childTnLst>
+            <p:seq concurrent="1" nextAc="seek">
+              <p:cTn id="2" dur="indefinite" nodeType="mainSeq">
+                <p:childTnLst>
+                  <p:par>
+                    <p:cTn id="3" fill="hold">
+                      <p:stCondLst>
+                        <p:cond delay="indefinite"/>
+                      </p:stCondLst>
+                      <p:childTnLst>
+                        <p:par>
+                          <p:cTn id="4" fill="hold">
+                            <p:stCondLst>
+                              <p:cond delay="0"/>
+                            </p:stCondLst>
+                            <p:childTnLst>
+                              <p:par>
+                                <p:cTn id="5" presetID="1" presetClass="entr" presetSubtype="0" fill="hold" grpId="0" nodeType="clickEffect">
+                                  <p:stCondLst>
+                                    <p:cond delay="0"/>
+                                  </p:stCondLst>
+                                  <p:childTnLst>
+                                    <p:set>
+                                      <p:cBhvr>
+                                        <p:cTn id="6" dur="1" fill="hold">
+                                          <p:stCondLst>
+                                            <p:cond delay="0"/>
+                                          </p:stCondLst>
+                                        </p:cTn>
+                                        <p:tgtEl>
+                                          <p:spTgt spid="3">
+                                            <p:txEl>
+                                              <p:pRg st="0" end="0"/>
+                                            </p:txEl>
+                                          </p:spTgt>
+                                        </p:tgtEl>
+                                        <p:attrNameLst>
+                                          <p:attrName>style.visibility</p:attrName>
+                                        </p:attrNameLst>
+                                      </p:cBhvr>
+                                      <p:to>
+                                        <p:strVal val="visible"/>
+                                      </p:to>
+                                    </p:set>
+                                  </p:childTnLst>
+                                </p:cTn>
+                              </p:par>
+                            </p:childTnLst>
+                          </p:cTn>
+                        </p:par>
+                      </p:childTnLst>
+                    </p:cTn>
+                  </p:par>
+                  <p:par>
+                    <p:cTn id="7" fill="hold">
+                      <p:stCondLst>
+                        <p:cond delay="indefinite"/>
+                      </p:stCondLst>
+                      <p:childTnLst>
+                        <p:par>
+                          <p:cTn id="8" fill="hold">
+                            <p:stCondLst>
+                              <p:cond delay="0"/>
+                            </p:stCondLst>
+                            <p:childTnLst>
+                              <p:par>
+                                <p:cTn id="9" presetID="1" presetClass="entr" presetSubtype="0" fill="hold" grpId="0" nodeType="clickEffect">
+                                  <p:stCondLst>
+                                    <p:cond delay="0"/>
+                                  </p:stCondLst>
+                                  <p:childTnLst>
+                                    <p:set>
+                                      <p:cBhvr>
+                                        <p:cTn id="10" dur="1" fill="hold">
+                                          <p:stCondLst>
+                                            <p:cond delay="0"/>
+                                          </p:stCondLst>
+                                        </p:cTn>
+                                        <p:tgtEl>
+                                          <p:spTgt spid="3">
+                                            <p:txEl>
+                                              <p:pRg st="1" end="1"/>
+                                            </p:txEl>
+                                          </p:spTgt>
+                                        </p:tgtEl>
+                                        <p:attrNameLst>
+                                          <p:attrName>style.visibility</p:attrName>
+                                        </p:attrNameLst>
+                                      </p:cBhvr>
+                                      <p:to>
+                                        <p:strVal val="visible"/>
+                                      </p:to>
+                                    </p:set>
+                                  </p:childTnLst>
+                                </p:cTn>
+                              </p:par>
+                              <p:par>
+                                <p:cTn id="11" presetID="1" presetClass="entr" presetSubtype="0" fill="hold" grpId="0" nodeType="withEffect">
+                                  <p:stCondLst>
+                                    <p:cond delay="0"/>
+                                  </p:stCondLst>
+                                  <p:childTnLst>
+                                    <p:set>
+                                      <p:cBhvr>
+                                        <p:cTn id="12" dur="1" fill="hold">
+                                          <p:stCondLst>
+                                            <p:cond delay="0"/>
+                                          </p:stCondLst>
+                                        </p:cTn>
+                                        <p:tgtEl>
+                                          <p:spTgt spid="3">
+                                            <p:txEl>
+                                              <p:pRg st="2" end="2"/>
+                                            </p:txEl>
+                                          </p:spTgt>
+                                        </p:tgtEl>
+                                        <p:attrNameLst>
+                                          <p:attrName>style.visibility</p:attrName>
+                                        </p:attrNameLst>
+                                      </p:cBhvr>
+                                      <p:to>
+                                        <p:strVal val="visible"/>
+                                      </p:to>
+                                    </p:set>
+                                  </p:childTnLst>
+                                </p:cTn>
+                              </p:par>
+                            </p:childTnLst>
+                          </p:cTn>
+                        </p:par>
+                      </p:childTnLst>
+                    </p:cTn>
+                  </p:par>
+                  <p:par>
+                    <p:cTn id="13" fill="hold">
+                      <p:stCondLst>
+                        <p:cond delay="indefinite"/>
+                      </p:stCondLst>
+                      <p:childTnLst>
+                        <p:par>
+                          <p:cTn id="14" fill="hold">
+                            <p:stCondLst>
+                              <p:cond delay="0"/>
+                            </p:stCondLst>
+                            <p:childTnLst>
+                              <p:par>
+                                <p:cTn id="15" presetID="1" presetClass="entr" presetSubtype="0" fill="hold" grpId="0" nodeType="clickEffect">
+                                  <p:stCondLst>
+                                    <p:cond delay="0"/>
+                                  </p:stCondLst>
+                                  <p:childTnLst>
+                                    <p:set>
+                                      <p:cBhvr>
+                                        <p:cTn id="16" dur="1" fill="hold">
+                                          <p:stCondLst>
+                                            <p:cond delay="0"/>
+                                          </p:stCondLst>
+                                        </p:cTn>
+                                        <p:tgtEl>
+                                          <p:spTgt spid="3">
+                                            <p:txEl>
+                                              <p:pRg st="3" end="3"/>
+                                            </p:txEl>
+                                          </p:spTgt>
+                                        </p:tgtEl>
+                                        <p:attrNameLst>
+                                          <p:attrName>style.visibility</p:attrName>
+                                        </p:attrNameLst>
+                                      </p:cBhvr>
+                                      <p:to>
+                                        <p:strVal val="visible"/>
+                                      </p:to>
+                                    </p:set>
+                                  </p:childTnLst>
+                                </p:cTn>
+                              </p:par>
+                            </p:childTnLst>
+                          </p:cTn>
+                        </p:par>
+                      </p:childTnLst>
+                    </p:cTn>
+                  </p:par>
+                  <p:par>
+                    <p:cTn id="17" fill="hold">
+                      <p:stCondLst>
+                        <p:cond delay="indefinite"/>
+                      </p:stCondLst>
+                      <p:childTnLst>
+                        <p:par>
+                          <p:cTn id="18" fill="hold">
+                            <p:stCondLst>
+                              <p:cond delay="0"/>
+                            </p:stCondLst>
+                            <p:childTnLst>
+                              <p:par>
+                                <p:cTn id="19" presetID="1" presetClass="entr" presetSubtype="0" fill="hold" nodeType="clickEffect">
+                                  <p:stCondLst>
+                                    <p:cond delay="0"/>
+                                  </p:stCondLst>
+                                  <p:childTnLst>
+                                    <p:set>
+                                      <p:cBhvr>
+                                        <p:cTn id="20" dur="1" fill="hold">
+                                          <p:stCondLst>
+                                            <p:cond delay="0"/>
+                                          </p:stCondLst>
+                                        </p:cTn>
+                                        <p:tgtEl>
+                                          <p:spTgt spid="7"/>
+                                        </p:tgtEl>
+                                        <p:attrNameLst>
+                                          <p:attrName>style.visibility</p:attrName>
+                                        </p:attrNameLst>
+                                      </p:cBhvr>
+                                      <p:to>
+                                        <p:strVal val="visible"/>
+                                      </p:to>
+                                    </p:set>
+                                  </p:childTnLst>
+                                </p:cTn>
+                              </p:par>
+                              <p:par>
+                                <p:cTn id="21" presetID="1" presetClass="entr" presetSubtype="0" fill="hold" grpId="0" nodeType="withEffect">
+                                  <p:stCondLst>
+                                    <p:cond delay="0"/>
+                                  </p:stCondLst>
+                                  <p:childTnLst>
+                                    <p:set>
+                                      <p:cBhvr>
+                                        <p:cTn id="22" dur="1" fill="hold">
+                                          <p:stCondLst>
+                                            <p:cond delay="0"/>
+                                          </p:stCondLst>
+                                        </p:cTn>
+                                        <p:tgtEl>
+                                          <p:spTgt spid="10"/>
+                                        </p:tgtEl>
+                                        <p:attrNameLst>
+                                          <p:attrName>style.visibility</p:attrName>
+                                        </p:attrNameLst>
+                                      </p:cBhvr>
+                                      <p:to>
+                                        <p:strVal val="visible"/>
+                                      </p:to>
+                                    </p:set>
+                                  </p:childTnLst>
+                                </p:cTn>
+                              </p:par>
+                            </p:childTnLst>
+                          </p:cTn>
+                        </p:par>
+                      </p:childTnLst>
+                    </p:cTn>
+                  </p:par>
+                  <p:par>
+                    <p:cTn id="23" fill="hold">
+                      <p:stCondLst>
+                        <p:cond delay="indefinite"/>
+                      </p:stCondLst>
+                      <p:childTnLst>
+                        <p:par>
+                          <p:cTn id="24" fill="hold">
+                            <p:stCondLst>
+                              <p:cond delay="0"/>
+                            </p:stCondLst>
+                            <p:childTnLst>
+                              <p:par>
+                                <p:cTn id="25" presetID="1" presetClass="entr" presetSubtype="0" fill="hold" grpId="0" nodeType="clickEffect">
+                                  <p:stCondLst>
+                                    <p:cond delay="0"/>
+                                  </p:stCondLst>
+                                  <p:childTnLst>
+                                    <p:set>
+                                      <p:cBhvr>
+                                        <p:cTn id="26" dur="1" fill="hold">
+                                          <p:stCondLst>
+                                            <p:cond delay="0"/>
+                                          </p:stCondLst>
+                                        </p:cTn>
+                                        <p:tgtEl>
+                                          <p:spTgt spid="11"/>
+                                        </p:tgtEl>
+                                        <p:attrNameLst>
+                                          <p:attrName>style.visibility</p:attrName>
+                                        </p:attrNameLst>
+                                      </p:cBhvr>
+                                      <p:to>
+                                        <p:strVal val="visible"/>
+                                      </p:to>
+                                    </p:set>
+                                  </p:childTnLst>
+                                </p:cTn>
+                              </p:par>
+                              <p:par>
+                                <p:cTn id="27" presetID="1" presetClass="entr" presetSubtype="0" fill="hold" nodeType="withEffect">
+                                  <p:stCondLst>
+                                    <p:cond delay="0"/>
+                                  </p:stCondLst>
+                                  <p:childTnLst>
+                                    <p:set>
+                                      <p:cBhvr>
+                                        <p:cTn id="28" dur="1" fill="hold">
+                                          <p:stCondLst>
+                                            <p:cond delay="0"/>
+                                          </p:stCondLst>
+                                        </p:cTn>
+                                        <p:tgtEl>
+                                          <p:spTgt spid="8"/>
+                                        </p:tgtEl>
+                                        <p:attrNameLst>
+                                          <p:attrName>style.visibility</p:attrName>
+                                        </p:attrNameLst>
+                                      </p:cBhvr>
+                                      <p:to>
+                                        <p:strVal val="visible"/>
+                                      </p:to>
+                                    </p:set>
+                                  </p:childTnLst>
+                                </p:cTn>
+                              </p:par>
+                            </p:childTnLst>
+                          </p:cTn>
+                        </p:par>
+                      </p:childTnLst>
+                    </p:cTn>
+                  </p:par>
+                  <p:par>
+                    <p:cTn id="29" fill="hold">
+                      <p:stCondLst>
+                        <p:cond delay="indefinite"/>
+                      </p:stCondLst>
+                      <p:childTnLst>
+                        <p:par>
+                          <p:cTn id="30" fill="hold">
+                            <p:stCondLst>
+                              <p:cond delay="0"/>
+                            </p:stCondLst>
+                            <p:childTnLst>
+                              <p:par>
+                                <p:cTn id="31" presetID="1" presetClass="entr" presetSubtype="0" fill="hold" nodeType="clickEffect">
+                                  <p:stCondLst>
+                                    <p:cond delay="0"/>
+                                  </p:stCondLst>
+                                  <p:childTnLst>
+                                    <p:set>
+                                      <p:cBhvr>
+                                        <p:cTn id="32" dur="1" fill="hold">
+                                          <p:stCondLst>
+                                            <p:cond delay="0"/>
+                                          </p:stCondLst>
+                                        </p:cTn>
+                                        <p:tgtEl>
+                                          <p:spTgt spid="9"/>
+                                        </p:tgtEl>
+                                        <p:attrNameLst>
+                                          <p:attrName>style.visibility</p:attrName>
+                                        </p:attrNameLst>
+                                      </p:cBhvr>
+                                      <p:to>
+                                        <p:strVal val="visible"/>
+                                      </p:to>
+                                    </p:set>
+                                  </p:childTnLst>
+                                </p:cTn>
+                              </p:par>
+                              <p:par>
+                                <p:cTn id="33" presetID="1" presetClass="entr" presetSubtype="0" fill="hold" grpId="0" nodeType="withEffect">
+                                  <p:stCondLst>
+                                    <p:cond delay="0"/>
+                                  </p:stCondLst>
+                                  <p:childTnLst>
+                                    <p:set>
+                                      <p:cBhvr>
+                                        <p:cTn id="34" dur="1" fill="hold">
+                                          <p:stCondLst>
+                                            <p:cond delay="0"/>
+                                          </p:stCondLst>
+                                        </p:cTn>
+                                        <p:tgtEl>
+                                          <p:spTgt spid="13"/>
+                                        </p:tgtEl>
+                                        <p:attrNameLst>
+                                          <p:attrName>style.visibility</p:attrName>
+                                        </p:attrNameLst>
+                                      </p:cBhvr>
+                                      <p:to>
+                                        <p:strVal val="visible"/>
+                                      </p:to>
+                                    </p:set>
+                                  </p:childTnLst>
+                                </p:cTn>
+                              </p:par>
+                            </p:childTnLst>
+                          </p:cTn>
+                        </p:par>
+                      </p:childTnLst>
+                    </p:cTn>
+                  </p:par>
+                  <p:par>
+                    <p:cTn id="35" fill="hold">
+                      <p:stCondLst>
+                        <p:cond delay="indefinite"/>
+                      </p:stCondLst>
+                      <p:childTnLst>
+                        <p:par>
+                          <p:cTn id="36" fill="hold">
+                            <p:stCondLst>
+                              <p:cond delay="0"/>
+                            </p:stCondLst>
+                            <p:childTnLst>
+                              <p:par>
+                                <p:cTn id="37" presetID="1" presetClass="entr" presetSubtype="0" fill="hold" grpId="0" nodeType="clickEffect">
+                                  <p:stCondLst>
+                                    <p:cond delay="0"/>
+                                  </p:stCondLst>
+                                  <p:childTnLst>
+                                    <p:set>
+                                      <p:cBhvr>
+                                        <p:cTn id="38" dur="1" fill="hold">
+                                          <p:stCondLst>
+                                            <p:cond delay="0"/>
+                                          </p:stCondLst>
+                                        </p:cTn>
+                                        <p:tgtEl>
+                                          <p:spTgt spid="15"/>
+                                        </p:tgtEl>
+                                        <p:attrNameLst>
+                                          <p:attrName>style.visibility</p:attrName>
+                                        </p:attrNameLst>
+                                      </p:cBhvr>
+                                      <p:to>
+                                        <p:strVal val="visible"/>
+                                      </p:to>
+                                    </p:set>
+                                  </p:childTnLst>
+                                </p:cTn>
+                              </p:par>
+                              <p:par>
+                                <p:cTn id="39" presetID="1" presetClass="entr" presetSubtype="0" fill="hold" grpId="0" nodeType="withEffect">
+                                  <p:stCondLst>
+                                    <p:cond delay="0"/>
+                                  </p:stCondLst>
+                                  <p:childTnLst>
+                                    <p:set>
+                                      <p:cBhvr>
+                                        <p:cTn id="40" dur="1" fill="hold">
+                                          <p:stCondLst>
+                                            <p:cond delay="0"/>
+                                          </p:stCondLst>
+                                        </p:cTn>
+                                        <p:tgtEl>
+                                          <p:spTgt spid="14"/>
+                                        </p:tgtEl>
+                                        <p:attrNameLst>
+                                          <p:attrName>style.visibility</p:attrName>
+                                        </p:attrNameLst>
+                                      </p:cBhvr>
+                                      <p:to>
+                                        <p:strVal val="visible"/>
+                                      </p:to>
+                                    </p:set>
+                                  </p:childTnLst>
+                                </p:cTn>
+                              </p:par>
+                              <p:par>
+                                <p:cTn id="41" presetID="1" presetClass="entr" presetSubtype="0" fill="hold" grpId="0" nodeType="withEffect">
+                                  <p:stCondLst>
+                                    <p:cond delay="0"/>
+                                  </p:stCondLst>
+                                  <p:childTnLst>
+                                    <p:set>
+                                      <p:cBhvr>
+                                        <p:cTn id="42" dur="1" fill="hold">
+                                          <p:stCondLst>
+                                            <p:cond delay="0"/>
+                                          </p:stCondLst>
+                                        </p:cTn>
+                                        <p:tgtEl>
+                                          <p:spTgt spid="18"/>
+                                        </p:tgtEl>
+                                        <p:attrNameLst>
+                                          <p:attrName>style.visibility</p:attrName>
+                                        </p:attrNameLst>
+                                      </p:cBhvr>
+                                      <p:to>
+                                        <p:strVal val="visible"/>
+                                      </p:to>
+                                    </p:set>
+                                  </p:childTnLst>
+                                </p:cTn>
+                              </p:par>
+                            </p:childTnLst>
+                          </p:cTn>
+                        </p:par>
+                      </p:childTnLst>
+                    </p:cTn>
+                  </p:par>
+                  <p:par>
+                    <p:cTn id="43" fill="hold">
+                      <p:stCondLst>
+                        <p:cond delay="indefinite"/>
+                      </p:stCondLst>
+                      <p:childTnLst>
+                        <p:par>
+                          <p:cTn id="44" fill="hold">
+                            <p:stCondLst>
+                              <p:cond delay="0"/>
+                            </p:stCondLst>
+                            <p:childTnLst>
+                              <p:par>
+                                <p:cTn id="45" presetID="1" presetClass="entr" presetSubtype="0" fill="hold" grpId="0" nodeType="clickEffect">
+                                  <p:stCondLst>
+                                    <p:cond delay="0"/>
+                                  </p:stCondLst>
+                                  <p:childTnLst>
+                                    <p:set>
+                                      <p:cBhvr>
+                                        <p:cTn id="46" dur="1" fill="hold">
+                                          <p:stCondLst>
+                                            <p:cond delay="0"/>
+                                          </p:stCondLst>
+                                        </p:cTn>
+                                        <p:tgtEl>
+                                          <p:spTgt spid="16"/>
+                                        </p:tgtEl>
+                                        <p:attrNameLst>
+                                          <p:attrName>style.visibility</p:attrName>
+                                        </p:attrNameLst>
+                                      </p:cBhvr>
+                                      <p:to>
+                                        <p:strVal val="visible"/>
+                                      </p:to>
+                                    </p:set>
+                                  </p:childTnLst>
+                                </p:cTn>
+                              </p:par>
+                              <p:par>
+                                <p:cTn id="47" presetID="1" presetClass="entr" presetSubtype="0" fill="hold" grpId="0" nodeType="withEffect">
+                                  <p:stCondLst>
+                                    <p:cond delay="0"/>
+                                  </p:stCondLst>
+                                  <p:childTnLst>
+                                    <p:set>
+                                      <p:cBhvr>
+                                        <p:cTn id="48" dur="1" fill="hold">
+                                          <p:stCondLst>
+                                            <p:cond delay="0"/>
+                                          </p:stCondLst>
+                                        </p:cTn>
+                                        <p:tgtEl>
+                                          <p:spTgt spid="17"/>
+                                        </p:tgtEl>
+                                        <p:attrNameLst>
+                                          <p:attrName>style.visibility</p:attrName>
+                                        </p:attrNameLst>
+                                      </p:cBhvr>
+                                      <p:to>
+                                        <p:strVal val="visible"/>
+                                      </p:to>
+                                    </p:set>
+                                  </p:childTnLst>
+                                </p:cTn>
+                              </p:par>
+                            </p:childTnLst>
+                          </p:cTn>
+                        </p:par>
+                      </p:childTnLst>
+                    </p:cTn>
+                  </p:par>
+                </p:childTnLst>
+              </p:cTn>
+              <p:prevCondLst>
+                <p:cond evt="onPrev" delay="0">
+                  <p:tgtEl>
+                    <p:sldTgt/>
+                  </p:tgtEl>
+                </p:cond>
+              </p:prevCondLst>
+              <p:nextCondLst>
+                <p:cond evt="onNext" delay="0">
+                  <p:tgtEl>
+                    <p:sldTgt/>
+                  </p:tgtEl>
+                </p:cond>
+              </p:nextCondLst>
+            </p:seq>
+          </p:childTnLst>
+        </p:cTn>
       </p:par>
     </p:tnLst>
+    <p:bldLst>
+      <p:bldP spid="3" grpId="0" build="p"/>
+      <p:bldP spid="10" grpId="0"/>
+      <p:bldP spid="11" grpId="0"/>
+      <p:bldP spid="13" grpId="0"/>
+      <p:bldP spid="14" grpId="0"/>
+      <p:bldP spid="15" grpId="0"/>
+      <p:bldP spid="16" grpId="0"/>
+      <p:bldP spid="17" grpId="0"/>
+      <p:bldP spid="18" grpId="0"/>
+    </p:bldLst>
   </p:timing>
 </p:sld>
 </file>
@@ -13038,8 +17814,8 @@
           </a:prstGeom>
         </p:spPr>
       </p:pic>
-      <mc:AlternateContent xmlns:mc="http://schemas.openxmlformats.org/markup-compatibility/2006">
-        <mc:Choice xmlns:a14="http://schemas.microsoft.com/office/drawing/2010/main" Requires="a14">
+      <mc:AlternateContent xmlns:mc="http://schemas.openxmlformats.org/markup-compatibility/2006" xmlns:a14="http://schemas.microsoft.com/office/drawing/2010/main">
+        <mc:Choice Requires="a14">
           <p:sp>
             <p:nvSpPr>
               <p:cNvPr id="6" name="TextBox 5"/>
@@ -13062,6 +17838,7 @@
               </a:bodyPr>
               <a:lstStyle/>
               <a:p>
+                <a:pPr/>
                 <a14:m>
                   <m:oMathPara xmlns:m="http://schemas.openxmlformats.org/officeDocument/2006/math">
                     <m:oMathParaPr>
@@ -13154,7 +17931,7 @@
             </p:txBody>
           </p:sp>
         </mc:Choice>
-        <mc:Fallback>
+        <mc:Fallback xmlns="">
           <p:sp>
             <p:nvSpPr>
               <p:cNvPr id="6" name="TextBox 5"/>
@@ -13193,8 +17970,8 @@
           </p:sp>
         </mc:Fallback>
       </mc:AlternateContent>
-      <mc:AlternateContent xmlns:mc="http://schemas.openxmlformats.org/markup-compatibility/2006">
-        <mc:Choice xmlns:a14="http://schemas.microsoft.com/office/drawing/2010/main" Requires="a14">
+      <mc:AlternateContent xmlns:mc="http://schemas.openxmlformats.org/markup-compatibility/2006" xmlns:a14="http://schemas.microsoft.com/office/drawing/2010/main">
+        <mc:Choice Requires="a14">
           <p:sp>
             <p:nvSpPr>
               <p:cNvPr id="7" name="TextBox 6"/>
@@ -13217,6 +17994,7 @@
               </a:bodyPr>
               <a:lstStyle/>
               <a:p>
+                <a:pPr/>
                 <a14:m>
                   <m:oMathPara xmlns:m="http://schemas.openxmlformats.org/officeDocument/2006/math">
                     <m:oMathParaPr>
@@ -13309,7 +18087,7 @@
             </p:txBody>
           </p:sp>
         </mc:Choice>
-        <mc:Fallback>
+        <mc:Fallback xmlns="">
           <p:sp>
             <p:nvSpPr>
               <p:cNvPr id="7" name="TextBox 6"/>
@@ -13361,9 +18139,182 @@
   <p:timing>
     <p:tnLst>
       <p:par>
-        <p:cTn id="1" dur="indefinite" restart="never" nodeType="tmRoot"/>
+        <p:cTn id="1" dur="indefinite" restart="never" nodeType="tmRoot">
+          <p:childTnLst>
+            <p:seq concurrent="1" nextAc="seek">
+              <p:cTn id="2" dur="indefinite" nodeType="mainSeq">
+                <p:childTnLst>
+                  <p:par>
+                    <p:cTn id="3" fill="hold">
+                      <p:stCondLst>
+                        <p:cond delay="indefinite"/>
+                      </p:stCondLst>
+                      <p:childTnLst>
+                        <p:par>
+                          <p:cTn id="4" fill="hold">
+                            <p:stCondLst>
+                              <p:cond delay="0"/>
+                            </p:stCondLst>
+                            <p:childTnLst>
+                              <p:par>
+                                <p:cTn id="5" presetID="1" presetClass="entr" presetSubtype="0" fill="hold" grpId="0" nodeType="clickEffect">
+                                  <p:stCondLst>
+                                    <p:cond delay="0"/>
+                                  </p:stCondLst>
+                                  <p:childTnLst>
+                                    <p:set>
+                                      <p:cBhvr>
+                                        <p:cTn id="6" dur="1" fill="hold">
+                                          <p:stCondLst>
+                                            <p:cond delay="0"/>
+                                          </p:stCondLst>
+                                        </p:cTn>
+                                        <p:tgtEl>
+                                          <p:spTgt spid="3">
+                                            <p:txEl>
+                                              <p:pRg st="0" end="0"/>
+                                            </p:txEl>
+                                          </p:spTgt>
+                                        </p:tgtEl>
+                                        <p:attrNameLst>
+                                          <p:attrName>style.visibility</p:attrName>
+                                        </p:attrNameLst>
+                                      </p:cBhvr>
+                                      <p:to>
+                                        <p:strVal val="visible"/>
+                                      </p:to>
+                                    </p:set>
+                                  </p:childTnLst>
+                                </p:cTn>
+                              </p:par>
+                            </p:childTnLst>
+                          </p:cTn>
+                        </p:par>
+                      </p:childTnLst>
+                    </p:cTn>
+                  </p:par>
+                  <p:par>
+                    <p:cTn id="7" fill="hold">
+                      <p:stCondLst>
+                        <p:cond delay="indefinite"/>
+                      </p:stCondLst>
+                      <p:childTnLst>
+                        <p:par>
+                          <p:cTn id="8" fill="hold">
+                            <p:stCondLst>
+                              <p:cond delay="0"/>
+                            </p:stCondLst>
+                            <p:childTnLst>
+                              <p:par>
+                                <p:cTn id="9" presetID="1" presetClass="entr" presetSubtype="0" fill="hold" grpId="0" nodeType="clickEffect">
+                                  <p:stCondLst>
+                                    <p:cond delay="0"/>
+                                  </p:stCondLst>
+                                  <p:childTnLst>
+                                    <p:set>
+                                      <p:cBhvr>
+                                        <p:cTn id="10" dur="1" fill="hold">
+                                          <p:stCondLst>
+                                            <p:cond delay="0"/>
+                                          </p:stCondLst>
+                                        </p:cTn>
+                                        <p:tgtEl>
+                                          <p:spTgt spid="3">
+                                            <p:txEl>
+                                              <p:pRg st="1" end="1"/>
+                                            </p:txEl>
+                                          </p:spTgt>
+                                        </p:tgtEl>
+                                        <p:attrNameLst>
+                                          <p:attrName>style.visibility</p:attrName>
+                                        </p:attrNameLst>
+                                      </p:cBhvr>
+                                      <p:to>
+                                        <p:strVal val="visible"/>
+                                      </p:to>
+                                    </p:set>
+                                  </p:childTnLst>
+                                </p:cTn>
+                              </p:par>
+                            </p:childTnLst>
+                          </p:cTn>
+                        </p:par>
+                      </p:childTnLst>
+                    </p:cTn>
+                  </p:par>
+                  <p:par>
+                    <p:cTn id="11" fill="hold">
+                      <p:stCondLst>
+                        <p:cond delay="indefinite"/>
+                      </p:stCondLst>
+                      <p:childTnLst>
+                        <p:par>
+                          <p:cTn id="12" fill="hold">
+                            <p:stCondLst>
+                              <p:cond delay="0"/>
+                            </p:stCondLst>
+                            <p:childTnLst>
+                              <p:par>
+                                <p:cTn id="13" presetID="1" presetClass="entr" presetSubtype="0" fill="hold" grpId="0" nodeType="clickEffect">
+                                  <p:stCondLst>
+                                    <p:cond delay="0"/>
+                                  </p:stCondLst>
+                                  <p:childTnLst>
+                                    <p:set>
+                                      <p:cBhvr>
+                                        <p:cTn id="14" dur="1" fill="hold">
+                                          <p:stCondLst>
+                                            <p:cond delay="0"/>
+                                          </p:stCondLst>
+                                        </p:cTn>
+                                        <p:tgtEl>
+                                          <p:spTgt spid="3">
+                                            <p:txEl>
+                                              <p:pRg st="2" end="2"/>
+                                            </p:txEl>
+                                          </p:spTgt>
+                                        </p:tgtEl>
+                                        <p:attrNameLst>
+                                          <p:attrName>style.visibility</p:attrName>
+                                        </p:attrNameLst>
+                                      </p:cBhvr>
+                                      <p:to>
+                                        <p:strVal val="visible"/>
+                                      </p:to>
+                                    </p:set>
+                                  </p:childTnLst>
+                                </p:cTn>
+                              </p:par>
+                            </p:childTnLst>
+                          </p:cTn>
+                        </p:par>
+                      </p:childTnLst>
+                    </p:cTn>
+                  </p:par>
+                </p:childTnLst>
+              </p:cTn>
+              <p:prevCondLst>
+                <p:cond evt="onPrev" delay="0">
+                  <p:tgtEl>
+                    <p:sldTgt/>
+                  </p:tgtEl>
+                </p:cond>
+              </p:prevCondLst>
+              <p:nextCondLst>
+                <p:cond evt="onNext" delay="0">
+                  <p:tgtEl>
+                    <p:sldTgt/>
+                  </p:tgtEl>
+                </p:cond>
+              </p:nextCondLst>
+            </p:seq>
+          </p:childTnLst>
+        </p:cTn>
       </p:par>
     </p:tnLst>
+    <p:bldLst>
+      <p:bldP spid="3" grpId="0" build="p"/>
+    </p:bldLst>
   </p:timing>
 </p:sld>
 </file>
@@ -13431,14 +18382,22 @@
           <a:lstStyle/>
           <a:p>
             <a:r>
+              <a:rPr lang="en-CA" b="1" dirty="0" smtClean="0"/>
+              <a:t>Covering algorithms </a:t>
+            </a:r>
+            <a:r>
               <a:rPr lang="en-CA" dirty="0" smtClean="0"/>
-              <a:t>Covering algorithms operate by adding tests to the rule under construction, trying to create a rule with maximum accuracy</a:t>
-            </a:r>
-          </a:p>
-          <a:p>
+              <a:t>operate by adding tests to the rule under construction, trying to create a rule with maximum accuracy</a:t>
+            </a:r>
+          </a:p>
+          <a:p>
+            <a:r>
+              <a:rPr lang="en-CA" b="1" dirty="0" smtClean="0"/>
+              <a:t>Divide and conquer algorithms </a:t>
+            </a:r>
             <a:r>
               <a:rPr lang="en-CA" dirty="0" smtClean="0"/>
-              <a:t>Divide and conquer algorithms (Decision trees) operate by adding tests to the tree under construction, trying to maximize the separation between classes</a:t>
+              <a:t>(Decision trees) operate by adding tests to the tree under construction, trying to maximize the separation between classes</a:t>
             </a:r>
           </a:p>
           <a:p>
@@ -13505,9 +18464,374 @@
   <p:timing>
     <p:tnLst>
       <p:par>
-        <p:cTn id="1" dur="indefinite" restart="never" nodeType="tmRoot"/>
+        <p:cTn id="1" dur="indefinite" restart="never" nodeType="tmRoot">
+          <p:childTnLst>
+            <p:seq concurrent="1" nextAc="seek">
+              <p:cTn id="2" dur="indefinite" nodeType="mainSeq">
+                <p:childTnLst>
+                  <p:par>
+                    <p:cTn id="3" fill="hold">
+                      <p:stCondLst>
+                        <p:cond delay="indefinite"/>
+                      </p:stCondLst>
+                      <p:childTnLst>
+                        <p:par>
+                          <p:cTn id="4" fill="hold">
+                            <p:stCondLst>
+                              <p:cond delay="0"/>
+                            </p:stCondLst>
+                            <p:childTnLst>
+                              <p:par>
+                                <p:cTn id="5" presetID="1" presetClass="entr" presetSubtype="0" fill="hold" grpId="0" nodeType="clickEffect">
+                                  <p:stCondLst>
+                                    <p:cond delay="0"/>
+                                  </p:stCondLst>
+                                  <p:childTnLst>
+                                    <p:set>
+                                      <p:cBhvr>
+                                        <p:cTn id="6" dur="1" fill="hold">
+                                          <p:stCondLst>
+                                            <p:cond delay="0"/>
+                                          </p:stCondLst>
+                                        </p:cTn>
+                                        <p:tgtEl>
+                                          <p:spTgt spid="3">
+                                            <p:txEl>
+                                              <p:pRg st="0" end="0"/>
+                                            </p:txEl>
+                                          </p:spTgt>
+                                        </p:tgtEl>
+                                        <p:attrNameLst>
+                                          <p:attrName>style.visibility</p:attrName>
+                                        </p:attrNameLst>
+                                      </p:cBhvr>
+                                      <p:to>
+                                        <p:strVal val="visible"/>
+                                      </p:to>
+                                    </p:set>
+                                  </p:childTnLst>
+                                </p:cTn>
+                              </p:par>
+                            </p:childTnLst>
+                          </p:cTn>
+                        </p:par>
+                      </p:childTnLst>
+                    </p:cTn>
+                  </p:par>
+                  <p:par>
+                    <p:cTn id="7" fill="hold">
+                      <p:stCondLst>
+                        <p:cond delay="indefinite"/>
+                      </p:stCondLst>
+                      <p:childTnLst>
+                        <p:par>
+                          <p:cTn id="8" fill="hold">
+                            <p:stCondLst>
+                              <p:cond delay="0"/>
+                            </p:stCondLst>
+                            <p:childTnLst>
+                              <p:par>
+                                <p:cTn id="9" presetID="1" presetClass="entr" presetSubtype="0" fill="hold" nodeType="clickEffect">
+                                  <p:stCondLst>
+                                    <p:cond delay="0"/>
+                                  </p:stCondLst>
+                                  <p:childTnLst>
+                                    <p:set>
+                                      <p:cBhvr>
+                                        <p:cTn id="10" dur="1" fill="hold">
+                                          <p:stCondLst>
+                                            <p:cond delay="0"/>
+                                          </p:stCondLst>
+                                        </p:cTn>
+                                        <p:tgtEl>
+                                          <p:spTgt spid="4"/>
+                                        </p:tgtEl>
+                                        <p:attrNameLst>
+                                          <p:attrName>style.visibility</p:attrName>
+                                        </p:attrNameLst>
+                                      </p:cBhvr>
+                                      <p:to>
+                                        <p:strVal val="visible"/>
+                                      </p:to>
+                                    </p:set>
+                                  </p:childTnLst>
+                                </p:cTn>
+                              </p:par>
+                            </p:childTnLst>
+                          </p:cTn>
+                        </p:par>
+                      </p:childTnLst>
+                    </p:cTn>
+                  </p:par>
+                  <p:par>
+                    <p:cTn id="11" fill="hold">
+                      <p:stCondLst>
+                        <p:cond delay="indefinite"/>
+                      </p:stCondLst>
+                      <p:childTnLst>
+                        <p:par>
+                          <p:cTn id="12" fill="hold">
+                            <p:stCondLst>
+                              <p:cond delay="0"/>
+                            </p:stCondLst>
+                            <p:childTnLst>
+                              <p:par>
+                                <p:cTn id="13" presetID="1" presetClass="entr" presetSubtype="0" fill="hold" grpId="0" nodeType="clickEffect">
+                                  <p:stCondLst>
+                                    <p:cond delay="0"/>
+                                  </p:stCondLst>
+                                  <p:childTnLst>
+                                    <p:set>
+                                      <p:cBhvr>
+                                        <p:cTn id="14" dur="1" fill="hold">
+                                          <p:stCondLst>
+                                            <p:cond delay="0"/>
+                                          </p:stCondLst>
+                                        </p:cTn>
+                                        <p:tgtEl>
+                                          <p:spTgt spid="3">
+                                            <p:txEl>
+                                              <p:pRg st="1" end="1"/>
+                                            </p:txEl>
+                                          </p:spTgt>
+                                        </p:tgtEl>
+                                        <p:attrNameLst>
+                                          <p:attrName>style.visibility</p:attrName>
+                                        </p:attrNameLst>
+                                      </p:cBhvr>
+                                      <p:to>
+                                        <p:strVal val="visible"/>
+                                      </p:to>
+                                    </p:set>
+                                  </p:childTnLst>
+                                </p:cTn>
+                              </p:par>
+                            </p:childTnLst>
+                          </p:cTn>
+                        </p:par>
+                      </p:childTnLst>
+                    </p:cTn>
+                  </p:par>
+                  <p:par>
+                    <p:cTn id="15" fill="hold">
+                      <p:stCondLst>
+                        <p:cond delay="indefinite"/>
+                      </p:stCondLst>
+                      <p:childTnLst>
+                        <p:par>
+                          <p:cTn id="16" fill="hold">
+                            <p:stCondLst>
+                              <p:cond delay="0"/>
+                            </p:stCondLst>
+                            <p:childTnLst>
+                              <p:par>
+                                <p:cTn id="17" presetID="1" presetClass="entr" presetSubtype="0" fill="hold" grpId="0" nodeType="clickEffect">
+                                  <p:stCondLst>
+                                    <p:cond delay="0"/>
+                                  </p:stCondLst>
+                                  <p:childTnLst>
+                                    <p:set>
+                                      <p:cBhvr>
+                                        <p:cTn id="18" dur="1" fill="hold">
+                                          <p:stCondLst>
+                                            <p:cond delay="0"/>
+                                          </p:stCondLst>
+                                        </p:cTn>
+                                        <p:tgtEl>
+                                          <p:spTgt spid="3">
+                                            <p:txEl>
+                                              <p:pRg st="2" end="2"/>
+                                            </p:txEl>
+                                          </p:spTgt>
+                                        </p:tgtEl>
+                                        <p:attrNameLst>
+                                          <p:attrName>style.visibility</p:attrName>
+                                        </p:attrNameLst>
+                                      </p:cBhvr>
+                                      <p:to>
+                                        <p:strVal val="visible"/>
+                                      </p:to>
+                                    </p:set>
+                                  </p:childTnLst>
+                                </p:cTn>
+                              </p:par>
+                            </p:childTnLst>
+                          </p:cTn>
+                        </p:par>
+                      </p:childTnLst>
+                    </p:cTn>
+                  </p:par>
+                  <p:par>
+                    <p:cTn id="19" fill="hold">
+                      <p:stCondLst>
+                        <p:cond delay="indefinite"/>
+                      </p:stCondLst>
+                      <p:childTnLst>
+                        <p:par>
+                          <p:cTn id="20" fill="hold">
+                            <p:stCondLst>
+                              <p:cond delay="0"/>
+                            </p:stCondLst>
+                            <p:childTnLst>
+                              <p:par>
+                                <p:cTn id="21" presetID="1" presetClass="entr" presetSubtype="0" fill="hold" grpId="0" nodeType="clickEffect">
+                                  <p:stCondLst>
+                                    <p:cond delay="0"/>
+                                  </p:stCondLst>
+                                  <p:childTnLst>
+                                    <p:set>
+                                      <p:cBhvr>
+                                        <p:cTn id="22" dur="1" fill="hold">
+                                          <p:stCondLst>
+                                            <p:cond delay="0"/>
+                                          </p:stCondLst>
+                                        </p:cTn>
+                                        <p:tgtEl>
+                                          <p:spTgt spid="3">
+                                            <p:txEl>
+                                              <p:pRg st="3" end="3"/>
+                                            </p:txEl>
+                                          </p:spTgt>
+                                        </p:tgtEl>
+                                        <p:attrNameLst>
+                                          <p:attrName>style.visibility</p:attrName>
+                                        </p:attrNameLst>
+                                      </p:cBhvr>
+                                      <p:to>
+                                        <p:strVal val="visible"/>
+                                      </p:to>
+                                    </p:set>
+                                  </p:childTnLst>
+                                </p:cTn>
+                              </p:par>
+                            </p:childTnLst>
+                          </p:cTn>
+                        </p:par>
+                      </p:childTnLst>
+                    </p:cTn>
+                  </p:par>
+                  <p:par>
+                    <p:cTn id="23" fill="hold">
+                      <p:stCondLst>
+                        <p:cond delay="indefinite"/>
+                      </p:stCondLst>
+                      <p:childTnLst>
+                        <p:par>
+                          <p:cTn id="24" fill="hold">
+                            <p:stCondLst>
+                              <p:cond delay="0"/>
+                            </p:stCondLst>
+                            <p:childTnLst>
+                              <p:par>
+                                <p:cTn id="25" presetID="1" presetClass="entr" presetSubtype="0" fill="hold" grpId="0" nodeType="clickEffect">
+                                  <p:stCondLst>
+                                    <p:cond delay="0"/>
+                                  </p:stCondLst>
+                                  <p:childTnLst>
+                                    <p:set>
+                                      <p:cBhvr>
+                                        <p:cTn id="26" dur="1" fill="hold">
+                                          <p:stCondLst>
+                                            <p:cond delay="0"/>
+                                          </p:stCondLst>
+                                        </p:cTn>
+                                        <p:tgtEl>
+                                          <p:spTgt spid="3">
+                                            <p:txEl>
+                                              <p:pRg st="4" end="4"/>
+                                            </p:txEl>
+                                          </p:spTgt>
+                                        </p:tgtEl>
+                                        <p:attrNameLst>
+                                          <p:attrName>style.visibility</p:attrName>
+                                        </p:attrNameLst>
+                                      </p:cBhvr>
+                                      <p:to>
+                                        <p:strVal val="visible"/>
+                                      </p:to>
+                                    </p:set>
+                                  </p:childTnLst>
+                                </p:cTn>
+                              </p:par>
+                            </p:childTnLst>
+                          </p:cTn>
+                        </p:par>
+                      </p:childTnLst>
+                    </p:cTn>
+                  </p:par>
+                  <p:par>
+                    <p:cTn id="27" fill="hold">
+                      <p:stCondLst>
+                        <p:cond delay="indefinite"/>
+                      </p:stCondLst>
+                      <p:childTnLst>
+                        <p:par>
+                          <p:cTn id="28" fill="hold">
+                            <p:stCondLst>
+                              <p:cond delay="0"/>
+                            </p:stCondLst>
+                            <p:childTnLst>
+                              <p:par>
+                                <p:cTn id="29" presetID="1" presetClass="entr" presetSubtype="0" fill="hold" grpId="0" nodeType="clickEffect">
+                                  <p:stCondLst>
+                                    <p:cond delay="0"/>
+                                  </p:stCondLst>
+                                  <p:childTnLst>
+                                    <p:set>
+                                      <p:cBhvr>
+                                        <p:cTn id="30" dur="1" fill="hold">
+                                          <p:stCondLst>
+                                            <p:cond delay="0"/>
+                                          </p:stCondLst>
+                                        </p:cTn>
+                                        <p:tgtEl>
+                                          <p:spTgt spid="3">
+                                            <p:txEl>
+                                              <p:pRg st="5" end="5"/>
+                                            </p:txEl>
+                                          </p:spTgt>
+                                        </p:tgtEl>
+                                        <p:attrNameLst>
+                                          <p:attrName>style.visibility</p:attrName>
+                                        </p:attrNameLst>
+                                      </p:cBhvr>
+                                      <p:to>
+                                        <p:strVal val="visible"/>
+                                      </p:to>
+                                    </p:set>
+                                  </p:childTnLst>
+                                </p:cTn>
+                              </p:par>
+                            </p:childTnLst>
+                          </p:cTn>
+                        </p:par>
+                      </p:childTnLst>
+                    </p:cTn>
+                  </p:par>
+                </p:childTnLst>
+              </p:cTn>
+              <p:prevCondLst>
+                <p:cond evt="onPrev" delay="0">
+                  <p:tgtEl>
+                    <p:sldTgt/>
+                  </p:tgtEl>
+                </p:cond>
+              </p:prevCondLst>
+              <p:nextCondLst>
+                <p:cond evt="onNext" delay="0">
+                  <p:tgtEl>
+                    <p:sldTgt/>
+                  </p:tgtEl>
+                </p:cond>
+              </p:nextCondLst>
+            </p:seq>
+          </p:childTnLst>
+        </p:cTn>
       </p:par>
     </p:tnLst>
+    <p:bldLst>
+      <p:bldP spid="3" grpId="0" uiExpand="1" build="p"/>
+    </p:bldLst>
   </p:timing>
 </p:sld>
 </file>
@@ -13552,8 +18876,8 @@
           </a:p>
         </p:txBody>
       </p:sp>
-      <mc:AlternateContent xmlns:mc="http://schemas.openxmlformats.org/markup-compatibility/2006">
-        <mc:Choice xmlns:a14="http://schemas.microsoft.com/office/drawing/2010/main" Requires="a14">
+      <mc:AlternateContent xmlns:mc="http://schemas.openxmlformats.org/markup-compatibility/2006" xmlns:a14="http://schemas.microsoft.com/office/drawing/2010/main">
+        <mc:Choice Requires="a14">
           <p:sp>
             <p:nvSpPr>
               <p:cNvPr id="3" name="Content Placeholder 2"/>
@@ -13833,7 +19157,7 @@
             </p:txBody>
           </p:sp>
         </mc:Choice>
-        <mc:Fallback>
+        <mc:Fallback xmlns="">
           <p:sp>
             <p:nvSpPr>
               <p:cNvPr id="3" name="Content Placeholder 2"/>
@@ -14068,9 +19392,561 @@
   <p:timing>
     <p:tnLst>
       <p:par>
-        <p:cTn id="1" dur="indefinite" restart="never" nodeType="tmRoot"/>
+        <p:cTn id="1" dur="indefinite" restart="never" nodeType="tmRoot">
+          <p:childTnLst>
+            <p:seq concurrent="1" nextAc="seek">
+              <p:cTn id="2" dur="indefinite" nodeType="mainSeq">
+                <p:childTnLst>
+                  <p:par>
+                    <p:cTn id="3" fill="hold">
+                      <p:stCondLst>
+                        <p:cond delay="indefinite"/>
+                      </p:stCondLst>
+                      <p:childTnLst>
+                        <p:par>
+                          <p:cTn id="4" fill="hold">
+                            <p:stCondLst>
+                              <p:cond delay="0"/>
+                            </p:stCondLst>
+                            <p:childTnLst>
+                              <p:par>
+                                <p:cTn id="5" presetID="1" presetClass="entr" presetSubtype="0" fill="hold" grpId="0" nodeType="clickEffect">
+                                  <p:stCondLst>
+                                    <p:cond delay="0"/>
+                                  </p:stCondLst>
+                                  <p:childTnLst>
+                                    <p:set>
+                                      <p:cBhvr>
+                                        <p:cTn id="6" dur="1" fill="hold">
+                                          <p:stCondLst>
+                                            <p:cond delay="0"/>
+                                          </p:stCondLst>
+                                        </p:cTn>
+                                        <p:tgtEl>
+                                          <p:spTgt spid="3">
+                                            <p:txEl>
+                                              <p:pRg st="0" end="0"/>
+                                            </p:txEl>
+                                          </p:spTgt>
+                                        </p:tgtEl>
+                                        <p:attrNameLst>
+                                          <p:attrName>style.visibility</p:attrName>
+                                        </p:attrNameLst>
+                                      </p:cBhvr>
+                                      <p:to>
+                                        <p:strVal val="visible"/>
+                                      </p:to>
+                                    </p:set>
+                                  </p:childTnLst>
+                                </p:cTn>
+                              </p:par>
+                            </p:childTnLst>
+                          </p:cTn>
+                        </p:par>
+                      </p:childTnLst>
+                    </p:cTn>
+                  </p:par>
+                  <p:par>
+                    <p:cTn id="7" fill="hold">
+                      <p:stCondLst>
+                        <p:cond delay="indefinite"/>
+                      </p:stCondLst>
+                      <p:childTnLst>
+                        <p:par>
+                          <p:cTn id="8" fill="hold">
+                            <p:stCondLst>
+                              <p:cond delay="0"/>
+                            </p:stCondLst>
+                            <p:childTnLst>
+                              <p:par>
+                                <p:cTn id="9" presetID="1" presetClass="entr" presetSubtype="0" fill="hold" grpId="0" nodeType="clickEffect">
+                                  <p:stCondLst>
+                                    <p:cond delay="0"/>
+                                  </p:stCondLst>
+                                  <p:childTnLst>
+                                    <p:set>
+                                      <p:cBhvr>
+                                        <p:cTn id="10" dur="1" fill="hold">
+                                          <p:stCondLst>
+                                            <p:cond delay="0"/>
+                                          </p:stCondLst>
+                                        </p:cTn>
+                                        <p:tgtEl>
+                                          <p:spTgt spid="3">
+                                            <p:txEl>
+                                              <p:pRg st="1" end="1"/>
+                                            </p:txEl>
+                                          </p:spTgt>
+                                        </p:tgtEl>
+                                        <p:attrNameLst>
+                                          <p:attrName>style.visibility</p:attrName>
+                                        </p:attrNameLst>
+                                      </p:cBhvr>
+                                      <p:to>
+                                        <p:strVal val="visible"/>
+                                      </p:to>
+                                    </p:set>
+                                  </p:childTnLst>
+                                </p:cTn>
+                              </p:par>
+                            </p:childTnLst>
+                          </p:cTn>
+                        </p:par>
+                      </p:childTnLst>
+                    </p:cTn>
+                  </p:par>
+                  <p:par>
+                    <p:cTn id="11" fill="hold">
+                      <p:stCondLst>
+                        <p:cond delay="indefinite"/>
+                      </p:stCondLst>
+                      <p:childTnLst>
+                        <p:par>
+                          <p:cTn id="12" fill="hold">
+                            <p:stCondLst>
+                              <p:cond delay="0"/>
+                            </p:stCondLst>
+                            <p:childTnLst>
+                              <p:par>
+                                <p:cTn id="13" presetID="1" presetClass="entr" presetSubtype="0" fill="hold" grpId="0" nodeType="clickEffect">
+                                  <p:stCondLst>
+                                    <p:cond delay="0"/>
+                                  </p:stCondLst>
+                                  <p:childTnLst>
+                                    <p:set>
+                                      <p:cBhvr>
+                                        <p:cTn id="14" dur="1" fill="hold">
+                                          <p:stCondLst>
+                                            <p:cond delay="0"/>
+                                          </p:stCondLst>
+                                        </p:cTn>
+                                        <p:tgtEl>
+                                          <p:spTgt spid="11"/>
+                                        </p:tgtEl>
+                                        <p:attrNameLst>
+                                          <p:attrName>style.visibility</p:attrName>
+                                        </p:attrNameLst>
+                                      </p:cBhvr>
+                                      <p:to>
+                                        <p:strVal val="visible"/>
+                                      </p:to>
+                                    </p:set>
+                                  </p:childTnLst>
+                                </p:cTn>
+                              </p:par>
+                              <p:par>
+                                <p:cTn id="15" presetID="1" presetClass="entr" presetSubtype="0" fill="hold" grpId="0" nodeType="withEffect">
+                                  <p:stCondLst>
+                                    <p:cond delay="0"/>
+                                  </p:stCondLst>
+                                  <p:childTnLst>
+                                    <p:set>
+                                      <p:cBhvr>
+                                        <p:cTn id="16" dur="1" fill="hold">
+                                          <p:stCondLst>
+                                            <p:cond delay="0"/>
+                                          </p:stCondLst>
+                                        </p:cTn>
+                                        <p:tgtEl>
+                                          <p:spTgt spid="8"/>
+                                        </p:tgtEl>
+                                        <p:attrNameLst>
+                                          <p:attrName>style.visibility</p:attrName>
+                                        </p:attrNameLst>
+                                      </p:cBhvr>
+                                      <p:to>
+                                        <p:strVal val="visible"/>
+                                      </p:to>
+                                    </p:set>
+                                  </p:childTnLst>
+                                </p:cTn>
+                              </p:par>
+                              <p:par>
+                                <p:cTn id="17" presetID="1" presetClass="entr" presetSubtype="0" fill="hold" nodeType="withEffect">
+                                  <p:stCondLst>
+                                    <p:cond delay="0"/>
+                                  </p:stCondLst>
+                                  <p:childTnLst>
+                                    <p:set>
+                                      <p:cBhvr>
+                                        <p:cTn id="18" dur="1" fill="hold">
+                                          <p:stCondLst>
+                                            <p:cond delay="0"/>
+                                          </p:stCondLst>
+                                        </p:cTn>
+                                        <p:tgtEl>
+                                          <p:spTgt spid="10"/>
+                                        </p:tgtEl>
+                                        <p:attrNameLst>
+                                          <p:attrName>style.visibility</p:attrName>
+                                        </p:attrNameLst>
+                                      </p:cBhvr>
+                                      <p:to>
+                                        <p:strVal val="visible"/>
+                                      </p:to>
+                                    </p:set>
+                                  </p:childTnLst>
+                                </p:cTn>
+                              </p:par>
+                              <p:par>
+                                <p:cTn id="19" presetID="1" presetClass="entr" presetSubtype="0" fill="hold" nodeType="withEffect">
+                                  <p:stCondLst>
+                                    <p:cond delay="0"/>
+                                  </p:stCondLst>
+                                  <p:childTnLst>
+                                    <p:set>
+                                      <p:cBhvr>
+                                        <p:cTn id="20" dur="1" fill="hold">
+                                          <p:stCondLst>
+                                            <p:cond delay="0"/>
+                                          </p:stCondLst>
+                                        </p:cTn>
+                                        <p:tgtEl>
+                                          <p:spTgt spid="13"/>
+                                        </p:tgtEl>
+                                        <p:attrNameLst>
+                                          <p:attrName>style.visibility</p:attrName>
+                                        </p:attrNameLst>
+                                      </p:cBhvr>
+                                      <p:to>
+                                        <p:strVal val="visible"/>
+                                      </p:to>
+                                    </p:set>
+                                  </p:childTnLst>
+                                </p:cTn>
+                              </p:par>
+                              <p:par>
+                                <p:cTn id="21" presetID="1" presetClass="entr" presetSubtype="0" fill="hold" nodeType="withEffect">
+                                  <p:stCondLst>
+                                    <p:cond delay="0"/>
+                                  </p:stCondLst>
+                                  <p:childTnLst>
+                                    <p:set>
+                                      <p:cBhvr>
+                                        <p:cTn id="22" dur="1" fill="hold">
+                                          <p:stCondLst>
+                                            <p:cond delay="0"/>
+                                          </p:stCondLst>
+                                        </p:cTn>
+                                        <p:tgtEl>
+                                          <p:spTgt spid="7"/>
+                                        </p:tgtEl>
+                                        <p:attrNameLst>
+                                          <p:attrName>style.visibility</p:attrName>
+                                        </p:attrNameLst>
+                                      </p:cBhvr>
+                                      <p:to>
+                                        <p:strVal val="visible"/>
+                                      </p:to>
+                                    </p:set>
+                                  </p:childTnLst>
+                                </p:cTn>
+                              </p:par>
+                              <p:par>
+                                <p:cTn id="23" presetID="1" presetClass="entr" presetSubtype="0" fill="hold" grpId="0" nodeType="withEffect">
+                                  <p:stCondLst>
+                                    <p:cond delay="0"/>
+                                  </p:stCondLst>
+                                  <p:childTnLst>
+                                    <p:set>
+                                      <p:cBhvr>
+                                        <p:cTn id="24" dur="1" fill="hold">
+                                          <p:stCondLst>
+                                            <p:cond delay="0"/>
+                                          </p:stCondLst>
+                                        </p:cTn>
+                                        <p:tgtEl>
+                                          <p:spTgt spid="14"/>
+                                        </p:tgtEl>
+                                        <p:attrNameLst>
+                                          <p:attrName>style.visibility</p:attrName>
+                                        </p:attrNameLst>
+                                      </p:cBhvr>
+                                      <p:to>
+                                        <p:strVal val="visible"/>
+                                      </p:to>
+                                    </p:set>
+                                  </p:childTnLst>
+                                </p:cTn>
+                              </p:par>
+                            </p:childTnLst>
+                          </p:cTn>
+                        </p:par>
+                      </p:childTnLst>
+                    </p:cTn>
+                  </p:par>
+                  <p:par>
+                    <p:cTn id="25" fill="hold">
+                      <p:stCondLst>
+                        <p:cond delay="indefinite"/>
+                      </p:stCondLst>
+                      <p:childTnLst>
+                        <p:par>
+                          <p:cTn id="26" fill="hold">
+                            <p:stCondLst>
+                              <p:cond delay="0"/>
+                            </p:stCondLst>
+                            <p:childTnLst>
+                              <p:par>
+                                <p:cTn id="27" presetID="1" presetClass="entr" presetSubtype="0" fill="hold" grpId="0" nodeType="clickEffect">
+                                  <p:stCondLst>
+                                    <p:cond delay="0"/>
+                                  </p:stCondLst>
+                                  <p:childTnLst>
+                                    <p:set>
+                                      <p:cBhvr>
+                                        <p:cTn id="28" dur="1" fill="hold">
+                                          <p:stCondLst>
+                                            <p:cond delay="0"/>
+                                          </p:stCondLst>
+                                        </p:cTn>
+                                        <p:tgtEl>
+                                          <p:spTgt spid="3">
+                                            <p:txEl>
+                                              <p:pRg st="2" end="2"/>
+                                            </p:txEl>
+                                          </p:spTgt>
+                                        </p:tgtEl>
+                                        <p:attrNameLst>
+                                          <p:attrName>style.visibility</p:attrName>
+                                        </p:attrNameLst>
+                                      </p:cBhvr>
+                                      <p:to>
+                                        <p:strVal val="visible"/>
+                                      </p:to>
+                                    </p:set>
+                                  </p:childTnLst>
+                                </p:cTn>
+                              </p:par>
+                            </p:childTnLst>
+                          </p:cTn>
+                        </p:par>
+                      </p:childTnLst>
+                    </p:cTn>
+                  </p:par>
+                  <p:par>
+                    <p:cTn id="29" fill="hold">
+                      <p:stCondLst>
+                        <p:cond delay="indefinite"/>
+                      </p:stCondLst>
+                      <p:childTnLst>
+                        <p:par>
+                          <p:cTn id="30" fill="hold">
+                            <p:stCondLst>
+                              <p:cond delay="0"/>
+                            </p:stCondLst>
+                            <p:childTnLst>
+                              <p:par>
+                                <p:cTn id="31" presetID="1" presetClass="entr" presetSubtype="0" fill="hold" grpId="0" nodeType="clickEffect">
+                                  <p:stCondLst>
+                                    <p:cond delay="0"/>
+                                  </p:stCondLst>
+                                  <p:childTnLst>
+                                    <p:set>
+                                      <p:cBhvr>
+                                        <p:cTn id="32" dur="1" fill="hold">
+                                          <p:stCondLst>
+                                            <p:cond delay="0"/>
+                                          </p:stCondLst>
+                                        </p:cTn>
+                                        <p:tgtEl>
+                                          <p:spTgt spid="3">
+                                            <p:txEl>
+                                              <p:pRg st="3" end="3"/>
+                                            </p:txEl>
+                                          </p:spTgt>
+                                        </p:tgtEl>
+                                        <p:attrNameLst>
+                                          <p:attrName>style.visibility</p:attrName>
+                                        </p:attrNameLst>
+                                      </p:cBhvr>
+                                      <p:to>
+                                        <p:strVal val="visible"/>
+                                      </p:to>
+                                    </p:set>
+                                  </p:childTnLst>
+                                </p:cTn>
+                              </p:par>
+                            </p:childTnLst>
+                          </p:cTn>
+                        </p:par>
+                      </p:childTnLst>
+                    </p:cTn>
+                  </p:par>
+                  <p:par>
+                    <p:cTn id="33" fill="hold">
+                      <p:stCondLst>
+                        <p:cond delay="indefinite"/>
+                      </p:stCondLst>
+                      <p:childTnLst>
+                        <p:par>
+                          <p:cTn id="34" fill="hold">
+                            <p:stCondLst>
+                              <p:cond delay="0"/>
+                            </p:stCondLst>
+                            <p:childTnLst>
+                              <p:par>
+                                <p:cTn id="35" presetID="1" presetClass="entr" presetSubtype="0" fill="hold" grpId="0" nodeType="clickEffect">
+                                  <p:stCondLst>
+                                    <p:cond delay="0"/>
+                                  </p:stCondLst>
+                                  <p:childTnLst>
+                                    <p:set>
+                                      <p:cBhvr>
+                                        <p:cTn id="36" dur="1" fill="hold">
+                                          <p:stCondLst>
+                                            <p:cond delay="0"/>
+                                          </p:stCondLst>
+                                        </p:cTn>
+                                        <p:tgtEl>
+                                          <p:spTgt spid="3">
+                                            <p:txEl>
+                                              <p:pRg st="4" end="4"/>
+                                            </p:txEl>
+                                          </p:spTgt>
+                                        </p:tgtEl>
+                                        <p:attrNameLst>
+                                          <p:attrName>style.visibility</p:attrName>
+                                        </p:attrNameLst>
+                                      </p:cBhvr>
+                                      <p:to>
+                                        <p:strVal val="visible"/>
+                                      </p:to>
+                                    </p:set>
+                                  </p:childTnLst>
+                                </p:cTn>
+                              </p:par>
+                            </p:childTnLst>
+                          </p:cTn>
+                        </p:par>
+                      </p:childTnLst>
+                    </p:cTn>
+                  </p:par>
+                  <p:par>
+                    <p:cTn id="37" fill="hold">
+                      <p:stCondLst>
+                        <p:cond delay="indefinite"/>
+                      </p:stCondLst>
+                      <p:childTnLst>
+                        <p:par>
+                          <p:cTn id="38" fill="hold">
+                            <p:stCondLst>
+                              <p:cond delay="0"/>
+                            </p:stCondLst>
+                            <p:childTnLst>
+                              <p:par>
+                                <p:cTn id="39" presetID="1" presetClass="entr" presetSubtype="0" fill="hold" grpId="0" nodeType="clickEffect">
+                                  <p:stCondLst>
+                                    <p:cond delay="0"/>
+                                  </p:stCondLst>
+                                  <p:childTnLst>
+                                    <p:set>
+                                      <p:cBhvr>
+                                        <p:cTn id="40" dur="1" fill="hold">
+                                          <p:stCondLst>
+                                            <p:cond delay="0"/>
+                                          </p:stCondLst>
+                                        </p:cTn>
+                                        <p:tgtEl>
+                                          <p:spTgt spid="3">
+                                            <p:txEl>
+                                              <p:pRg st="5" end="5"/>
+                                            </p:txEl>
+                                          </p:spTgt>
+                                        </p:tgtEl>
+                                        <p:attrNameLst>
+                                          <p:attrName>style.visibility</p:attrName>
+                                        </p:attrNameLst>
+                                      </p:cBhvr>
+                                      <p:to>
+                                        <p:strVal val="visible"/>
+                                      </p:to>
+                                    </p:set>
+                                  </p:childTnLst>
+                                </p:cTn>
+                              </p:par>
+                            </p:childTnLst>
+                          </p:cTn>
+                        </p:par>
+                      </p:childTnLst>
+                    </p:cTn>
+                  </p:par>
+                  <p:par>
+                    <p:cTn id="41" fill="hold">
+                      <p:stCondLst>
+                        <p:cond delay="indefinite"/>
+                      </p:stCondLst>
+                      <p:childTnLst>
+                        <p:par>
+                          <p:cTn id="42" fill="hold">
+                            <p:stCondLst>
+                              <p:cond delay="0"/>
+                            </p:stCondLst>
+                            <p:childTnLst>
+                              <p:par>
+                                <p:cTn id="43" presetID="1" presetClass="entr" presetSubtype="0" fill="hold" grpId="0" nodeType="clickEffect">
+                                  <p:stCondLst>
+                                    <p:cond delay="0"/>
+                                  </p:stCondLst>
+                                  <p:childTnLst>
+                                    <p:set>
+                                      <p:cBhvr>
+                                        <p:cTn id="44" dur="1" fill="hold">
+                                          <p:stCondLst>
+                                            <p:cond delay="0"/>
+                                          </p:stCondLst>
+                                        </p:cTn>
+                                        <p:tgtEl>
+                                          <p:spTgt spid="3">
+                                            <p:txEl>
+                                              <p:pRg st="6" end="6"/>
+                                            </p:txEl>
+                                          </p:spTgt>
+                                        </p:tgtEl>
+                                        <p:attrNameLst>
+                                          <p:attrName>style.visibility</p:attrName>
+                                        </p:attrNameLst>
+                                      </p:cBhvr>
+                                      <p:to>
+                                        <p:strVal val="visible"/>
+                                      </p:to>
+                                    </p:set>
+                                  </p:childTnLst>
+                                </p:cTn>
+                              </p:par>
+                            </p:childTnLst>
+                          </p:cTn>
+                        </p:par>
+                      </p:childTnLst>
+                    </p:cTn>
+                  </p:par>
+                </p:childTnLst>
+              </p:cTn>
+              <p:prevCondLst>
+                <p:cond evt="onPrev" delay="0">
+                  <p:tgtEl>
+                    <p:sldTgt/>
+                  </p:tgtEl>
+                </p:cond>
+              </p:prevCondLst>
+              <p:nextCondLst>
+                <p:cond evt="onNext" delay="0">
+                  <p:tgtEl>
+                    <p:sldTgt/>
+                  </p:tgtEl>
+                </p:cond>
+              </p:nextCondLst>
+            </p:seq>
+          </p:childTnLst>
+        </p:cTn>
       </p:par>
     </p:tnLst>
+    <p:bldLst>
+      <p:bldP spid="3" grpId="0" uiExpand="1" build="p"/>
+      <p:bldP spid="8" grpId="0"/>
+      <p:bldP spid="11" grpId="0"/>
+      <p:bldP spid="14" grpId="0"/>
+    </p:bldLst>
   </p:timing>
 </p:sld>
 </file>
@@ -14115,8 +19991,8 @@
           </a:p>
         </p:txBody>
       </p:sp>
-      <mc:AlternateContent xmlns:mc="http://schemas.openxmlformats.org/markup-compatibility/2006">
-        <mc:Choice xmlns:a14="http://schemas.microsoft.com/office/drawing/2010/main" Requires="a14">
+      <mc:AlternateContent xmlns:mc="http://schemas.openxmlformats.org/markup-compatibility/2006" xmlns:a14="http://schemas.microsoft.com/office/drawing/2010/main">
+        <mc:Choice Requires="a14">
           <p:sp>
             <p:nvSpPr>
               <p:cNvPr id="3" name="Content Placeholder 2"/>
@@ -14337,6 +20213,24 @@
                         <a:latin typeface="Cambria Math" panose="02040503050406030204" pitchFamily="18" charset="0"/>
                       </a:rPr>
                       <m:t>𝑟𝑒𝑐𝑜𝑚𝑚𝑒𝑛𝑑𝑎𝑡𝑖𝑜𝑛</m:t>
+                    </m:r>
+                    <m:r>
+                      <a:rPr lang="en-CA" sz="2000" b="0" i="1" smtClean="0">
+                        <a:latin typeface="Cambria Math" panose="02040503050406030204" pitchFamily="18" charset="0"/>
+                      </a:rPr>
+                      <m:t> </m:t>
+                    </m:r>
+                    <m:r>
+                      <a:rPr lang="en-CA" sz="2000" b="1" i="1" smtClean="0">
+                        <a:latin typeface="Cambria Math" panose="02040503050406030204" pitchFamily="18" charset="0"/>
+                      </a:rPr>
+                      <m:t>𝒂𝒏𝒅</m:t>
+                    </m:r>
+                    <m:r>
+                      <a:rPr lang="en-CA" sz="2000" b="1" i="1" smtClean="0">
+                        <a:latin typeface="Cambria Math" panose="02040503050406030204" pitchFamily="18" charset="0"/>
+                      </a:rPr>
+                      <m:t> ?</m:t>
                     </m:r>
                     <m:r>
                       <a:rPr lang="en-CA" sz="2000" b="0" i="1" smtClean="0">
@@ -14751,7 +20645,7 @@
             </p:txBody>
           </p:sp>
         </mc:Choice>
-        <mc:Fallback>
+        <mc:Fallback xmlns="">
           <p:sp>
             <p:nvSpPr>
               <p:cNvPr id="3" name="Content Placeholder 2"/>
@@ -14926,9 +20820,573 @@
   <p:timing>
     <p:tnLst>
       <p:par>
-        <p:cTn id="1" dur="indefinite" restart="never" nodeType="tmRoot"/>
+        <p:cTn id="1" dur="indefinite" restart="never" nodeType="tmRoot">
+          <p:childTnLst>
+            <p:seq concurrent="1" nextAc="seek">
+              <p:cTn id="2" dur="indefinite" nodeType="mainSeq">
+                <p:childTnLst>
+                  <p:par>
+                    <p:cTn id="3" fill="hold">
+                      <p:stCondLst>
+                        <p:cond delay="indefinite"/>
+                      </p:stCondLst>
+                      <p:childTnLst>
+                        <p:par>
+                          <p:cTn id="4" fill="hold">
+                            <p:stCondLst>
+                              <p:cond delay="0"/>
+                            </p:stCondLst>
+                            <p:childTnLst>
+                              <p:par>
+                                <p:cTn id="5" presetID="1" presetClass="entr" presetSubtype="0" fill="hold" grpId="0" nodeType="clickEffect">
+                                  <p:stCondLst>
+                                    <p:cond delay="0"/>
+                                  </p:stCondLst>
+                                  <p:childTnLst>
+                                    <p:set>
+                                      <p:cBhvr>
+                                        <p:cTn id="6" dur="1" fill="hold">
+                                          <p:stCondLst>
+                                            <p:cond delay="0"/>
+                                          </p:stCondLst>
+                                        </p:cTn>
+                                        <p:tgtEl>
+                                          <p:spTgt spid="3">
+                                            <p:txEl>
+                                              <p:pRg st="0" end="0"/>
+                                            </p:txEl>
+                                          </p:spTgt>
+                                        </p:tgtEl>
+                                        <p:attrNameLst>
+                                          <p:attrName>style.visibility</p:attrName>
+                                        </p:attrNameLst>
+                                      </p:cBhvr>
+                                      <p:to>
+                                        <p:strVal val="visible"/>
+                                      </p:to>
+                                    </p:set>
+                                  </p:childTnLst>
+                                </p:cTn>
+                              </p:par>
+                            </p:childTnLst>
+                          </p:cTn>
+                        </p:par>
+                      </p:childTnLst>
+                    </p:cTn>
+                  </p:par>
+                  <p:par>
+                    <p:cTn id="7" fill="hold">
+                      <p:stCondLst>
+                        <p:cond delay="indefinite"/>
+                      </p:stCondLst>
+                      <p:childTnLst>
+                        <p:par>
+                          <p:cTn id="8" fill="hold">
+                            <p:stCondLst>
+                              <p:cond delay="0"/>
+                            </p:stCondLst>
+                            <p:childTnLst>
+                              <p:par>
+                                <p:cTn id="9" presetID="1" presetClass="entr" presetSubtype="0" fill="hold" grpId="0" nodeType="clickEffect">
+                                  <p:stCondLst>
+                                    <p:cond delay="0"/>
+                                  </p:stCondLst>
+                                  <p:childTnLst>
+                                    <p:set>
+                                      <p:cBhvr>
+                                        <p:cTn id="10" dur="1" fill="hold">
+                                          <p:stCondLst>
+                                            <p:cond delay="0"/>
+                                          </p:stCondLst>
+                                        </p:cTn>
+                                        <p:tgtEl>
+                                          <p:spTgt spid="7"/>
+                                        </p:tgtEl>
+                                        <p:attrNameLst>
+                                          <p:attrName>style.visibility</p:attrName>
+                                        </p:attrNameLst>
+                                      </p:cBhvr>
+                                      <p:to>
+                                        <p:strVal val="visible"/>
+                                      </p:to>
+                                    </p:set>
+                                  </p:childTnLst>
+                                </p:cTn>
+                              </p:par>
+                              <p:par>
+                                <p:cTn id="11" presetID="1" presetClass="entr" presetSubtype="0" fill="hold" nodeType="withEffect">
+                                  <p:stCondLst>
+                                    <p:cond delay="0"/>
+                                  </p:stCondLst>
+                                  <p:childTnLst>
+                                    <p:set>
+                                      <p:cBhvr>
+                                        <p:cTn id="12" dur="1" fill="hold">
+                                          <p:stCondLst>
+                                            <p:cond delay="0"/>
+                                          </p:stCondLst>
+                                        </p:cTn>
+                                        <p:tgtEl>
+                                          <p:spTgt spid="4"/>
+                                        </p:tgtEl>
+                                        <p:attrNameLst>
+                                          <p:attrName>style.visibility</p:attrName>
+                                        </p:attrNameLst>
+                                      </p:cBhvr>
+                                      <p:to>
+                                        <p:strVal val="visible"/>
+                                      </p:to>
+                                    </p:set>
+                                  </p:childTnLst>
+                                </p:cTn>
+                              </p:par>
+                            </p:childTnLst>
+                          </p:cTn>
+                        </p:par>
+                      </p:childTnLst>
+                    </p:cTn>
+                  </p:par>
+                  <p:par>
+                    <p:cTn id="13" fill="hold">
+                      <p:stCondLst>
+                        <p:cond delay="indefinite"/>
+                      </p:stCondLst>
+                      <p:childTnLst>
+                        <p:par>
+                          <p:cTn id="14" fill="hold">
+                            <p:stCondLst>
+                              <p:cond delay="0"/>
+                            </p:stCondLst>
+                            <p:childTnLst>
+                              <p:par>
+                                <p:cTn id="15" presetID="1" presetClass="entr" presetSubtype="0" fill="hold" grpId="0" nodeType="clickEffect">
+                                  <p:stCondLst>
+                                    <p:cond delay="0"/>
+                                  </p:stCondLst>
+                                  <p:childTnLst>
+                                    <p:set>
+                                      <p:cBhvr>
+                                        <p:cTn id="16" dur="1" fill="hold">
+                                          <p:stCondLst>
+                                            <p:cond delay="0"/>
+                                          </p:stCondLst>
+                                        </p:cTn>
+                                        <p:tgtEl>
+                                          <p:spTgt spid="3">
+                                            <p:txEl>
+                                              <p:pRg st="1" end="1"/>
+                                            </p:txEl>
+                                          </p:spTgt>
+                                        </p:tgtEl>
+                                        <p:attrNameLst>
+                                          <p:attrName>style.visibility</p:attrName>
+                                        </p:attrNameLst>
+                                      </p:cBhvr>
+                                      <p:to>
+                                        <p:strVal val="visible"/>
+                                      </p:to>
+                                    </p:set>
+                                  </p:childTnLst>
+                                </p:cTn>
+                              </p:par>
+                            </p:childTnLst>
+                          </p:cTn>
+                        </p:par>
+                      </p:childTnLst>
+                    </p:cTn>
+                  </p:par>
+                  <p:par>
+                    <p:cTn id="17" fill="hold">
+                      <p:stCondLst>
+                        <p:cond delay="indefinite"/>
+                      </p:stCondLst>
+                      <p:childTnLst>
+                        <p:par>
+                          <p:cTn id="18" fill="hold">
+                            <p:stCondLst>
+                              <p:cond delay="0"/>
+                            </p:stCondLst>
+                            <p:childTnLst>
+                              <p:par>
+                                <p:cTn id="19" presetID="1" presetClass="entr" presetSubtype="0" fill="hold" grpId="0" nodeType="clickEffect">
+                                  <p:stCondLst>
+                                    <p:cond delay="0"/>
+                                  </p:stCondLst>
+                                  <p:childTnLst>
+                                    <p:set>
+                                      <p:cBhvr>
+                                        <p:cTn id="20" dur="1" fill="hold">
+                                          <p:stCondLst>
+                                            <p:cond delay="0"/>
+                                          </p:stCondLst>
+                                        </p:cTn>
+                                        <p:tgtEl>
+                                          <p:spTgt spid="8"/>
+                                        </p:tgtEl>
+                                        <p:attrNameLst>
+                                          <p:attrName>style.visibility</p:attrName>
+                                        </p:attrNameLst>
+                                      </p:cBhvr>
+                                      <p:to>
+                                        <p:strVal val="visible"/>
+                                      </p:to>
+                                    </p:set>
+                                  </p:childTnLst>
+                                </p:cTn>
+                              </p:par>
+                              <p:par>
+                                <p:cTn id="21" presetID="1" presetClass="entr" presetSubtype="0" fill="hold" nodeType="withEffect">
+                                  <p:stCondLst>
+                                    <p:cond delay="0"/>
+                                  </p:stCondLst>
+                                  <p:childTnLst>
+                                    <p:set>
+                                      <p:cBhvr>
+                                        <p:cTn id="22" dur="1" fill="hold">
+                                          <p:stCondLst>
+                                            <p:cond delay="0"/>
+                                          </p:stCondLst>
+                                        </p:cTn>
+                                        <p:tgtEl>
+                                          <p:spTgt spid="6"/>
+                                        </p:tgtEl>
+                                        <p:attrNameLst>
+                                          <p:attrName>style.visibility</p:attrName>
+                                        </p:attrNameLst>
+                                      </p:cBhvr>
+                                      <p:to>
+                                        <p:strVal val="visible"/>
+                                      </p:to>
+                                    </p:set>
+                                  </p:childTnLst>
+                                </p:cTn>
+                              </p:par>
+                            </p:childTnLst>
+                          </p:cTn>
+                        </p:par>
+                      </p:childTnLst>
+                    </p:cTn>
+                  </p:par>
+                  <p:par>
+                    <p:cTn id="23" fill="hold">
+                      <p:stCondLst>
+                        <p:cond delay="indefinite"/>
+                      </p:stCondLst>
+                      <p:childTnLst>
+                        <p:par>
+                          <p:cTn id="24" fill="hold">
+                            <p:stCondLst>
+                              <p:cond delay="0"/>
+                            </p:stCondLst>
+                            <p:childTnLst>
+                              <p:par>
+                                <p:cTn id="25" presetID="1" presetClass="entr" presetSubtype="0" fill="hold" grpId="0" nodeType="clickEffect">
+                                  <p:stCondLst>
+                                    <p:cond delay="0"/>
+                                  </p:stCondLst>
+                                  <p:childTnLst>
+                                    <p:set>
+                                      <p:cBhvr>
+                                        <p:cTn id="26" dur="1" fill="hold">
+                                          <p:stCondLst>
+                                            <p:cond delay="0"/>
+                                          </p:stCondLst>
+                                        </p:cTn>
+                                        <p:tgtEl>
+                                          <p:spTgt spid="3">
+                                            <p:txEl>
+                                              <p:pRg st="2" end="2"/>
+                                            </p:txEl>
+                                          </p:spTgt>
+                                        </p:tgtEl>
+                                        <p:attrNameLst>
+                                          <p:attrName>style.visibility</p:attrName>
+                                        </p:attrNameLst>
+                                      </p:cBhvr>
+                                      <p:to>
+                                        <p:strVal val="visible"/>
+                                      </p:to>
+                                    </p:set>
+                                  </p:childTnLst>
+                                </p:cTn>
+                              </p:par>
+                            </p:childTnLst>
+                          </p:cTn>
+                        </p:par>
+                      </p:childTnLst>
+                    </p:cTn>
+                  </p:par>
+                  <p:par>
+                    <p:cTn id="27" fill="hold">
+                      <p:stCondLst>
+                        <p:cond delay="indefinite"/>
+                      </p:stCondLst>
+                      <p:childTnLst>
+                        <p:par>
+                          <p:cTn id="28" fill="hold">
+                            <p:stCondLst>
+                              <p:cond delay="0"/>
+                            </p:stCondLst>
+                            <p:childTnLst>
+                              <p:par>
+                                <p:cTn id="29" presetID="1" presetClass="entr" presetSubtype="0" fill="hold" grpId="0" nodeType="clickEffect">
+                                  <p:stCondLst>
+                                    <p:cond delay="0"/>
+                                  </p:stCondLst>
+                                  <p:childTnLst>
+                                    <p:set>
+                                      <p:cBhvr>
+                                        <p:cTn id="30" dur="1" fill="hold">
+                                          <p:stCondLst>
+                                            <p:cond delay="0"/>
+                                          </p:stCondLst>
+                                        </p:cTn>
+                                        <p:tgtEl>
+                                          <p:spTgt spid="3">
+                                            <p:txEl>
+                                              <p:pRg st="3" end="3"/>
+                                            </p:txEl>
+                                          </p:spTgt>
+                                        </p:tgtEl>
+                                        <p:attrNameLst>
+                                          <p:attrName>style.visibility</p:attrName>
+                                        </p:attrNameLst>
+                                      </p:cBhvr>
+                                      <p:to>
+                                        <p:strVal val="visible"/>
+                                      </p:to>
+                                    </p:set>
+                                  </p:childTnLst>
+                                </p:cTn>
+                              </p:par>
+                            </p:childTnLst>
+                          </p:cTn>
+                        </p:par>
+                      </p:childTnLst>
+                    </p:cTn>
+                  </p:par>
+                  <p:par>
+                    <p:cTn id="31" fill="hold">
+                      <p:stCondLst>
+                        <p:cond delay="indefinite"/>
+                      </p:stCondLst>
+                      <p:childTnLst>
+                        <p:par>
+                          <p:cTn id="32" fill="hold">
+                            <p:stCondLst>
+                              <p:cond delay="0"/>
+                            </p:stCondLst>
+                            <p:childTnLst>
+                              <p:par>
+                                <p:cTn id="33" presetID="1" presetClass="entr" presetSubtype="0" fill="hold" grpId="0" nodeType="clickEffect">
+                                  <p:stCondLst>
+                                    <p:cond delay="0"/>
+                                  </p:stCondLst>
+                                  <p:childTnLst>
+                                    <p:set>
+                                      <p:cBhvr>
+                                        <p:cTn id="34" dur="1" fill="hold">
+                                          <p:stCondLst>
+                                            <p:cond delay="0"/>
+                                          </p:stCondLst>
+                                        </p:cTn>
+                                        <p:tgtEl>
+                                          <p:spTgt spid="3">
+                                            <p:txEl>
+                                              <p:pRg st="4" end="4"/>
+                                            </p:txEl>
+                                          </p:spTgt>
+                                        </p:tgtEl>
+                                        <p:attrNameLst>
+                                          <p:attrName>style.visibility</p:attrName>
+                                        </p:attrNameLst>
+                                      </p:cBhvr>
+                                      <p:to>
+                                        <p:strVal val="visible"/>
+                                      </p:to>
+                                    </p:set>
+                                  </p:childTnLst>
+                                </p:cTn>
+                              </p:par>
+                            </p:childTnLst>
+                          </p:cTn>
+                        </p:par>
+                      </p:childTnLst>
+                    </p:cTn>
+                  </p:par>
+                  <p:par>
+                    <p:cTn id="35" fill="hold">
+                      <p:stCondLst>
+                        <p:cond delay="indefinite"/>
+                      </p:stCondLst>
+                      <p:childTnLst>
+                        <p:par>
+                          <p:cTn id="36" fill="hold">
+                            <p:stCondLst>
+                              <p:cond delay="0"/>
+                            </p:stCondLst>
+                            <p:childTnLst>
+                              <p:par>
+                                <p:cTn id="37" presetID="1" presetClass="entr" presetSubtype="0" fill="hold" grpId="0" nodeType="clickEffect">
+                                  <p:stCondLst>
+                                    <p:cond delay="0"/>
+                                  </p:stCondLst>
+                                  <p:childTnLst>
+                                    <p:set>
+                                      <p:cBhvr>
+                                        <p:cTn id="38" dur="1" fill="hold">
+                                          <p:stCondLst>
+                                            <p:cond delay="0"/>
+                                          </p:stCondLst>
+                                        </p:cTn>
+                                        <p:tgtEl>
+                                          <p:spTgt spid="3">
+                                            <p:txEl>
+                                              <p:pRg st="5" end="5"/>
+                                            </p:txEl>
+                                          </p:spTgt>
+                                        </p:tgtEl>
+                                        <p:attrNameLst>
+                                          <p:attrName>style.visibility</p:attrName>
+                                        </p:attrNameLst>
+                                      </p:cBhvr>
+                                      <p:to>
+                                        <p:strVal val="visible"/>
+                                      </p:to>
+                                    </p:set>
+                                  </p:childTnLst>
+                                </p:cTn>
+                              </p:par>
+                            </p:childTnLst>
+                          </p:cTn>
+                        </p:par>
+                      </p:childTnLst>
+                    </p:cTn>
+                  </p:par>
+                  <p:par>
+                    <p:cTn id="39" fill="hold">
+                      <p:stCondLst>
+                        <p:cond delay="indefinite"/>
+                      </p:stCondLst>
+                      <p:childTnLst>
+                        <p:par>
+                          <p:cTn id="40" fill="hold">
+                            <p:stCondLst>
+                              <p:cond delay="0"/>
+                            </p:stCondLst>
+                            <p:childTnLst>
+                              <p:par>
+                                <p:cTn id="41" presetID="1" presetClass="entr" presetSubtype="0" fill="hold" grpId="0" nodeType="clickEffect">
+                                  <p:stCondLst>
+                                    <p:cond delay="0"/>
+                                  </p:stCondLst>
+                                  <p:childTnLst>
+                                    <p:set>
+                                      <p:cBhvr>
+                                        <p:cTn id="42" dur="1" fill="hold">
+                                          <p:stCondLst>
+                                            <p:cond delay="0"/>
+                                          </p:stCondLst>
+                                        </p:cTn>
+                                        <p:tgtEl>
+                                          <p:spTgt spid="3">
+                                            <p:txEl>
+                                              <p:pRg st="6" end="6"/>
+                                            </p:txEl>
+                                          </p:spTgt>
+                                        </p:tgtEl>
+                                        <p:attrNameLst>
+                                          <p:attrName>style.visibility</p:attrName>
+                                        </p:attrNameLst>
+                                      </p:cBhvr>
+                                      <p:to>
+                                        <p:strVal val="visible"/>
+                                      </p:to>
+                                    </p:set>
+                                  </p:childTnLst>
+                                </p:cTn>
+                              </p:par>
+                            </p:childTnLst>
+                          </p:cTn>
+                        </p:par>
+                      </p:childTnLst>
+                    </p:cTn>
+                  </p:par>
+                  <p:par>
+                    <p:cTn id="43" fill="hold">
+                      <p:stCondLst>
+                        <p:cond delay="indefinite"/>
+                      </p:stCondLst>
+                      <p:childTnLst>
+                        <p:par>
+                          <p:cTn id="44" fill="hold">
+                            <p:stCondLst>
+                              <p:cond delay="0"/>
+                            </p:stCondLst>
+                            <p:childTnLst>
+                              <p:par>
+                                <p:cTn id="45" presetID="1" presetClass="entr" presetSubtype="0" fill="hold" grpId="0" nodeType="clickEffect">
+                                  <p:stCondLst>
+                                    <p:cond delay="0"/>
+                                  </p:stCondLst>
+                                  <p:childTnLst>
+                                    <p:set>
+                                      <p:cBhvr>
+                                        <p:cTn id="46" dur="1" fill="hold">
+                                          <p:stCondLst>
+                                            <p:cond delay="0"/>
+                                          </p:stCondLst>
+                                        </p:cTn>
+                                        <p:tgtEl>
+                                          <p:spTgt spid="3">
+                                            <p:txEl>
+                                              <p:pRg st="7" end="7"/>
+                                            </p:txEl>
+                                          </p:spTgt>
+                                        </p:tgtEl>
+                                        <p:attrNameLst>
+                                          <p:attrName>style.visibility</p:attrName>
+                                        </p:attrNameLst>
+                                      </p:cBhvr>
+                                      <p:to>
+                                        <p:strVal val="visible"/>
+                                      </p:to>
+                                    </p:set>
+                                  </p:childTnLst>
+                                </p:cTn>
+                              </p:par>
+                            </p:childTnLst>
+                          </p:cTn>
+                        </p:par>
+                      </p:childTnLst>
+                    </p:cTn>
+                  </p:par>
+                </p:childTnLst>
+              </p:cTn>
+              <p:prevCondLst>
+                <p:cond evt="onPrev" delay="0">
+                  <p:tgtEl>
+                    <p:sldTgt/>
+                  </p:tgtEl>
+                </p:cond>
+              </p:prevCondLst>
+              <p:nextCondLst>
+                <p:cond evt="onNext" delay="0">
+                  <p:tgtEl>
+                    <p:sldTgt/>
+                  </p:tgtEl>
+                </p:cond>
+              </p:nextCondLst>
+            </p:seq>
+          </p:childTnLst>
+        </p:cTn>
       </p:par>
     </p:tnLst>
+    <p:bldLst>
+      <p:bldP spid="3" grpId="0" uiExpand="1" build="p"/>
+      <p:bldP spid="7" grpId="0"/>
+      <p:bldP spid="8" grpId="0"/>
+    </p:bldLst>
   </p:timing>
 </p:sld>
 </file>
@@ -15002,6 +21460,12 @@
             <a:r>
               <a:rPr lang="en-CA" dirty="0" smtClean="0"/>
               <a:t>‘While’ loop repeats until we have covered all instances of a given class</a:t>
+            </a:r>
+          </a:p>
+          <a:p>
+            <a:r>
+              <a:rPr lang="en-CA" dirty="0" smtClean="0"/>
+              <a:t>Note that we reinitialize E to the full instance set when starting on a new class</a:t>
             </a:r>
           </a:p>
           <a:p>
@@ -15049,9 +21513,230 @@
   <p:timing>
     <p:tnLst>
       <p:par>
-        <p:cTn id="1" dur="indefinite" restart="never" nodeType="tmRoot"/>
+        <p:cTn id="1" dur="indefinite" restart="never" nodeType="tmRoot">
+          <p:childTnLst>
+            <p:seq concurrent="1" nextAc="seek">
+              <p:cTn id="2" dur="indefinite" nodeType="mainSeq">
+                <p:childTnLst>
+                  <p:par>
+                    <p:cTn id="3" fill="hold">
+                      <p:stCondLst>
+                        <p:cond delay="indefinite"/>
+                        <p:cond evt="onBegin" delay="0">
+                          <p:tn val="2"/>
+                        </p:cond>
+                      </p:stCondLst>
+                      <p:childTnLst>
+                        <p:par>
+                          <p:cTn id="4" fill="hold">
+                            <p:stCondLst>
+                              <p:cond delay="0"/>
+                            </p:stCondLst>
+                            <p:childTnLst>
+                              <p:par>
+                                <p:cTn id="5" presetID="1" presetClass="entr" presetSubtype="0" fill="hold" nodeType="withEffect">
+                                  <p:stCondLst>
+                                    <p:cond delay="0"/>
+                                  </p:stCondLst>
+                                  <p:childTnLst>
+                                    <p:set>
+                                      <p:cBhvr>
+                                        <p:cTn id="6" dur="1" fill="hold">
+                                          <p:stCondLst>
+                                            <p:cond delay="0"/>
+                                          </p:stCondLst>
+                                        </p:cTn>
+                                        <p:tgtEl>
+                                          <p:spTgt spid="4"/>
+                                        </p:tgtEl>
+                                        <p:attrNameLst>
+                                          <p:attrName>style.visibility</p:attrName>
+                                        </p:attrNameLst>
+                                      </p:cBhvr>
+                                      <p:to>
+                                        <p:strVal val="visible"/>
+                                      </p:to>
+                                    </p:set>
+                                  </p:childTnLst>
+                                </p:cTn>
+                              </p:par>
+                            </p:childTnLst>
+                          </p:cTn>
+                        </p:par>
+                      </p:childTnLst>
+                    </p:cTn>
+                  </p:par>
+                  <p:par>
+                    <p:cTn id="7" fill="hold">
+                      <p:stCondLst>
+                        <p:cond delay="indefinite"/>
+                      </p:stCondLst>
+                      <p:childTnLst>
+                        <p:par>
+                          <p:cTn id="8" fill="hold">
+                            <p:stCondLst>
+                              <p:cond delay="0"/>
+                            </p:stCondLst>
+                            <p:childTnLst>
+                              <p:par>
+                                <p:cTn id="9" presetID="1" presetClass="entr" presetSubtype="0" fill="hold" grpId="0" nodeType="clickEffect">
+                                  <p:stCondLst>
+                                    <p:cond delay="0"/>
+                                  </p:stCondLst>
+                                  <p:childTnLst>
+                                    <p:set>
+                                      <p:cBhvr>
+                                        <p:cTn id="10" dur="1" fill="hold">
+                                          <p:stCondLst>
+                                            <p:cond delay="0"/>
+                                          </p:stCondLst>
+                                        </p:cTn>
+                                        <p:tgtEl>
+                                          <p:spTgt spid="3">
+                                            <p:txEl>
+                                              <p:pRg st="0" end="0"/>
+                                            </p:txEl>
+                                          </p:spTgt>
+                                        </p:tgtEl>
+                                        <p:attrNameLst>
+                                          <p:attrName>style.visibility</p:attrName>
+                                        </p:attrNameLst>
+                                      </p:cBhvr>
+                                      <p:to>
+                                        <p:strVal val="visible"/>
+                                      </p:to>
+                                    </p:set>
+                                  </p:childTnLst>
+                                </p:cTn>
+                              </p:par>
+                            </p:childTnLst>
+                          </p:cTn>
+                        </p:par>
+                      </p:childTnLst>
+                    </p:cTn>
+                  </p:par>
+                  <p:par>
+                    <p:cTn id="11" fill="hold">
+                      <p:stCondLst>
+                        <p:cond delay="indefinite"/>
+                      </p:stCondLst>
+                      <p:childTnLst>
+                        <p:par>
+                          <p:cTn id="12" fill="hold">
+                            <p:stCondLst>
+                              <p:cond delay="0"/>
+                            </p:stCondLst>
+                            <p:childTnLst>
+                              <p:par>
+                                <p:cTn id="13" presetID="1" presetClass="entr" presetSubtype="0" fill="hold" grpId="0" nodeType="clickEffect">
+                                  <p:stCondLst>
+                                    <p:cond delay="0"/>
+                                  </p:stCondLst>
+                                  <p:childTnLst>
+                                    <p:set>
+                                      <p:cBhvr>
+                                        <p:cTn id="14" dur="1" fill="hold">
+                                          <p:stCondLst>
+                                            <p:cond delay="0"/>
+                                          </p:stCondLst>
+                                        </p:cTn>
+                                        <p:tgtEl>
+                                          <p:spTgt spid="3">
+                                            <p:txEl>
+                                              <p:pRg st="1" end="1"/>
+                                            </p:txEl>
+                                          </p:spTgt>
+                                        </p:tgtEl>
+                                        <p:attrNameLst>
+                                          <p:attrName>style.visibility</p:attrName>
+                                        </p:attrNameLst>
+                                      </p:cBhvr>
+                                      <p:to>
+                                        <p:strVal val="visible"/>
+                                      </p:to>
+                                    </p:set>
+                                  </p:childTnLst>
+                                </p:cTn>
+                              </p:par>
+                            </p:childTnLst>
+                          </p:cTn>
+                        </p:par>
+                      </p:childTnLst>
+                    </p:cTn>
+                  </p:par>
+                  <p:par>
+                    <p:cTn id="15" fill="hold">
+                      <p:stCondLst>
+                        <p:cond delay="indefinite"/>
+                      </p:stCondLst>
+                      <p:childTnLst>
+                        <p:par>
+                          <p:cTn id="16" fill="hold">
+                            <p:stCondLst>
+                              <p:cond delay="0"/>
+                            </p:stCondLst>
+                            <p:childTnLst>
+                              <p:par>
+                                <p:cTn id="17" presetID="1" presetClass="entr" presetSubtype="0" fill="hold" grpId="0" nodeType="clickEffect">
+                                  <p:stCondLst>
+                                    <p:cond delay="0"/>
+                                  </p:stCondLst>
+                                  <p:childTnLst>
+                                    <p:set>
+                                      <p:cBhvr>
+                                        <p:cTn id="18" dur="1" fill="hold">
+                                          <p:stCondLst>
+                                            <p:cond delay="0"/>
+                                          </p:stCondLst>
+                                        </p:cTn>
+                                        <p:tgtEl>
+                                          <p:spTgt spid="3">
+                                            <p:txEl>
+                                              <p:pRg st="2" end="2"/>
+                                            </p:txEl>
+                                          </p:spTgt>
+                                        </p:tgtEl>
+                                        <p:attrNameLst>
+                                          <p:attrName>style.visibility</p:attrName>
+                                        </p:attrNameLst>
+                                      </p:cBhvr>
+                                      <p:to>
+                                        <p:strVal val="visible"/>
+                                      </p:to>
+                                    </p:set>
+                                  </p:childTnLst>
+                                </p:cTn>
+                              </p:par>
+                            </p:childTnLst>
+                          </p:cTn>
+                        </p:par>
+                      </p:childTnLst>
+                    </p:cTn>
+                  </p:par>
+                </p:childTnLst>
+              </p:cTn>
+              <p:prevCondLst>
+                <p:cond evt="onPrev" delay="0">
+                  <p:tgtEl>
+                    <p:sldTgt/>
+                  </p:tgtEl>
+                </p:cond>
+              </p:prevCondLst>
+              <p:nextCondLst>
+                <p:cond evt="onNext" delay="0">
+                  <p:tgtEl>
+                    <p:sldTgt/>
+                  </p:tgtEl>
+                </p:cond>
+              </p:nextCondLst>
+            </p:seq>
+          </p:childTnLst>
+        </p:cTn>
       </p:par>
     </p:tnLst>
+    <p:bldLst>
+      <p:bldP spid="3" grpId="0" uiExpand="1" build="p"/>
+    </p:bldLst>
   </p:timing>
 </p:sld>
 </file>
@@ -15154,6 +21839,144 @@
               <a:t>“PRISM produces its results as a set of modular rules which are maximally general when the training set is a complete one”</a:t>
             </a:r>
             <a:endParaRPr lang="en-CA" dirty="0"/>
+          </a:p>
+        </p:txBody>
+      </p:sp>
+      <p:sp>
+        <p:nvSpPr>
+          <p:cNvPr id="2" name="Rectangle 1"/>
+          <p:cNvSpPr/>
+          <p:nvPr/>
+        </p:nvSpPr>
+        <p:spPr>
+          <a:xfrm>
+            <a:off x="732169" y="4807527"/>
+            <a:ext cx="8049490" cy="762000"/>
+          </a:xfrm>
+          <a:prstGeom prst="rect">
+            <a:avLst/>
+          </a:prstGeom>
+          <a:noFill/>
+          <a:ln w="38100">
+            <a:solidFill>
+              <a:srgbClr val="00B050"/>
+            </a:solidFill>
+          </a:ln>
+        </p:spPr>
+        <p:style>
+          <a:lnRef idx="2">
+            <a:schemeClr val="accent1">
+              <a:shade val="50000"/>
+            </a:schemeClr>
+          </a:lnRef>
+          <a:fillRef idx="1">
+            <a:schemeClr val="accent1"/>
+          </a:fillRef>
+          <a:effectRef idx="0">
+            <a:schemeClr val="accent1"/>
+          </a:effectRef>
+          <a:fontRef idx="minor">
+            <a:schemeClr val="lt1"/>
+          </a:fontRef>
+        </p:style>
+        <p:txBody>
+          <a:bodyPr rtlCol="0" anchor="ctr"/>
+          <a:lstStyle/>
+          <a:p>
+            <a:pPr algn="ctr"/>
+            <a:endParaRPr lang="en-CA"/>
+          </a:p>
+        </p:txBody>
+      </p:sp>
+      <p:sp>
+        <p:nvSpPr>
+          <p:cNvPr id="3" name="Rectangle 2"/>
+          <p:cNvSpPr/>
+          <p:nvPr/>
+        </p:nvSpPr>
+        <p:spPr>
+          <a:xfrm>
+            <a:off x="2583872" y="3893128"/>
+            <a:ext cx="4274127" cy="214745"/>
+          </a:xfrm>
+          <a:prstGeom prst="rect">
+            <a:avLst/>
+          </a:prstGeom>
+          <a:noFill/>
+          <a:ln w="57150">
+            <a:solidFill>
+              <a:srgbClr val="FF0000"/>
+            </a:solidFill>
+          </a:ln>
+        </p:spPr>
+        <p:style>
+          <a:lnRef idx="2">
+            <a:schemeClr val="accent1">
+              <a:shade val="50000"/>
+            </a:schemeClr>
+          </a:lnRef>
+          <a:fillRef idx="1">
+            <a:schemeClr val="accent1"/>
+          </a:fillRef>
+          <a:effectRef idx="0">
+            <a:schemeClr val="accent1"/>
+          </a:effectRef>
+          <a:fontRef idx="minor">
+            <a:schemeClr val="lt1"/>
+          </a:fontRef>
+        </p:style>
+        <p:txBody>
+          <a:bodyPr rtlCol="0" anchor="ctr"/>
+          <a:lstStyle/>
+          <a:p>
+            <a:pPr algn="ctr"/>
+            <a:endParaRPr lang="en-CA"/>
+          </a:p>
+        </p:txBody>
+      </p:sp>
+      <p:sp>
+        <p:nvSpPr>
+          <p:cNvPr id="7" name="Rectangle 6"/>
+          <p:cNvSpPr/>
+          <p:nvPr/>
+        </p:nvSpPr>
+        <p:spPr>
+          <a:xfrm>
+            <a:off x="2708563" y="4107873"/>
+            <a:ext cx="4897581" cy="242454"/>
+          </a:xfrm>
+          <a:prstGeom prst="rect">
+            <a:avLst/>
+          </a:prstGeom>
+          <a:noFill/>
+          <a:ln w="57150">
+            <a:solidFill>
+              <a:srgbClr val="FF0000"/>
+            </a:solidFill>
+          </a:ln>
+        </p:spPr>
+        <p:style>
+          <a:lnRef idx="2">
+            <a:schemeClr val="accent1">
+              <a:shade val="50000"/>
+            </a:schemeClr>
+          </a:lnRef>
+          <a:fillRef idx="1">
+            <a:schemeClr val="accent1"/>
+          </a:fillRef>
+          <a:effectRef idx="0">
+            <a:schemeClr val="accent1"/>
+          </a:effectRef>
+          <a:fontRef idx="minor">
+            <a:schemeClr val="lt1"/>
+          </a:fontRef>
+        </p:style>
+        <p:txBody>
+          <a:bodyPr rtlCol="0" anchor="ctr"/>
+          <a:lstStyle/>
+          <a:p>
+            <a:pPr algn="ctr"/>
+            <a:endParaRPr lang="en-CA"/>
           </a:p>
         </p:txBody>
       </p:sp>
